--- a/NRT Pipeline Modernization Overview.pptx
+++ b/NRT Pipeline Modernization Overview.pptx
@@ -9,8 +9,9 @@
     <p:sldId id="257" r:id="rId3"/>
     <p:sldId id="258" r:id="rId4"/>
     <p:sldId id="262" r:id="rId5"/>
-    <p:sldId id="260" r:id="rId6"/>
-    <p:sldId id="261" r:id="rId7"/>
+    <p:sldId id="265" r:id="rId6"/>
+    <p:sldId id="260" r:id="rId7"/>
+    <p:sldId id="261" r:id="rId8"/>
   </p:sldIdLst>
   <p:sldSz cx="12192000" cy="6858000"/>
   <p:notesSz cx="6858000" cy="9144000"/>
@@ -109,6 +110,11 @@
       </a:defRPr>
     </a:lvl9pPr>
   </p:defaultTextStyle>
+  <p:extLst>
+    <p:ext uri="{EFAFB233-063F-42B5-8137-9DF3F51BA10A}">
+      <p15:sldGuideLst xmlns:p15="http://schemas.microsoft.com/office/powerpoint/2012/main"/>
+    </p:ext>
+  </p:extLst>
 </p:presentation>
 </file>
 
@@ -3312,6 +3318,14 @@
 <file path=ppt/slides/slide1.xml><?xml version="1.0" encoding="utf-8"?>
 <p:sld xmlns:a="http://schemas.openxmlformats.org/drawingml/2006/main" xmlns:r="http://schemas.openxmlformats.org/officeDocument/2006/relationships" xmlns:p="http://schemas.openxmlformats.org/presentationml/2006/main">
   <p:cSld>
+    <p:bg>
+      <p:bgPr>
+        <a:solidFill>
+          <a:schemeClr val="bg1"/>
+        </a:solidFill>
+        <a:effectLst/>
+      </p:bgPr>
+    </p:bg>
     <p:spTree>
       <p:nvGrpSpPr>
         <p:cNvPr id="1" name=""/>
@@ -3326,45 +3340,582 @@
           <a:chExt cx="0" cy="0"/>
         </a:xfrm>
       </p:grpSpPr>
-      <p:sp>
-        <p:nvSpPr>
-          <p:cNvPr id="2" name="Title 1">
-            <a:extLst>
-              <a:ext uri="{FF2B5EF4-FFF2-40B4-BE49-F238E27FC236}">
-                <a16:creationId xmlns:a16="http://schemas.microsoft.com/office/drawing/2014/main" id="{3E63507E-9F69-1187-C2E4-5FD66CFF513B}"/>
-              </a:ext>
-            </a:extLst>
-          </p:cNvPr>
-          <p:cNvSpPr>
-            <a:spLocks noGrp="1"/>
-          </p:cNvSpPr>
-          <p:nvPr>
-            <p:ph type="ctrTitle"/>
+      <p:sp useBgFill="1">
+        <p:nvSpPr>
+          <p:cNvPr id="7" name="Rectangle 6">
+            <a:extLst>
+              <a:ext uri="{FF2B5EF4-FFF2-40B4-BE49-F238E27FC236}">
+                <a16:creationId xmlns:a16="http://schemas.microsoft.com/office/drawing/2014/main" id="{6F5A5072-7B47-4D32-B52A-4EBBF590B8A5}"/>
+              </a:ext>
+              <a:ext uri="{C183D7F6-B498-43B3-948B-1728B52AA6E4}">
+                <adec:decorative xmlns:adec="http://schemas.microsoft.com/office/drawing/2017/decorative" val="1"/>
+              </a:ext>
+            </a:extLst>
+          </p:cNvPr>
+          <p:cNvSpPr>
+            <a:spLocks noGrp="1" noRot="1" noChangeAspect="1" noMove="1" noResize="1" noEditPoints="1" noAdjustHandles="1" noChangeArrowheads="1" noChangeShapeType="1" noTextEdit="1"/>
+          </p:cNvSpPr>
+          <p:nvPr>
+            <p:extLst>
+              <p:ext uri="{386F3935-93C4-4BCD-93E2-E3B085C9AB24}">
+                <p16:designElem xmlns:p16="http://schemas.microsoft.com/office/powerpoint/2015/main" val="1"/>
+              </p:ext>
+            </p:extLst>
           </p:nvPr>
         </p:nvSpPr>
         <p:spPr>
           <a:xfrm>
-            <a:off x="1524000" y="1122362"/>
-            <a:ext cx="9144000" cy="4298723"/>
+            <a:off x="0" y="0"/>
+            <a:ext cx="12192000" cy="6858000"/>
+          </a:xfrm>
+          <a:prstGeom prst="rect">
+            <a:avLst/>
+          </a:prstGeom>
+          <a:ln w="12700" cap="flat" cmpd="sng" algn="ctr">
+            <a:noFill/>
+            <a:prstDash val="solid"/>
+            <a:miter lim="800000"/>
+          </a:ln>
+          <a:effectLst/>
+          <a:extLst>
+            <a:ext uri="{91240B29-F687-4F45-9708-019B960494DF}">
+              <a14:hiddenLine xmlns:a14="http://schemas.microsoft.com/office/drawing/2010/main" w="12700" cap="flat" cmpd="sng" algn="ctr">
+                <a:solidFill>
+                  <a:schemeClr val="accent1">
+                    <a:shade val="50000"/>
+                  </a:schemeClr>
+                </a:solidFill>
+                <a:prstDash val="solid"/>
+                <a:miter lim="800000"/>
+              </a14:hiddenLine>
+            </a:ext>
+          </a:extLst>
+        </p:spPr>
+        <p:style>
+          <a:lnRef idx="2">
+            <a:schemeClr val="accent1">
+              <a:shade val="50000"/>
+            </a:schemeClr>
+          </a:lnRef>
+          <a:fillRef idx="1">
+            <a:schemeClr val="accent1"/>
+          </a:fillRef>
+          <a:effectRef idx="0">
+            <a:schemeClr val="accent1"/>
+          </a:effectRef>
+          <a:fontRef idx="minor">
+            <a:schemeClr val="lt1"/>
+          </a:fontRef>
+        </p:style>
+        <p:txBody>
+          <a:bodyPr rtlCol="0" anchor="ctr"/>
+          <a:lstStyle/>
+          <a:p>
+            <a:pPr algn="ctr"/>
+            <a:endParaRPr lang="en-US"/>
+          </a:p>
+        </p:txBody>
+      </p:sp>
+      <p:sp>
+        <p:nvSpPr>
+          <p:cNvPr id="9" name="Rectangle 8">
+            <a:extLst>
+              <a:ext uri="{FF2B5EF4-FFF2-40B4-BE49-F238E27FC236}">
+                <a16:creationId xmlns:a16="http://schemas.microsoft.com/office/drawing/2014/main" id="{9715DAF0-AE1B-46C9-8A6B-DB2AA05AB91D}"/>
+              </a:ext>
+              <a:ext uri="{C183D7F6-B498-43B3-948B-1728B52AA6E4}">
+                <adec:decorative xmlns:adec="http://schemas.microsoft.com/office/drawing/2017/decorative" val="1"/>
+              </a:ext>
+            </a:extLst>
+          </p:cNvPr>
+          <p:cNvSpPr>
+            <a:spLocks noGrp="1" noRot="1" noChangeAspect="1" noMove="1" noResize="1" noEditPoints="1" noAdjustHandles="1" noChangeArrowheads="1" noChangeShapeType="1" noTextEdit="1"/>
+          </p:cNvSpPr>
+          <p:nvPr>
+            <p:extLst>
+              <p:ext uri="{386F3935-93C4-4BCD-93E2-E3B085C9AB24}">
+                <p16:designElem xmlns:p16="http://schemas.microsoft.com/office/powerpoint/2015/main" val="1"/>
+              </p:ext>
+            </p:extLst>
+          </p:nvPr>
+        </p:nvSpPr>
+        <p:spPr>
+          <a:xfrm rot="10800000">
+            <a:off x="-2" y="-22693"/>
+            <a:ext cx="12191999" cy="4374129"/>
+          </a:xfrm>
+          <a:prstGeom prst="rect">
+            <a:avLst/>
+          </a:prstGeom>
+          <a:gradFill>
+            <a:gsLst>
+              <a:gs pos="0">
+                <a:schemeClr val="accent1">
+                  <a:lumMod val="75000"/>
+                </a:schemeClr>
+              </a:gs>
+              <a:gs pos="100000">
+                <a:srgbClr val="000000"/>
+              </a:gs>
+            </a:gsLst>
+            <a:lin ang="15000000" scaled="0"/>
+          </a:gradFill>
+          <a:ln>
+            <a:noFill/>
+          </a:ln>
+        </p:spPr>
+        <p:style>
+          <a:lnRef idx="2">
+            <a:schemeClr val="accent1">
+              <a:shade val="50000"/>
+            </a:schemeClr>
+          </a:lnRef>
+          <a:fillRef idx="1">
+            <a:schemeClr val="accent1"/>
+          </a:fillRef>
+          <a:effectRef idx="0">
+            <a:schemeClr val="accent1"/>
+          </a:effectRef>
+          <a:fontRef idx="minor">
+            <a:schemeClr val="lt1"/>
+          </a:fontRef>
+        </p:style>
+        <p:txBody>
+          <a:bodyPr rtlCol="0" anchor="ctr"/>
+          <a:lstStyle/>
+          <a:p>
+            <a:pPr algn="ctr"/>
+            <a:endParaRPr lang="en-US"/>
+          </a:p>
+        </p:txBody>
+      </p:sp>
+      <p:sp>
+        <p:nvSpPr>
+          <p:cNvPr id="11" name="Rectangle 10">
+            <a:extLst>
+              <a:ext uri="{FF2B5EF4-FFF2-40B4-BE49-F238E27FC236}">
+                <a16:creationId xmlns:a16="http://schemas.microsoft.com/office/drawing/2014/main" id="{6016219D-510E-4184-9090-6D5578A87BD1}"/>
+              </a:ext>
+              <a:ext uri="{C183D7F6-B498-43B3-948B-1728B52AA6E4}">
+                <adec:decorative xmlns:adec="http://schemas.microsoft.com/office/drawing/2017/decorative" val="1"/>
+              </a:ext>
+            </a:extLst>
+          </p:cNvPr>
+          <p:cNvSpPr>
+            <a:spLocks noGrp="1" noRot="1" noChangeAspect="1" noMove="1" noResize="1" noEditPoints="1" noAdjustHandles="1" noChangeArrowheads="1" noChangeShapeType="1" noTextEdit="1"/>
+          </p:cNvSpPr>
+          <p:nvPr>
+            <p:extLst>
+              <p:ext uri="{386F3935-93C4-4BCD-93E2-E3B085C9AB24}">
+                <p16:designElem xmlns:p16="http://schemas.microsoft.com/office/powerpoint/2015/main" val="1"/>
+              </p:ext>
+            </p:extLst>
+          </p:nvPr>
+        </p:nvSpPr>
+        <p:spPr>
+          <a:xfrm rot="5400000">
+            <a:off x="3908719" y="-3931841"/>
+            <a:ext cx="4374557" cy="12192000"/>
+          </a:xfrm>
+          <a:prstGeom prst="rect">
+            <a:avLst/>
+          </a:prstGeom>
+          <a:gradFill>
+            <a:gsLst>
+              <a:gs pos="40000">
+                <a:schemeClr val="accent1">
+                  <a:alpha val="0"/>
+                </a:schemeClr>
+              </a:gs>
+              <a:gs pos="100000">
+                <a:schemeClr val="accent1">
+                  <a:lumMod val="75000"/>
+                  <a:alpha val="52000"/>
+                </a:schemeClr>
+              </a:gs>
+            </a:gsLst>
+            <a:lin ang="2400000" scaled="0"/>
+          </a:gradFill>
+          <a:ln>
+            <a:noFill/>
+          </a:ln>
+        </p:spPr>
+        <p:style>
+          <a:lnRef idx="2">
+            <a:schemeClr val="accent1">
+              <a:shade val="50000"/>
+            </a:schemeClr>
+          </a:lnRef>
+          <a:fillRef idx="1">
+            <a:schemeClr val="accent1"/>
+          </a:fillRef>
+          <a:effectRef idx="0">
+            <a:schemeClr val="accent1"/>
+          </a:effectRef>
+          <a:fontRef idx="minor">
+            <a:schemeClr val="lt1"/>
+          </a:fontRef>
+        </p:style>
+        <p:txBody>
+          <a:bodyPr rtlCol="0" anchor="ctr"/>
+          <a:lstStyle/>
+          <a:p>
+            <a:pPr algn="ctr"/>
+            <a:endParaRPr lang="en-US"/>
+          </a:p>
+        </p:txBody>
+      </p:sp>
+      <p:sp>
+        <p:nvSpPr>
+          <p:cNvPr id="13" name="Rectangle 12">
+            <a:extLst>
+              <a:ext uri="{FF2B5EF4-FFF2-40B4-BE49-F238E27FC236}">
+                <a16:creationId xmlns:a16="http://schemas.microsoft.com/office/drawing/2014/main" id="{AFF4A713-7B75-4B21-90D7-5AB19547C728}"/>
+              </a:ext>
+              <a:ext uri="{C183D7F6-B498-43B3-948B-1728B52AA6E4}">
+                <adec:decorative xmlns:adec="http://schemas.microsoft.com/office/drawing/2017/decorative" val="1"/>
+              </a:ext>
+            </a:extLst>
+          </p:cNvPr>
+          <p:cNvSpPr>
+            <a:spLocks noGrp="1" noRot="1" noChangeAspect="1" noMove="1" noResize="1" noEditPoints="1" noAdjustHandles="1" noChangeArrowheads="1" noChangeShapeType="1" noTextEdit="1"/>
+          </p:cNvSpPr>
+          <p:nvPr>
+            <p:extLst>
+              <p:ext uri="{386F3935-93C4-4BCD-93E2-E3B085C9AB24}">
+                <p16:designElem xmlns:p16="http://schemas.microsoft.com/office/powerpoint/2015/main" val="1"/>
+              </p:ext>
+            </p:extLst>
+          </p:nvPr>
+        </p:nvSpPr>
+        <p:spPr>
+          <a:xfrm rot="5400000">
+            <a:off x="4136696" y="-3703868"/>
+            <a:ext cx="4374128" cy="11736479"/>
+          </a:xfrm>
+          <a:prstGeom prst="rect">
+            <a:avLst/>
+          </a:prstGeom>
+          <a:gradFill>
+            <a:gsLst>
+              <a:gs pos="17000">
+                <a:schemeClr val="accent1">
+                  <a:alpha val="0"/>
+                </a:schemeClr>
+              </a:gs>
+              <a:gs pos="100000">
+                <a:srgbClr val="000000">
+                  <a:alpha val="37000"/>
+                </a:srgbClr>
+              </a:gs>
+            </a:gsLst>
+            <a:lin ang="7800000" scaled="0"/>
+          </a:gradFill>
+          <a:ln>
+            <a:noFill/>
+          </a:ln>
+        </p:spPr>
+        <p:style>
+          <a:lnRef idx="2">
+            <a:schemeClr val="accent1">
+              <a:shade val="50000"/>
+            </a:schemeClr>
+          </a:lnRef>
+          <a:fillRef idx="1">
+            <a:schemeClr val="accent1"/>
+          </a:fillRef>
+          <a:effectRef idx="0">
+            <a:schemeClr val="accent1"/>
+          </a:effectRef>
+          <a:fontRef idx="minor">
+            <a:schemeClr val="lt1"/>
+          </a:fontRef>
+        </p:style>
+        <p:txBody>
+          <a:bodyPr rtlCol="0" anchor="ctr"/>
+          <a:lstStyle/>
+          <a:p>
+            <a:pPr algn="ctr"/>
+            <a:endParaRPr lang="en-US"/>
+          </a:p>
+        </p:txBody>
+      </p:sp>
+      <p:sp>
+        <p:nvSpPr>
+          <p:cNvPr id="15" name="Rectangle 14">
+            <a:extLst>
+              <a:ext uri="{FF2B5EF4-FFF2-40B4-BE49-F238E27FC236}">
+                <a16:creationId xmlns:a16="http://schemas.microsoft.com/office/drawing/2014/main" id="{DC631C0B-6DA6-4E57-8231-CE32B3434A7E}"/>
+              </a:ext>
+              <a:ext uri="{C183D7F6-B498-43B3-948B-1728B52AA6E4}">
+                <adec:decorative xmlns:adec="http://schemas.microsoft.com/office/drawing/2017/decorative" val="1"/>
+              </a:ext>
+            </a:extLst>
+          </p:cNvPr>
+          <p:cNvSpPr>
+            <a:spLocks noGrp="1" noRot="1" noChangeAspect="1" noMove="1" noResize="1" noEditPoints="1" noAdjustHandles="1" noChangeArrowheads="1" noChangeShapeType="1" noTextEdit="1"/>
+          </p:cNvSpPr>
+          <p:nvPr>
+            <p:extLst>
+              <p:ext uri="{386F3935-93C4-4BCD-93E2-E3B085C9AB24}">
+                <p16:designElem xmlns:p16="http://schemas.microsoft.com/office/powerpoint/2015/main" val="1"/>
+              </p:ext>
+            </p:extLst>
+          </p:nvPr>
+        </p:nvSpPr>
+        <p:spPr>
+          <a:xfrm>
+            <a:off x="-5" y="-22690"/>
+            <a:ext cx="8542485" cy="4374126"/>
+          </a:xfrm>
+          <a:prstGeom prst="rect">
+            <a:avLst/>
+          </a:prstGeom>
+          <a:gradFill>
+            <a:gsLst>
+              <a:gs pos="0">
+                <a:schemeClr val="accent1">
+                  <a:lumMod val="50000"/>
+                  <a:alpha val="0"/>
+                </a:schemeClr>
+              </a:gs>
+              <a:gs pos="100000">
+                <a:srgbClr val="000000">
+                  <a:alpha val="25000"/>
+                </a:srgbClr>
+              </a:gs>
+            </a:gsLst>
+            <a:lin ang="18600000" scaled="0"/>
+          </a:gradFill>
+          <a:ln>
+            <a:noFill/>
+          </a:ln>
+        </p:spPr>
+        <p:style>
+          <a:lnRef idx="2">
+            <a:schemeClr val="accent1">
+              <a:shade val="50000"/>
+            </a:schemeClr>
+          </a:lnRef>
+          <a:fillRef idx="1">
+            <a:schemeClr val="accent1"/>
+          </a:fillRef>
+          <a:effectRef idx="0">
+            <a:schemeClr val="accent1"/>
+          </a:effectRef>
+          <a:fontRef idx="minor">
+            <a:schemeClr val="lt1"/>
+          </a:fontRef>
+        </p:style>
+        <p:txBody>
+          <a:bodyPr rtlCol="0" anchor="ctr"/>
+          <a:lstStyle/>
+          <a:p>
+            <a:pPr algn="ctr"/>
+            <a:endParaRPr lang="en-US"/>
+          </a:p>
+        </p:txBody>
+      </p:sp>
+      <p:sp>
+        <p:nvSpPr>
+          <p:cNvPr id="17" name="Freeform: Shape 16">
+            <a:extLst>
+              <a:ext uri="{FF2B5EF4-FFF2-40B4-BE49-F238E27FC236}">
+                <a16:creationId xmlns:a16="http://schemas.microsoft.com/office/drawing/2014/main" id="{C29501E6-A978-4A61-9689-9085AF97A53A}"/>
+              </a:ext>
+              <a:ext uri="{C183D7F6-B498-43B3-948B-1728B52AA6E4}">
+                <adec:decorative xmlns:adec="http://schemas.microsoft.com/office/drawing/2017/decorative" val="1"/>
+              </a:ext>
+            </a:extLst>
+          </p:cNvPr>
+          <p:cNvSpPr>
+            <a:spLocks noGrp="1" noRot="1" noChangeAspect="1" noMove="1" noResize="1" noEditPoints="1" noAdjustHandles="1" noChangeArrowheads="1" noChangeShapeType="1" noTextEdit="1"/>
+          </p:cNvSpPr>
+          <p:nvPr>
+            <p:extLst>
+              <p:ext uri="{386F3935-93C4-4BCD-93E2-E3B085C9AB24}">
+                <p16:designElem xmlns:p16="http://schemas.microsoft.com/office/powerpoint/2015/main" val="1"/>
+              </p:ext>
+            </p:extLst>
+          </p:nvPr>
+        </p:nvSpPr>
+        <p:spPr>
+          <a:xfrm rot="12508972">
+            <a:off x="5945431" y="-1032053"/>
+            <a:ext cx="4990147" cy="4439131"/>
+          </a:xfrm>
+          <a:custGeom>
+            <a:avLst/>
+            <a:gdLst>
+              <a:gd name="connsiteX0" fmla="*/ 4990147 w 4990147"/>
+              <a:gd name="connsiteY0" fmla="*/ 2229378 h 4439131"/>
+              <a:gd name="connsiteX1" fmla="*/ 917384 w 4990147"/>
+              <a:gd name="connsiteY1" fmla="*/ 4439131 h 4439131"/>
+              <a:gd name="connsiteX2" fmla="*/ 910814 w 4990147"/>
+              <a:gd name="connsiteY2" fmla="*/ 4434219 h 4439131"/>
+              <a:gd name="connsiteX3" fmla="*/ 0 w 4990147"/>
+              <a:gd name="connsiteY3" fmla="*/ 2502877 h 4439131"/>
+              <a:gd name="connsiteX4" fmla="*/ 2502877 w 4990147"/>
+              <a:gd name="connsiteY4" fmla="*/ 0 h 4439131"/>
+              <a:gd name="connsiteX5" fmla="*/ 4954904 w 4990147"/>
+              <a:gd name="connsiteY5" fmla="*/ 1998460 h 4439131"/>
+            </a:gdLst>
+            <a:ahLst/>
+            <a:cxnLst>
+              <a:cxn ang="0">
+                <a:pos x="connsiteX0" y="connsiteY0"/>
+              </a:cxn>
+              <a:cxn ang="0">
+                <a:pos x="connsiteX1" y="connsiteY1"/>
+              </a:cxn>
+              <a:cxn ang="0">
+                <a:pos x="connsiteX2" y="connsiteY2"/>
+              </a:cxn>
+              <a:cxn ang="0">
+                <a:pos x="connsiteX3" y="connsiteY3"/>
+              </a:cxn>
+              <a:cxn ang="0">
+                <a:pos x="connsiteX4" y="connsiteY4"/>
+              </a:cxn>
+              <a:cxn ang="0">
+                <a:pos x="connsiteX5" y="connsiteY5"/>
+              </a:cxn>
+            </a:cxnLst>
+            <a:rect l="l" t="t" r="r" b="b"/>
+            <a:pathLst>
+              <a:path w="4990147" h="4439131">
+                <a:moveTo>
+                  <a:pt x="4990147" y="2229378"/>
+                </a:moveTo>
+                <a:lnTo>
+                  <a:pt x="917384" y="4439131"/>
+                </a:lnTo>
+                <a:lnTo>
+                  <a:pt x="910814" y="4434219"/>
+                </a:lnTo>
+                <a:cubicBezTo>
+                  <a:pt x="354557" y="3975154"/>
+                  <a:pt x="0" y="3280421"/>
+                  <a:pt x="0" y="2502877"/>
+                </a:cubicBezTo>
+                <a:cubicBezTo>
+                  <a:pt x="0" y="1120576"/>
+                  <a:pt x="1120576" y="0"/>
+                  <a:pt x="2502877" y="0"/>
+                </a:cubicBezTo>
+                <a:cubicBezTo>
+                  <a:pt x="3712390" y="0"/>
+                  <a:pt x="4721520" y="857941"/>
+                  <a:pt x="4954904" y="1998460"/>
+                </a:cubicBezTo>
+                <a:close/>
+              </a:path>
+            </a:pathLst>
+          </a:custGeom>
+          <a:gradFill>
+            <a:gsLst>
+              <a:gs pos="0">
+                <a:schemeClr val="accent1">
+                  <a:alpha val="22000"/>
+                </a:schemeClr>
+              </a:gs>
+              <a:gs pos="87000">
+                <a:schemeClr val="accent1">
+                  <a:lumMod val="60000"/>
+                  <a:lumOff val="40000"/>
+                  <a:alpha val="2000"/>
+                </a:schemeClr>
+              </a:gs>
+            </a:gsLst>
+            <a:lin ang="8400000" scaled="0"/>
+          </a:gradFill>
+          <a:ln>
+            <a:noFill/>
+          </a:ln>
+        </p:spPr>
+        <p:style>
+          <a:lnRef idx="2">
+            <a:schemeClr val="accent1">
+              <a:shade val="50000"/>
+            </a:schemeClr>
+          </a:lnRef>
+          <a:fillRef idx="1">
+            <a:schemeClr val="accent1"/>
+          </a:fillRef>
+          <a:effectRef idx="0">
+            <a:schemeClr val="accent1"/>
+          </a:effectRef>
+          <a:fontRef idx="minor">
+            <a:schemeClr val="lt1"/>
+          </a:fontRef>
+        </p:style>
+        <p:txBody>
+          <a:bodyPr wrap="square" rtlCol="0" anchor="ctr">
+            <a:noAutofit/>
+          </a:bodyPr>
+          <a:lstStyle/>
+          <a:p>
+            <a:pPr algn="ctr"/>
+            <a:endParaRPr lang="en-US" dirty="0"/>
+          </a:p>
+        </p:txBody>
+      </p:sp>
+      <p:sp>
+        <p:nvSpPr>
+          <p:cNvPr id="2" name="Title 1">
+            <a:extLst>
+              <a:ext uri="{FF2B5EF4-FFF2-40B4-BE49-F238E27FC236}">
+                <a16:creationId xmlns:a16="http://schemas.microsoft.com/office/drawing/2014/main" id="{3E63507E-9F69-1187-C2E4-5FD66CFF513B}"/>
+              </a:ext>
+            </a:extLst>
+          </p:cNvPr>
+          <p:cNvSpPr>
+            <a:spLocks noGrp="1"/>
+          </p:cNvSpPr>
+          <p:nvPr>
+            <p:ph type="ctrTitle"/>
+          </p:nvPr>
+        </p:nvSpPr>
+        <p:spPr>
+          <a:xfrm>
+            <a:off x="1314824" y="735106"/>
+            <a:ext cx="10053763" cy="2928470"/>
           </a:xfrm>
         </p:spPr>
         <p:txBody>
-          <a:bodyPr>
+          <a:bodyPr anchor="b">
             <a:normAutofit/>
           </a:bodyPr>
           <a:lstStyle/>
           <a:p>
+            <a:pPr algn="l"/>
             <a:r>
-              <a:rPr lang="en-US" b="1" dirty="0"/>
+              <a:rPr lang="en-US" sz="4800" b="1">
+                <a:solidFill>
+                  <a:srgbClr val="FFFFFF"/>
+                </a:solidFill>
+              </a:rPr>
               <a:t>NRT Pipeline Modernization Overview</a:t>
             </a:r>
             <a:br>
-              <a:rPr lang="en-US" dirty="0"/>
+              <a:rPr lang="en-US" sz="4800">
+                <a:solidFill>
+                  <a:srgbClr val="FFFFFF"/>
+                </a:solidFill>
+              </a:rPr>
             </a:br>
             <a:br>
-              <a:rPr lang="en-US" dirty="0"/>
+              <a:rPr lang="en-US" sz="4800">
+                <a:solidFill>
+                  <a:srgbClr val="FFFFFF"/>
+                </a:solidFill>
+              </a:rPr>
             </a:br>
-            <a:endParaRPr lang="en-US" dirty="0"/>
+            <a:endParaRPr lang="en-US" sz="4800">
+              <a:solidFill>
+                <a:srgbClr val="FFFFFF"/>
+              </a:solidFill>
+            </a:endParaRPr>
           </a:p>
         </p:txBody>
       </p:sp>
@@ -3378,12 +3929,112 @@
   <p:clrMapOvr>
     <a:masterClrMapping/>
   </p:clrMapOvr>
+  <p:timing>
+    <p:tnLst>
+      <p:par>
+        <p:cTn id="1" dur="indefinite" restart="never" nodeType="tmRoot">
+          <p:childTnLst>
+            <p:seq concurrent="1" nextAc="seek">
+              <p:cTn id="2" dur="indefinite" nodeType="mainSeq">
+                <p:childTnLst>
+                  <p:par>
+                    <p:cTn id="3" fill="hold">
+                      <p:stCondLst>
+                        <p:cond delay="indefinite"/>
+                        <p:cond evt="onBegin" delay="0">
+                          <p:tn val="2"/>
+                        </p:cond>
+                      </p:stCondLst>
+                      <p:childTnLst>
+                        <p:par>
+                          <p:cTn id="4" fill="hold">
+                            <p:stCondLst>
+                              <p:cond delay="0"/>
+                            </p:stCondLst>
+                            <p:childTnLst>
+                              <p:par>
+                                <p:cTn id="5" presetID="10" presetClass="entr" presetSubtype="0" fill="hold" grpId="0" nodeType="withEffect">
+                                  <p:stCondLst>
+                                    <p:cond delay="500"/>
+                                  </p:stCondLst>
+                                  <p:iterate type="lt">
+                                    <p:tmPct val="10000"/>
+                                  </p:iterate>
+                                  <p:childTnLst>
+                                    <p:set>
+                                      <p:cBhvr>
+                                        <p:cTn id="6" dur="1" fill="hold">
+                                          <p:stCondLst>
+                                            <p:cond delay="0"/>
+                                          </p:stCondLst>
+                                        </p:cTn>
+                                        <p:tgtEl>
+                                          <p:spTgt spid="2"/>
+                                        </p:tgtEl>
+                                        <p:attrNameLst>
+                                          <p:attrName>style.visibility</p:attrName>
+                                        </p:attrNameLst>
+                                      </p:cBhvr>
+                                      <p:to>
+                                        <p:strVal val="visible"/>
+                                      </p:to>
+                                    </p:set>
+                                    <p:animEffect transition="in" filter="fade">
+                                      <p:cBhvr>
+                                        <p:cTn id="7" dur="400"/>
+                                        <p:tgtEl>
+                                          <p:spTgt spid="2"/>
+                                        </p:tgtEl>
+                                      </p:cBhvr>
+                                    </p:animEffect>
+                                  </p:childTnLst>
+                                </p:cTn>
+                              </p:par>
+                            </p:childTnLst>
+                          </p:cTn>
+                        </p:par>
+                      </p:childTnLst>
+                    </p:cTn>
+                  </p:par>
+                </p:childTnLst>
+              </p:cTn>
+              <p:prevCondLst>
+                <p:cond evt="onPrev" delay="0">
+                  <p:tgtEl>
+                    <p:sldTgt/>
+                  </p:tgtEl>
+                </p:cond>
+              </p:prevCondLst>
+              <p:nextCondLst>
+                <p:cond evt="onNext" delay="0">
+                  <p:tgtEl>
+                    <p:sldTgt/>
+                  </p:tgtEl>
+                </p:cond>
+              </p:nextCondLst>
+            </p:seq>
+          </p:childTnLst>
+        </p:cTn>
+      </p:par>
+    </p:tnLst>
+    <p:bldLst>
+      <p:bldP spid="2" grpId="0"/>
+    </p:bldLst>
+  </p:timing>
 </p:sld>
 </file>
 
 <file path=ppt/slides/slide2.xml><?xml version="1.0" encoding="utf-8"?>
 <p:sld xmlns:a="http://schemas.openxmlformats.org/drawingml/2006/main" xmlns:r="http://schemas.openxmlformats.org/officeDocument/2006/relationships" xmlns:p="http://schemas.openxmlformats.org/presentationml/2006/main">
   <p:cSld>
+    <p:bg>
+      <p:bgPr>
+        <a:solidFill>
+          <a:schemeClr val="bg1"/>
+        </a:solidFill>
+        <a:effectLst/>
+      </p:bgPr>
+    </p:bg>
     <p:spTree>
       <p:nvGrpSpPr>
         <p:cNvPr id="1" name=""/>
@@ -3398,8 +4049,630 @@
           <a:chExt cx="0" cy="0"/>
         </a:xfrm>
       </p:grpSpPr>
+      <p:sp useBgFill="1">
+        <p:nvSpPr>
+          <p:cNvPr id="8" name="Rectangle 7">
+            <a:extLst>
+              <a:ext uri="{FF2B5EF4-FFF2-40B4-BE49-F238E27FC236}">
+                <a16:creationId xmlns:a16="http://schemas.microsoft.com/office/drawing/2014/main" id="{09588DA8-065E-4F6F-8EFD-43104AB2E0CF}"/>
+              </a:ext>
+              <a:ext uri="{C183D7F6-B498-43B3-948B-1728B52AA6E4}">
+                <adec:decorative xmlns:adec="http://schemas.microsoft.com/office/drawing/2017/decorative" val="1"/>
+              </a:ext>
+            </a:extLst>
+          </p:cNvPr>
+          <p:cNvSpPr>
+            <a:spLocks noGrp="1" noRot="1" noChangeAspect="1" noMove="1" noResize="1" noEditPoints="1" noAdjustHandles="1" noChangeArrowheads="1" noChangeShapeType="1" noTextEdit="1"/>
+          </p:cNvSpPr>
+          <p:nvPr>
+            <p:extLst>
+              <p:ext uri="{386F3935-93C4-4BCD-93E2-E3B085C9AB24}">
+                <p16:designElem xmlns:p16="http://schemas.microsoft.com/office/powerpoint/2015/main" val="1"/>
+              </p:ext>
+            </p:extLst>
+          </p:nvPr>
+        </p:nvSpPr>
+        <p:spPr>
+          <a:xfrm>
+            <a:off x="0" y="0"/>
+            <a:ext cx="12192000" cy="6858000"/>
+          </a:xfrm>
+          <a:prstGeom prst="rect">
+            <a:avLst/>
+          </a:prstGeom>
+          <a:ln w="12700" cap="flat" cmpd="sng" algn="ctr">
+            <a:noFill/>
+            <a:prstDash val="solid"/>
+            <a:miter lim="800000"/>
+          </a:ln>
+          <a:effectLst/>
+          <a:extLst>
+            <a:ext uri="{91240B29-F687-4F45-9708-019B960494DF}">
+              <a14:hiddenLine xmlns:a14="http://schemas.microsoft.com/office/drawing/2010/main" w="12700" cap="flat" cmpd="sng" algn="ctr">
+                <a:solidFill>
+                  <a:schemeClr val="accent1">
+                    <a:shade val="50000"/>
+                  </a:schemeClr>
+                </a:solidFill>
+                <a:prstDash val="solid"/>
+                <a:miter lim="800000"/>
+              </a14:hiddenLine>
+            </a:ext>
+          </a:extLst>
+        </p:spPr>
+        <p:style>
+          <a:lnRef idx="2">
+            <a:schemeClr val="accent1">
+              <a:shade val="50000"/>
+            </a:schemeClr>
+          </a:lnRef>
+          <a:fillRef idx="1">
+            <a:schemeClr val="accent1"/>
+          </a:fillRef>
+          <a:effectRef idx="0">
+            <a:schemeClr val="accent1"/>
+          </a:effectRef>
+          <a:fontRef idx="minor">
+            <a:schemeClr val="lt1"/>
+          </a:fontRef>
+        </p:style>
+        <p:txBody>
+          <a:bodyPr rtlCol="0" anchor="ctr"/>
+          <a:lstStyle/>
+          <a:p>
+            <a:pPr algn="ctr"/>
+            <a:endParaRPr lang="en-US"/>
+          </a:p>
+        </p:txBody>
+      </p:sp>
+      <p:sp useBgFill="1">
+        <p:nvSpPr>
+          <p:cNvPr id="10" name="Rectangle 9">
+            <a:extLst>
+              <a:ext uri="{FF2B5EF4-FFF2-40B4-BE49-F238E27FC236}">
+                <a16:creationId xmlns:a16="http://schemas.microsoft.com/office/drawing/2014/main" id="{C4285719-470E-454C-AF62-8323075F1F5B}"/>
+              </a:ext>
+              <a:ext uri="{C183D7F6-B498-43B3-948B-1728B52AA6E4}">
+                <adec:decorative xmlns:adec="http://schemas.microsoft.com/office/drawing/2017/decorative" val="1"/>
+              </a:ext>
+            </a:extLst>
+          </p:cNvPr>
+          <p:cNvSpPr>
+            <a:spLocks noGrp="1" noRot="1" noChangeAspect="1" noMove="1" noResize="1" noEditPoints="1" noAdjustHandles="1" noChangeArrowheads="1" noChangeShapeType="1" noTextEdit="1"/>
+          </p:cNvSpPr>
+          <p:nvPr>
+            <p:extLst>
+              <p:ext uri="{386F3935-93C4-4BCD-93E2-E3B085C9AB24}">
+                <p16:designElem xmlns:p16="http://schemas.microsoft.com/office/powerpoint/2015/main" val="1"/>
+              </p:ext>
+            </p:extLst>
+          </p:nvPr>
+        </p:nvSpPr>
+        <p:spPr>
+          <a:xfrm>
+            <a:off x="0" y="0"/>
+            <a:ext cx="12188952" cy="6858000"/>
+          </a:xfrm>
+          <a:prstGeom prst="rect">
+            <a:avLst/>
+          </a:prstGeom>
+          <a:ln w="12700" cap="flat" cmpd="sng" algn="ctr">
+            <a:noFill/>
+            <a:prstDash val="solid"/>
+            <a:miter lim="800000"/>
+          </a:ln>
+          <a:effectLst/>
+          <a:extLst>
+            <a:ext uri="{91240B29-F687-4F45-9708-019B960494DF}">
+              <a14:hiddenLine xmlns:a14="http://schemas.microsoft.com/office/drawing/2010/main" w="12700" cap="flat" cmpd="sng" algn="ctr">
+                <a:solidFill>
+                  <a:schemeClr val="accent1">
+                    <a:shade val="50000"/>
+                  </a:schemeClr>
+                </a:solidFill>
+                <a:prstDash val="solid"/>
+                <a:miter lim="800000"/>
+              </a14:hiddenLine>
+            </a:ext>
+          </a:extLst>
+        </p:spPr>
+        <p:style>
+          <a:lnRef idx="2">
+            <a:schemeClr val="accent1">
+              <a:shade val="50000"/>
+            </a:schemeClr>
+          </a:lnRef>
+          <a:fillRef idx="1">
+            <a:schemeClr val="accent1"/>
+          </a:fillRef>
+          <a:effectRef idx="0">
+            <a:schemeClr val="accent1"/>
+          </a:effectRef>
+          <a:fontRef idx="minor">
+            <a:schemeClr val="lt1"/>
+          </a:fontRef>
+        </p:style>
+        <p:txBody>
+          <a:bodyPr rtlCol="0" anchor="ctr"/>
+          <a:lstStyle/>
+          <a:p>
+            <a:pPr algn="ctr"/>
+            <a:endParaRPr lang="en-US"/>
+          </a:p>
+        </p:txBody>
+      </p:sp>
       <p:sp>
         <p:nvSpPr>
+          <p:cNvPr id="12" name="Rectangle 11">
+            <a:extLst>
+              <a:ext uri="{FF2B5EF4-FFF2-40B4-BE49-F238E27FC236}">
+                <a16:creationId xmlns:a16="http://schemas.microsoft.com/office/drawing/2014/main" id="{CD9FE4EF-C4D8-49A0-B2FF-81D8DB7D8A24}"/>
+              </a:ext>
+              <a:ext uri="{C183D7F6-B498-43B3-948B-1728B52AA6E4}">
+                <adec:decorative xmlns:adec="http://schemas.microsoft.com/office/drawing/2017/decorative" val="1"/>
+              </a:ext>
+            </a:extLst>
+          </p:cNvPr>
+          <p:cNvSpPr>
+            <a:spLocks noGrp="1" noRot="1" noChangeAspect="1" noMove="1" noResize="1" noEditPoints="1" noAdjustHandles="1" noChangeArrowheads="1" noChangeShapeType="1" noTextEdit="1"/>
+          </p:cNvSpPr>
+          <p:nvPr>
+            <p:extLst>
+              <p:ext uri="{386F3935-93C4-4BCD-93E2-E3B085C9AB24}">
+                <p16:designElem xmlns:p16="http://schemas.microsoft.com/office/powerpoint/2015/main" val="1"/>
+              </p:ext>
+            </p:extLst>
+          </p:nvPr>
+        </p:nvSpPr>
+        <p:spPr>
+          <a:xfrm rot="5400000" flipH="1">
+            <a:off x="-1410084" y="1410082"/>
+            <a:ext cx="6858000" cy="4037836"/>
+          </a:xfrm>
+          <a:prstGeom prst="rect">
+            <a:avLst/>
+          </a:prstGeom>
+          <a:gradFill>
+            <a:gsLst>
+              <a:gs pos="8000">
+                <a:srgbClr val="000000"/>
+              </a:gs>
+              <a:gs pos="100000">
+                <a:schemeClr val="accent1">
+                  <a:lumMod val="75000"/>
+                </a:schemeClr>
+              </a:gs>
+            </a:gsLst>
+            <a:lin ang="3000000" scaled="0"/>
+          </a:gradFill>
+          <a:ln>
+            <a:noFill/>
+          </a:ln>
+        </p:spPr>
+        <p:style>
+          <a:lnRef idx="2">
+            <a:schemeClr val="accent1">
+              <a:shade val="50000"/>
+            </a:schemeClr>
+          </a:lnRef>
+          <a:fillRef idx="1">
+            <a:schemeClr val="accent1"/>
+          </a:fillRef>
+          <a:effectRef idx="0">
+            <a:schemeClr val="accent1"/>
+          </a:effectRef>
+          <a:fontRef idx="minor">
+            <a:schemeClr val="lt1"/>
+          </a:fontRef>
+        </p:style>
+        <p:txBody>
+          <a:bodyPr rtlCol="0" anchor="ctr"/>
+          <a:lstStyle/>
+          <a:p>
+            <a:pPr algn="ctr"/>
+            <a:endParaRPr lang="en-US"/>
+          </a:p>
+        </p:txBody>
+      </p:sp>
+      <p:sp>
+        <p:nvSpPr>
+          <p:cNvPr id="14" name="Rectangle 13">
+            <a:extLst>
+              <a:ext uri="{FF2B5EF4-FFF2-40B4-BE49-F238E27FC236}">
+                <a16:creationId xmlns:a16="http://schemas.microsoft.com/office/drawing/2014/main" id="{4300840D-0A0B-4512-BACA-B439D5B9C57C}"/>
+              </a:ext>
+              <a:ext uri="{C183D7F6-B498-43B3-948B-1728B52AA6E4}">
+                <adec:decorative xmlns:adec="http://schemas.microsoft.com/office/drawing/2017/decorative" val="1"/>
+              </a:ext>
+            </a:extLst>
+          </p:cNvPr>
+          <p:cNvSpPr>
+            <a:spLocks noGrp="1" noRot="1" noChangeAspect="1" noMove="1" noResize="1" noEditPoints="1" noAdjustHandles="1" noChangeArrowheads="1" noChangeShapeType="1" noTextEdit="1"/>
+          </p:cNvSpPr>
+          <p:nvPr>
+            <p:extLst>
+              <p:ext uri="{386F3935-93C4-4BCD-93E2-E3B085C9AB24}">
+                <p16:designElem xmlns:p16="http://schemas.microsoft.com/office/powerpoint/2015/main" val="1"/>
+              </p:ext>
+            </p:extLst>
+          </p:nvPr>
+        </p:nvSpPr>
+        <p:spPr>
+          <a:xfrm rot="5400000" flipH="1">
+            <a:off x="-1410085" y="1420219"/>
+            <a:ext cx="6857999" cy="4037839"/>
+          </a:xfrm>
+          <a:prstGeom prst="rect">
+            <a:avLst/>
+          </a:prstGeom>
+          <a:gradFill>
+            <a:gsLst>
+              <a:gs pos="0">
+                <a:srgbClr val="000000">
+                  <a:alpha val="0"/>
+                </a:srgbClr>
+              </a:gs>
+              <a:gs pos="99000">
+                <a:schemeClr val="accent1">
+                  <a:alpha val="46000"/>
+                </a:schemeClr>
+              </a:gs>
+            </a:gsLst>
+            <a:lin ang="1800000" scaled="0"/>
+          </a:gradFill>
+          <a:ln>
+            <a:noFill/>
+          </a:ln>
+        </p:spPr>
+        <p:style>
+          <a:lnRef idx="2">
+            <a:schemeClr val="accent1">
+              <a:shade val="50000"/>
+            </a:schemeClr>
+          </a:lnRef>
+          <a:fillRef idx="1">
+            <a:schemeClr val="accent1"/>
+          </a:fillRef>
+          <a:effectRef idx="0">
+            <a:schemeClr val="accent1"/>
+          </a:effectRef>
+          <a:fontRef idx="minor">
+            <a:schemeClr val="lt1"/>
+          </a:fontRef>
+        </p:style>
+        <p:txBody>
+          <a:bodyPr rtlCol="0" anchor="ctr"/>
+          <a:lstStyle/>
+          <a:p>
+            <a:pPr algn="ctr"/>
+            <a:endParaRPr lang="en-US"/>
+          </a:p>
+        </p:txBody>
+      </p:sp>
+      <p:sp>
+        <p:nvSpPr>
+          <p:cNvPr id="16" name="Rectangle 15">
+            <a:extLst>
+              <a:ext uri="{FF2B5EF4-FFF2-40B4-BE49-F238E27FC236}">
+                <a16:creationId xmlns:a16="http://schemas.microsoft.com/office/drawing/2014/main" id="{D2B78728-A580-49A7-84F9-6EF6F583ADE0}"/>
+              </a:ext>
+              <a:ext uri="{C183D7F6-B498-43B3-948B-1728B52AA6E4}">
+                <adec:decorative xmlns:adec="http://schemas.microsoft.com/office/drawing/2017/decorative" val="1"/>
+              </a:ext>
+            </a:extLst>
+          </p:cNvPr>
+          <p:cNvSpPr>
+            <a:spLocks noGrp="1" noRot="1" noChangeAspect="1" noMove="1" noResize="1" noEditPoints="1" noAdjustHandles="1" noChangeArrowheads="1" noChangeShapeType="1" noTextEdit="1"/>
+          </p:cNvSpPr>
+          <p:nvPr>
+            <p:extLst>
+              <p:ext uri="{386F3935-93C4-4BCD-93E2-E3B085C9AB24}">
+                <p16:designElem xmlns:p16="http://schemas.microsoft.com/office/powerpoint/2015/main" val="1"/>
+              </p:ext>
+            </p:extLst>
+          </p:nvPr>
+        </p:nvSpPr>
+        <p:spPr>
+          <a:xfrm rot="5400000" flipH="1">
+            <a:off x="767923" y="3588085"/>
+            <a:ext cx="2501979" cy="4037841"/>
+          </a:xfrm>
+          <a:prstGeom prst="rect">
+            <a:avLst/>
+          </a:prstGeom>
+          <a:gradFill>
+            <a:gsLst>
+              <a:gs pos="2000">
+                <a:schemeClr val="accent1">
+                  <a:alpha val="29000"/>
+                </a:schemeClr>
+              </a:gs>
+              <a:gs pos="100000">
+                <a:srgbClr val="000000">
+                  <a:alpha val="30000"/>
+                </a:srgbClr>
+              </a:gs>
+            </a:gsLst>
+            <a:lin ang="7800000" scaled="0"/>
+          </a:gradFill>
+          <a:ln>
+            <a:noFill/>
+          </a:ln>
+        </p:spPr>
+        <p:style>
+          <a:lnRef idx="2">
+            <a:schemeClr val="accent1">
+              <a:shade val="50000"/>
+            </a:schemeClr>
+          </a:lnRef>
+          <a:fillRef idx="1">
+            <a:schemeClr val="accent1"/>
+          </a:fillRef>
+          <a:effectRef idx="0">
+            <a:schemeClr val="accent1"/>
+          </a:effectRef>
+          <a:fontRef idx="minor">
+            <a:schemeClr val="lt1"/>
+          </a:fontRef>
+        </p:style>
+        <p:txBody>
+          <a:bodyPr rtlCol="0" anchor="ctr"/>
+          <a:lstStyle/>
+          <a:p>
+            <a:pPr algn="ctr"/>
+            <a:endParaRPr lang="en-US" dirty="0"/>
+          </a:p>
+        </p:txBody>
+      </p:sp>
+      <p:sp>
+        <p:nvSpPr>
+          <p:cNvPr id="18" name="Freeform: Shape 17">
+            <a:extLst>
+              <a:ext uri="{FF2B5EF4-FFF2-40B4-BE49-F238E27FC236}">
+                <a16:creationId xmlns:a16="http://schemas.microsoft.com/office/drawing/2014/main" id="{38FAA1A1-D861-433F-88FA-1E9D6FD31D11}"/>
+              </a:ext>
+              <a:ext uri="{C183D7F6-B498-43B3-948B-1728B52AA6E4}">
+                <adec:decorative xmlns:adec="http://schemas.microsoft.com/office/drawing/2017/decorative" val="1"/>
+              </a:ext>
+            </a:extLst>
+          </p:cNvPr>
+          <p:cNvSpPr>
+            <a:spLocks noGrp="1" noRot="1" noChangeAspect="1" noMove="1" noResize="1" noEditPoints="1" noAdjustHandles="1" noChangeArrowheads="1" noChangeShapeType="1" noTextEdit="1"/>
+          </p:cNvSpPr>
+          <p:nvPr>
+            <p:extLst>
+              <p:ext uri="{386F3935-93C4-4BCD-93E2-E3B085C9AB24}">
+                <p16:designElem xmlns:p16="http://schemas.microsoft.com/office/powerpoint/2015/main" val="1"/>
+              </p:ext>
+            </p:extLst>
+          </p:nvPr>
+        </p:nvSpPr>
+        <p:spPr>
+          <a:xfrm rot="20635413">
+            <a:off x="-501737" y="969718"/>
+            <a:ext cx="3900357" cy="4178958"/>
+          </a:xfrm>
+          <a:custGeom>
+            <a:avLst/>
+            <a:gdLst>
+              <a:gd name="connsiteX0" fmla="*/ 2432225 w 3900357"/>
+              <a:gd name="connsiteY0" fmla="*/ 93939 h 4178958"/>
+              <a:gd name="connsiteX1" fmla="*/ 3900357 w 3900357"/>
+              <a:gd name="connsiteY1" fmla="*/ 2089479 h 4178958"/>
+              <a:gd name="connsiteX2" fmla="*/ 1810878 w 3900357"/>
+              <a:gd name="connsiteY2" fmla="*/ 4178958 h 4178958"/>
+              <a:gd name="connsiteX3" fmla="*/ 78249 w 3900357"/>
+              <a:gd name="connsiteY3" fmla="*/ 3257727 h 4178958"/>
+              <a:gd name="connsiteX4" fmla="*/ 0 w 3900357"/>
+              <a:gd name="connsiteY4" fmla="*/ 3128923 h 4178958"/>
+              <a:gd name="connsiteX5" fmla="*/ 831324 w 3900357"/>
+              <a:gd name="connsiteY5" fmla="*/ 244281 h 4178958"/>
+              <a:gd name="connsiteX6" fmla="*/ 997559 w 3900357"/>
+              <a:gd name="connsiteY6" fmla="*/ 164202 h 4178958"/>
+              <a:gd name="connsiteX7" fmla="*/ 1810878 w 3900357"/>
+              <a:gd name="connsiteY7" fmla="*/ 0 h 4178958"/>
+              <a:gd name="connsiteX8" fmla="*/ 2432225 w 3900357"/>
+              <a:gd name="connsiteY8" fmla="*/ 93939 h 4178958"/>
+            </a:gdLst>
+            <a:ahLst/>
+            <a:cxnLst>
+              <a:cxn ang="0">
+                <a:pos x="connsiteX0" y="connsiteY0"/>
+              </a:cxn>
+              <a:cxn ang="0">
+                <a:pos x="connsiteX1" y="connsiteY1"/>
+              </a:cxn>
+              <a:cxn ang="0">
+                <a:pos x="connsiteX2" y="connsiteY2"/>
+              </a:cxn>
+              <a:cxn ang="0">
+                <a:pos x="connsiteX3" y="connsiteY3"/>
+              </a:cxn>
+              <a:cxn ang="0">
+                <a:pos x="connsiteX4" y="connsiteY4"/>
+              </a:cxn>
+              <a:cxn ang="0">
+                <a:pos x="connsiteX5" y="connsiteY5"/>
+              </a:cxn>
+              <a:cxn ang="0">
+                <a:pos x="connsiteX6" y="connsiteY6"/>
+              </a:cxn>
+              <a:cxn ang="0">
+                <a:pos x="connsiteX7" y="connsiteY7"/>
+              </a:cxn>
+              <a:cxn ang="0">
+                <a:pos x="connsiteX8" y="connsiteY8"/>
+              </a:cxn>
+            </a:cxnLst>
+            <a:rect l="l" t="t" r="r" b="b"/>
+            <a:pathLst>
+              <a:path w="3900357" h="4178958">
+                <a:moveTo>
+                  <a:pt x="2432225" y="93939"/>
+                </a:moveTo>
+                <a:cubicBezTo>
+                  <a:pt x="3282786" y="358491"/>
+                  <a:pt x="3900357" y="1151865"/>
+                  <a:pt x="3900357" y="2089479"/>
+                </a:cubicBezTo>
+                <a:cubicBezTo>
+                  <a:pt x="3900357" y="3243466"/>
+                  <a:pt x="2964865" y="4178958"/>
+                  <a:pt x="1810878" y="4178958"/>
+                </a:cubicBezTo>
+                <a:cubicBezTo>
+                  <a:pt x="1089636" y="4178958"/>
+                  <a:pt x="453744" y="3813531"/>
+                  <a:pt x="78249" y="3257727"/>
+                </a:cubicBezTo>
+                <a:lnTo>
+                  <a:pt x="0" y="3128923"/>
+                </a:lnTo>
+                <a:lnTo>
+                  <a:pt x="831324" y="244281"/>
+                </a:lnTo>
+                <a:lnTo>
+                  <a:pt x="997559" y="164202"/>
+                </a:lnTo>
+                <a:cubicBezTo>
+                  <a:pt x="1247540" y="58468"/>
+                  <a:pt x="1522381" y="0"/>
+                  <a:pt x="1810878" y="0"/>
+                </a:cubicBezTo>
+                <a:cubicBezTo>
+                  <a:pt x="2027251" y="0"/>
+                  <a:pt x="2235942" y="32888"/>
+                  <a:pt x="2432225" y="93939"/>
+                </a:cubicBezTo>
+                <a:close/>
+              </a:path>
+            </a:pathLst>
+          </a:custGeom>
+          <a:gradFill>
+            <a:gsLst>
+              <a:gs pos="29000">
+                <a:srgbClr val="000000">
+                  <a:alpha val="0"/>
+                </a:srgbClr>
+              </a:gs>
+              <a:gs pos="100000">
+                <a:schemeClr val="accent1">
+                  <a:alpha val="43000"/>
+                </a:schemeClr>
+              </a:gs>
+            </a:gsLst>
+            <a:lin ang="1800000" scaled="0"/>
+          </a:gradFill>
+          <a:ln>
+            <a:noFill/>
+          </a:ln>
+        </p:spPr>
+        <p:style>
+          <a:lnRef idx="2">
+            <a:schemeClr val="accent1">
+              <a:shade val="50000"/>
+            </a:schemeClr>
+          </a:lnRef>
+          <a:fillRef idx="1">
+            <a:schemeClr val="accent1"/>
+          </a:fillRef>
+          <a:effectRef idx="0">
+            <a:schemeClr val="accent1"/>
+          </a:effectRef>
+          <a:fontRef idx="minor">
+            <a:schemeClr val="lt1"/>
+          </a:fontRef>
+        </p:style>
+        <p:txBody>
+          <a:bodyPr wrap="square" rtlCol="0" anchor="ctr">
+            <a:noAutofit/>
+          </a:bodyPr>
+          <a:lstStyle/>
+          <a:p>
+            <a:pPr algn="ctr"/>
+            <a:endParaRPr lang="en-US" dirty="0"/>
+          </a:p>
+        </p:txBody>
+      </p:sp>
+      <p:sp>
+        <p:nvSpPr>
+          <p:cNvPr id="20" name="Rectangle 19">
+            <a:extLst>
+              <a:ext uri="{FF2B5EF4-FFF2-40B4-BE49-F238E27FC236}">
+                <a16:creationId xmlns:a16="http://schemas.microsoft.com/office/drawing/2014/main" id="{8D71EDA1-87BF-4D5D-AB79-F346FD19278A}"/>
+              </a:ext>
+              <a:ext uri="{C183D7F6-B498-43B3-948B-1728B52AA6E4}">
+                <adec:decorative xmlns:adec="http://schemas.microsoft.com/office/drawing/2017/decorative" val="1"/>
+              </a:ext>
+            </a:extLst>
+          </p:cNvPr>
+          <p:cNvSpPr>
+            <a:spLocks noGrp="1" noRot="1" noChangeAspect="1" noMove="1" noResize="1" noEditPoints="1" noAdjustHandles="1" noChangeArrowheads="1" noChangeShapeType="1" noTextEdit="1"/>
+          </p:cNvSpPr>
+          <p:nvPr>
+            <p:extLst>
+              <p:ext uri="{386F3935-93C4-4BCD-93E2-E3B085C9AB24}">
+                <p16:designElem xmlns:p16="http://schemas.microsoft.com/office/powerpoint/2015/main" val="1"/>
+              </p:ext>
+            </p:extLst>
+          </p:nvPr>
+        </p:nvSpPr>
+        <p:spPr>
+          <a:xfrm rot="5400000" flipH="1">
+            <a:off x="-1410093" y="1399943"/>
+            <a:ext cx="6858003" cy="4037835"/>
+          </a:xfrm>
+          <a:prstGeom prst="rect">
+            <a:avLst/>
+          </a:prstGeom>
+          <a:gradFill>
+            <a:gsLst>
+              <a:gs pos="0">
+                <a:srgbClr val="000000">
+                  <a:alpha val="0"/>
+                </a:srgbClr>
+              </a:gs>
+              <a:gs pos="99000">
+                <a:schemeClr val="accent1">
+                  <a:lumMod val="60000"/>
+                  <a:lumOff val="40000"/>
+                  <a:alpha val="11000"/>
+                </a:schemeClr>
+              </a:gs>
+            </a:gsLst>
+            <a:lin ang="7200000" scaled="0"/>
+          </a:gradFill>
+          <a:ln>
+            <a:noFill/>
+          </a:ln>
+        </p:spPr>
+        <p:style>
+          <a:lnRef idx="2">
+            <a:schemeClr val="accent1">
+              <a:shade val="50000"/>
+            </a:schemeClr>
+          </a:lnRef>
+          <a:fillRef idx="1">
+            <a:schemeClr val="accent1"/>
+          </a:fillRef>
+          <a:effectRef idx="0">
+            <a:schemeClr val="accent1"/>
+          </a:effectRef>
+          <a:fontRef idx="minor">
+            <a:schemeClr val="lt1"/>
+          </a:fontRef>
+        </p:style>
+        <p:txBody>
+          <a:bodyPr rtlCol="0" anchor="ctr"/>
+          <a:lstStyle/>
+          <a:p>
+            <a:pPr algn="ctr"/>
+            <a:endParaRPr lang="en-US"/>
+          </a:p>
+        </p:txBody>
+      </p:sp>
+      <p:sp>
+        <p:nvSpPr>
           <p:cNvPr id="2" name="Title 1">
             <a:extLst>
               <a:ext uri="{FF2B5EF4-FFF2-40B4-BE49-F238E27FC236}">
@@ -3414,16 +4687,32 @@
             <p:ph type="title"/>
           </p:nvPr>
         </p:nvSpPr>
-        <p:spPr/>
-        <p:txBody>
-          <a:bodyPr/>
+        <p:spPr>
+          <a:xfrm>
+            <a:off x="466722" y="586855"/>
+            <a:ext cx="3201366" cy="3387497"/>
+          </a:xfrm>
+        </p:spPr>
+        <p:txBody>
+          <a:bodyPr anchor="b">
+            <a:normAutofit/>
+          </a:bodyPr>
           <a:lstStyle/>
           <a:p>
+            <a:pPr algn="r"/>
             <a:r>
-              <a:rPr lang="en-US" b="1" dirty="0"/>
+              <a:rPr lang="en-US" sz="4000" b="1">
+                <a:solidFill>
+                  <a:srgbClr val="FFFFFF"/>
+                </a:solidFill>
+              </a:rPr>
               <a:t>Current State</a:t>
             </a:r>
-            <a:endParaRPr lang="en-US" dirty="0"/>
+            <a:endParaRPr lang="en-US" sz="4000">
+              <a:solidFill>
+                <a:srgbClr val="FFFFFF"/>
+              </a:solidFill>
+            </a:endParaRPr>
           </a:p>
         </p:txBody>
       </p:sp>
@@ -3443,48 +4732,55 @@
             <p:ph idx="1"/>
           </p:nvPr>
         </p:nvSpPr>
-        <p:spPr/>
-        <p:txBody>
-          <a:bodyPr/>
+        <p:spPr>
+          <a:xfrm>
+            <a:off x="4810259" y="649480"/>
+            <a:ext cx="6555347" cy="5546047"/>
+          </a:xfrm>
+        </p:spPr>
+        <p:txBody>
+          <a:bodyPr anchor="ctr">
+            <a:normAutofit/>
+          </a:bodyPr>
           <a:lstStyle/>
           <a:p>
             <a:r>
-              <a:rPr lang="en-US" sz="1800" dirty="0"/>
+              <a:rPr lang="en-US" sz="2000"/>
               <a:t>Files land in S3; processing relies on scheduled scans or polling.</a:t>
             </a:r>
           </a:p>
           <a:p>
             <a:r>
-              <a:rPr lang="en-US" sz="1800" dirty="0"/>
+              <a:rPr lang="en-US" sz="2000"/>
               <a:t>Multiple Lambda functions for file validation, curated load, published load.</a:t>
             </a:r>
           </a:p>
           <a:p>
             <a:r>
-              <a:rPr lang="en-US" sz="1800" dirty="0"/>
+              <a:rPr lang="en-US" sz="2000"/>
               <a:t>Manual orchestration and dependencies.</a:t>
             </a:r>
           </a:p>
           <a:p>
             <a:r>
-              <a:rPr lang="en-US" sz="1800" dirty="0"/>
+              <a:rPr lang="en-US" sz="2000"/>
               <a:t>No hash code for change detection, no versioning, no SCD2/snapshot logic.</a:t>
             </a:r>
           </a:p>
           <a:p>
             <a:r>
-              <a:rPr lang="en-US" sz="1800" dirty="0"/>
+              <a:rPr lang="en-US" sz="2000"/>
               <a:t>No sequential processing if multiple files arrive at once.</a:t>
             </a:r>
           </a:p>
           <a:p>
             <a:r>
-              <a:rPr lang="en-US" sz="1800" dirty="0"/>
+              <a:rPr lang="en-US" sz="2000"/>
               <a:t>Stored procedures required for transformations.</a:t>
             </a:r>
           </a:p>
           <a:p>
-            <a:endParaRPr lang="en-US" dirty="0"/>
+            <a:endParaRPr lang="en-US" sz="2000"/>
           </a:p>
         </p:txBody>
       </p:sp>
@@ -3504,6 +4800,14 @@
 <file path=ppt/slides/slide3.xml><?xml version="1.0" encoding="utf-8"?>
 <p:sld xmlns:a="http://schemas.openxmlformats.org/drawingml/2006/main" xmlns:r="http://schemas.openxmlformats.org/officeDocument/2006/relationships" xmlns:p="http://schemas.openxmlformats.org/presentationml/2006/main">
   <p:cSld>
+    <p:bg>
+      <p:bgPr>
+        <a:solidFill>
+          <a:schemeClr val="bg1"/>
+        </a:solidFill>
+        <a:effectLst/>
+      </p:bgPr>
+    </p:bg>
     <p:spTree>
       <p:nvGrpSpPr>
         <p:cNvPr id="1" name=""/>
@@ -3518,8 +4822,630 @@
           <a:chExt cx="0" cy="0"/>
         </a:xfrm>
       </p:grpSpPr>
+      <p:sp useBgFill="1">
+        <p:nvSpPr>
+          <p:cNvPr id="8" name="Rectangle 7">
+            <a:extLst>
+              <a:ext uri="{FF2B5EF4-FFF2-40B4-BE49-F238E27FC236}">
+                <a16:creationId xmlns:a16="http://schemas.microsoft.com/office/drawing/2014/main" id="{09588DA8-065E-4F6F-8EFD-43104AB2E0CF}"/>
+              </a:ext>
+              <a:ext uri="{C183D7F6-B498-43B3-948B-1728B52AA6E4}">
+                <adec:decorative xmlns:adec="http://schemas.microsoft.com/office/drawing/2017/decorative" val="1"/>
+              </a:ext>
+            </a:extLst>
+          </p:cNvPr>
+          <p:cNvSpPr>
+            <a:spLocks noGrp="1" noRot="1" noChangeAspect="1" noMove="1" noResize="1" noEditPoints="1" noAdjustHandles="1" noChangeArrowheads="1" noChangeShapeType="1" noTextEdit="1"/>
+          </p:cNvSpPr>
+          <p:nvPr>
+            <p:extLst>
+              <p:ext uri="{386F3935-93C4-4BCD-93E2-E3B085C9AB24}">
+                <p16:designElem xmlns:p16="http://schemas.microsoft.com/office/powerpoint/2015/main" val="1"/>
+              </p:ext>
+            </p:extLst>
+          </p:nvPr>
+        </p:nvSpPr>
+        <p:spPr>
+          <a:xfrm>
+            <a:off x="0" y="0"/>
+            <a:ext cx="12192000" cy="6858000"/>
+          </a:xfrm>
+          <a:prstGeom prst="rect">
+            <a:avLst/>
+          </a:prstGeom>
+          <a:ln w="12700" cap="flat" cmpd="sng" algn="ctr">
+            <a:noFill/>
+            <a:prstDash val="solid"/>
+            <a:miter lim="800000"/>
+          </a:ln>
+          <a:effectLst/>
+          <a:extLst>
+            <a:ext uri="{91240B29-F687-4F45-9708-019B960494DF}">
+              <a14:hiddenLine xmlns:a14="http://schemas.microsoft.com/office/drawing/2010/main" w="12700" cap="flat" cmpd="sng" algn="ctr">
+                <a:solidFill>
+                  <a:schemeClr val="accent1">
+                    <a:shade val="50000"/>
+                  </a:schemeClr>
+                </a:solidFill>
+                <a:prstDash val="solid"/>
+                <a:miter lim="800000"/>
+              </a14:hiddenLine>
+            </a:ext>
+          </a:extLst>
+        </p:spPr>
+        <p:style>
+          <a:lnRef idx="2">
+            <a:schemeClr val="accent1">
+              <a:shade val="50000"/>
+            </a:schemeClr>
+          </a:lnRef>
+          <a:fillRef idx="1">
+            <a:schemeClr val="accent1"/>
+          </a:fillRef>
+          <a:effectRef idx="0">
+            <a:schemeClr val="accent1"/>
+          </a:effectRef>
+          <a:fontRef idx="minor">
+            <a:schemeClr val="lt1"/>
+          </a:fontRef>
+        </p:style>
+        <p:txBody>
+          <a:bodyPr rtlCol="0" anchor="ctr"/>
+          <a:lstStyle/>
+          <a:p>
+            <a:pPr algn="ctr"/>
+            <a:endParaRPr lang="en-US"/>
+          </a:p>
+        </p:txBody>
+      </p:sp>
+      <p:sp useBgFill="1">
+        <p:nvSpPr>
+          <p:cNvPr id="10" name="Rectangle 9">
+            <a:extLst>
+              <a:ext uri="{FF2B5EF4-FFF2-40B4-BE49-F238E27FC236}">
+                <a16:creationId xmlns:a16="http://schemas.microsoft.com/office/drawing/2014/main" id="{C4285719-470E-454C-AF62-8323075F1F5B}"/>
+              </a:ext>
+              <a:ext uri="{C183D7F6-B498-43B3-948B-1728B52AA6E4}">
+                <adec:decorative xmlns:adec="http://schemas.microsoft.com/office/drawing/2017/decorative" val="1"/>
+              </a:ext>
+            </a:extLst>
+          </p:cNvPr>
+          <p:cNvSpPr>
+            <a:spLocks noGrp="1" noRot="1" noChangeAspect="1" noMove="1" noResize="1" noEditPoints="1" noAdjustHandles="1" noChangeArrowheads="1" noChangeShapeType="1" noTextEdit="1"/>
+          </p:cNvSpPr>
+          <p:nvPr>
+            <p:extLst>
+              <p:ext uri="{386F3935-93C4-4BCD-93E2-E3B085C9AB24}">
+                <p16:designElem xmlns:p16="http://schemas.microsoft.com/office/powerpoint/2015/main" val="1"/>
+              </p:ext>
+            </p:extLst>
+          </p:nvPr>
+        </p:nvSpPr>
+        <p:spPr>
+          <a:xfrm>
+            <a:off x="0" y="0"/>
+            <a:ext cx="12188952" cy="6858000"/>
+          </a:xfrm>
+          <a:prstGeom prst="rect">
+            <a:avLst/>
+          </a:prstGeom>
+          <a:ln w="12700" cap="flat" cmpd="sng" algn="ctr">
+            <a:noFill/>
+            <a:prstDash val="solid"/>
+            <a:miter lim="800000"/>
+          </a:ln>
+          <a:effectLst/>
+          <a:extLst>
+            <a:ext uri="{91240B29-F687-4F45-9708-019B960494DF}">
+              <a14:hiddenLine xmlns:a14="http://schemas.microsoft.com/office/drawing/2010/main" w="12700" cap="flat" cmpd="sng" algn="ctr">
+                <a:solidFill>
+                  <a:schemeClr val="accent1">
+                    <a:shade val="50000"/>
+                  </a:schemeClr>
+                </a:solidFill>
+                <a:prstDash val="solid"/>
+                <a:miter lim="800000"/>
+              </a14:hiddenLine>
+            </a:ext>
+          </a:extLst>
+        </p:spPr>
+        <p:style>
+          <a:lnRef idx="2">
+            <a:schemeClr val="accent1">
+              <a:shade val="50000"/>
+            </a:schemeClr>
+          </a:lnRef>
+          <a:fillRef idx="1">
+            <a:schemeClr val="accent1"/>
+          </a:fillRef>
+          <a:effectRef idx="0">
+            <a:schemeClr val="accent1"/>
+          </a:effectRef>
+          <a:fontRef idx="minor">
+            <a:schemeClr val="lt1"/>
+          </a:fontRef>
+        </p:style>
+        <p:txBody>
+          <a:bodyPr rtlCol="0" anchor="ctr"/>
+          <a:lstStyle/>
+          <a:p>
+            <a:pPr algn="ctr"/>
+            <a:endParaRPr lang="en-US"/>
+          </a:p>
+        </p:txBody>
+      </p:sp>
       <p:sp>
         <p:nvSpPr>
+          <p:cNvPr id="12" name="Rectangle 11">
+            <a:extLst>
+              <a:ext uri="{FF2B5EF4-FFF2-40B4-BE49-F238E27FC236}">
+                <a16:creationId xmlns:a16="http://schemas.microsoft.com/office/drawing/2014/main" id="{CD9FE4EF-C4D8-49A0-B2FF-81D8DB7D8A24}"/>
+              </a:ext>
+              <a:ext uri="{C183D7F6-B498-43B3-948B-1728B52AA6E4}">
+                <adec:decorative xmlns:adec="http://schemas.microsoft.com/office/drawing/2017/decorative" val="1"/>
+              </a:ext>
+            </a:extLst>
+          </p:cNvPr>
+          <p:cNvSpPr>
+            <a:spLocks noGrp="1" noRot="1" noChangeAspect="1" noMove="1" noResize="1" noEditPoints="1" noAdjustHandles="1" noChangeArrowheads="1" noChangeShapeType="1" noTextEdit="1"/>
+          </p:cNvSpPr>
+          <p:nvPr>
+            <p:extLst>
+              <p:ext uri="{386F3935-93C4-4BCD-93E2-E3B085C9AB24}">
+                <p16:designElem xmlns:p16="http://schemas.microsoft.com/office/powerpoint/2015/main" val="1"/>
+              </p:ext>
+            </p:extLst>
+          </p:nvPr>
+        </p:nvSpPr>
+        <p:spPr>
+          <a:xfrm rot="5400000" flipH="1">
+            <a:off x="-1410084" y="1410082"/>
+            <a:ext cx="6858000" cy="4037836"/>
+          </a:xfrm>
+          <a:prstGeom prst="rect">
+            <a:avLst/>
+          </a:prstGeom>
+          <a:gradFill>
+            <a:gsLst>
+              <a:gs pos="8000">
+                <a:srgbClr val="000000"/>
+              </a:gs>
+              <a:gs pos="100000">
+                <a:schemeClr val="accent1">
+                  <a:lumMod val="75000"/>
+                </a:schemeClr>
+              </a:gs>
+            </a:gsLst>
+            <a:lin ang="3000000" scaled="0"/>
+          </a:gradFill>
+          <a:ln>
+            <a:noFill/>
+          </a:ln>
+        </p:spPr>
+        <p:style>
+          <a:lnRef idx="2">
+            <a:schemeClr val="accent1">
+              <a:shade val="50000"/>
+            </a:schemeClr>
+          </a:lnRef>
+          <a:fillRef idx="1">
+            <a:schemeClr val="accent1"/>
+          </a:fillRef>
+          <a:effectRef idx="0">
+            <a:schemeClr val="accent1"/>
+          </a:effectRef>
+          <a:fontRef idx="minor">
+            <a:schemeClr val="lt1"/>
+          </a:fontRef>
+        </p:style>
+        <p:txBody>
+          <a:bodyPr rtlCol="0" anchor="ctr"/>
+          <a:lstStyle/>
+          <a:p>
+            <a:pPr algn="ctr"/>
+            <a:endParaRPr lang="en-US"/>
+          </a:p>
+        </p:txBody>
+      </p:sp>
+      <p:sp>
+        <p:nvSpPr>
+          <p:cNvPr id="14" name="Rectangle 13">
+            <a:extLst>
+              <a:ext uri="{FF2B5EF4-FFF2-40B4-BE49-F238E27FC236}">
+                <a16:creationId xmlns:a16="http://schemas.microsoft.com/office/drawing/2014/main" id="{4300840D-0A0B-4512-BACA-B439D5B9C57C}"/>
+              </a:ext>
+              <a:ext uri="{C183D7F6-B498-43B3-948B-1728B52AA6E4}">
+                <adec:decorative xmlns:adec="http://schemas.microsoft.com/office/drawing/2017/decorative" val="1"/>
+              </a:ext>
+            </a:extLst>
+          </p:cNvPr>
+          <p:cNvSpPr>
+            <a:spLocks noGrp="1" noRot="1" noChangeAspect="1" noMove="1" noResize="1" noEditPoints="1" noAdjustHandles="1" noChangeArrowheads="1" noChangeShapeType="1" noTextEdit="1"/>
+          </p:cNvSpPr>
+          <p:nvPr>
+            <p:extLst>
+              <p:ext uri="{386F3935-93C4-4BCD-93E2-E3B085C9AB24}">
+                <p16:designElem xmlns:p16="http://schemas.microsoft.com/office/powerpoint/2015/main" val="1"/>
+              </p:ext>
+            </p:extLst>
+          </p:nvPr>
+        </p:nvSpPr>
+        <p:spPr>
+          <a:xfrm rot="5400000" flipH="1">
+            <a:off x="-1410085" y="1420219"/>
+            <a:ext cx="6857999" cy="4037839"/>
+          </a:xfrm>
+          <a:prstGeom prst="rect">
+            <a:avLst/>
+          </a:prstGeom>
+          <a:gradFill>
+            <a:gsLst>
+              <a:gs pos="0">
+                <a:srgbClr val="000000">
+                  <a:alpha val="0"/>
+                </a:srgbClr>
+              </a:gs>
+              <a:gs pos="99000">
+                <a:schemeClr val="accent1">
+                  <a:alpha val="46000"/>
+                </a:schemeClr>
+              </a:gs>
+            </a:gsLst>
+            <a:lin ang="1800000" scaled="0"/>
+          </a:gradFill>
+          <a:ln>
+            <a:noFill/>
+          </a:ln>
+        </p:spPr>
+        <p:style>
+          <a:lnRef idx="2">
+            <a:schemeClr val="accent1">
+              <a:shade val="50000"/>
+            </a:schemeClr>
+          </a:lnRef>
+          <a:fillRef idx="1">
+            <a:schemeClr val="accent1"/>
+          </a:fillRef>
+          <a:effectRef idx="0">
+            <a:schemeClr val="accent1"/>
+          </a:effectRef>
+          <a:fontRef idx="minor">
+            <a:schemeClr val="lt1"/>
+          </a:fontRef>
+        </p:style>
+        <p:txBody>
+          <a:bodyPr rtlCol="0" anchor="ctr"/>
+          <a:lstStyle/>
+          <a:p>
+            <a:pPr algn="ctr"/>
+            <a:endParaRPr lang="en-US"/>
+          </a:p>
+        </p:txBody>
+      </p:sp>
+      <p:sp>
+        <p:nvSpPr>
+          <p:cNvPr id="16" name="Rectangle 15">
+            <a:extLst>
+              <a:ext uri="{FF2B5EF4-FFF2-40B4-BE49-F238E27FC236}">
+                <a16:creationId xmlns:a16="http://schemas.microsoft.com/office/drawing/2014/main" id="{D2B78728-A580-49A7-84F9-6EF6F583ADE0}"/>
+              </a:ext>
+              <a:ext uri="{C183D7F6-B498-43B3-948B-1728B52AA6E4}">
+                <adec:decorative xmlns:adec="http://schemas.microsoft.com/office/drawing/2017/decorative" val="1"/>
+              </a:ext>
+            </a:extLst>
+          </p:cNvPr>
+          <p:cNvSpPr>
+            <a:spLocks noGrp="1" noRot="1" noChangeAspect="1" noMove="1" noResize="1" noEditPoints="1" noAdjustHandles="1" noChangeArrowheads="1" noChangeShapeType="1" noTextEdit="1"/>
+          </p:cNvSpPr>
+          <p:nvPr>
+            <p:extLst>
+              <p:ext uri="{386F3935-93C4-4BCD-93E2-E3B085C9AB24}">
+                <p16:designElem xmlns:p16="http://schemas.microsoft.com/office/powerpoint/2015/main" val="1"/>
+              </p:ext>
+            </p:extLst>
+          </p:nvPr>
+        </p:nvSpPr>
+        <p:spPr>
+          <a:xfrm rot="5400000" flipH="1">
+            <a:off x="767923" y="3588085"/>
+            <a:ext cx="2501979" cy="4037841"/>
+          </a:xfrm>
+          <a:prstGeom prst="rect">
+            <a:avLst/>
+          </a:prstGeom>
+          <a:gradFill>
+            <a:gsLst>
+              <a:gs pos="2000">
+                <a:schemeClr val="accent1">
+                  <a:alpha val="29000"/>
+                </a:schemeClr>
+              </a:gs>
+              <a:gs pos="100000">
+                <a:srgbClr val="000000">
+                  <a:alpha val="30000"/>
+                </a:srgbClr>
+              </a:gs>
+            </a:gsLst>
+            <a:lin ang="7800000" scaled="0"/>
+          </a:gradFill>
+          <a:ln>
+            <a:noFill/>
+          </a:ln>
+        </p:spPr>
+        <p:style>
+          <a:lnRef idx="2">
+            <a:schemeClr val="accent1">
+              <a:shade val="50000"/>
+            </a:schemeClr>
+          </a:lnRef>
+          <a:fillRef idx="1">
+            <a:schemeClr val="accent1"/>
+          </a:fillRef>
+          <a:effectRef idx="0">
+            <a:schemeClr val="accent1"/>
+          </a:effectRef>
+          <a:fontRef idx="minor">
+            <a:schemeClr val="lt1"/>
+          </a:fontRef>
+        </p:style>
+        <p:txBody>
+          <a:bodyPr rtlCol="0" anchor="ctr"/>
+          <a:lstStyle/>
+          <a:p>
+            <a:pPr algn="ctr"/>
+            <a:endParaRPr lang="en-US" dirty="0"/>
+          </a:p>
+        </p:txBody>
+      </p:sp>
+      <p:sp>
+        <p:nvSpPr>
+          <p:cNvPr id="18" name="Freeform: Shape 17">
+            <a:extLst>
+              <a:ext uri="{FF2B5EF4-FFF2-40B4-BE49-F238E27FC236}">
+                <a16:creationId xmlns:a16="http://schemas.microsoft.com/office/drawing/2014/main" id="{38FAA1A1-D861-433F-88FA-1E9D6FD31D11}"/>
+              </a:ext>
+              <a:ext uri="{C183D7F6-B498-43B3-948B-1728B52AA6E4}">
+                <adec:decorative xmlns:adec="http://schemas.microsoft.com/office/drawing/2017/decorative" val="1"/>
+              </a:ext>
+            </a:extLst>
+          </p:cNvPr>
+          <p:cNvSpPr>
+            <a:spLocks noGrp="1" noRot="1" noChangeAspect="1" noMove="1" noResize="1" noEditPoints="1" noAdjustHandles="1" noChangeArrowheads="1" noChangeShapeType="1" noTextEdit="1"/>
+          </p:cNvSpPr>
+          <p:nvPr>
+            <p:extLst>
+              <p:ext uri="{386F3935-93C4-4BCD-93E2-E3B085C9AB24}">
+                <p16:designElem xmlns:p16="http://schemas.microsoft.com/office/powerpoint/2015/main" val="1"/>
+              </p:ext>
+            </p:extLst>
+          </p:nvPr>
+        </p:nvSpPr>
+        <p:spPr>
+          <a:xfrm rot="20635413">
+            <a:off x="-501737" y="969718"/>
+            <a:ext cx="3900357" cy="4178958"/>
+          </a:xfrm>
+          <a:custGeom>
+            <a:avLst/>
+            <a:gdLst>
+              <a:gd name="connsiteX0" fmla="*/ 2432225 w 3900357"/>
+              <a:gd name="connsiteY0" fmla="*/ 93939 h 4178958"/>
+              <a:gd name="connsiteX1" fmla="*/ 3900357 w 3900357"/>
+              <a:gd name="connsiteY1" fmla="*/ 2089479 h 4178958"/>
+              <a:gd name="connsiteX2" fmla="*/ 1810878 w 3900357"/>
+              <a:gd name="connsiteY2" fmla="*/ 4178958 h 4178958"/>
+              <a:gd name="connsiteX3" fmla="*/ 78249 w 3900357"/>
+              <a:gd name="connsiteY3" fmla="*/ 3257727 h 4178958"/>
+              <a:gd name="connsiteX4" fmla="*/ 0 w 3900357"/>
+              <a:gd name="connsiteY4" fmla="*/ 3128923 h 4178958"/>
+              <a:gd name="connsiteX5" fmla="*/ 831324 w 3900357"/>
+              <a:gd name="connsiteY5" fmla="*/ 244281 h 4178958"/>
+              <a:gd name="connsiteX6" fmla="*/ 997559 w 3900357"/>
+              <a:gd name="connsiteY6" fmla="*/ 164202 h 4178958"/>
+              <a:gd name="connsiteX7" fmla="*/ 1810878 w 3900357"/>
+              <a:gd name="connsiteY7" fmla="*/ 0 h 4178958"/>
+              <a:gd name="connsiteX8" fmla="*/ 2432225 w 3900357"/>
+              <a:gd name="connsiteY8" fmla="*/ 93939 h 4178958"/>
+            </a:gdLst>
+            <a:ahLst/>
+            <a:cxnLst>
+              <a:cxn ang="0">
+                <a:pos x="connsiteX0" y="connsiteY0"/>
+              </a:cxn>
+              <a:cxn ang="0">
+                <a:pos x="connsiteX1" y="connsiteY1"/>
+              </a:cxn>
+              <a:cxn ang="0">
+                <a:pos x="connsiteX2" y="connsiteY2"/>
+              </a:cxn>
+              <a:cxn ang="0">
+                <a:pos x="connsiteX3" y="connsiteY3"/>
+              </a:cxn>
+              <a:cxn ang="0">
+                <a:pos x="connsiteX4" y="connsiteY4"/>
+              </a:cxn>
+              <a:cxn ang="0">
+                <a:pos x="connsiteX5" y="connsiteY5"/>
+              </a:cxn>
+              <a:cxn ang="0">
+                <a:pos x="connsiteX6" y="connsiteY6"/>
+              </a:cxn>
+              <a:cxn ang="0">
+                <a:pos x="connsiteX7" y="connsiteY7"/>
+              </a:cxn>
+              <a:cxn ang="0">
+                <a:pos x="connsiteX8" y="connsiteY8"/>
+              </a:cxn>
+            </a:cxnLst>
+            <a:rect l="l" t="t" r="r" b="b"/>
+            <a:pathLst>
+              <a:path w="3900357" h="4178958">
+                <a:moveTo>
+                  <a:pt x="2432225" y="93939"/>
+                </a:moveTo>
+                <a:cubicBezTo>
+                  <a:pt x="3282786" y="358491"/>
+                  <a:pt x="3900357" y="1151865"/>
+                  <a:pt x="3900357" y="2089479"/>
+                </a:cubicBezTo>
+                <a:cubicBezTo>
+                  <a:pt x="3900357" y="3243466"/>
+                  <a:pt x="2964865" y="4178958"/>
+                  <a:pt x="1810878" y="4178958"/>
+                </a:cubicBezTo>
+                <a:cubicBezTo>
+                  <a:pt x="1089636" y="4178958"/>
+                  <a:pt x="453744" y="3813531"/>
+                  <a:pt x="78249" y="3257727"/>
+                </a:cubicBezTo>
+                <a:lnTo>
+                  <a:pt x="0" y="3128923"/>
+                </a:lnTo>
+                <a:lnTo>
+                  <a:pt x="831324" y="244281"/>
+                </a:lnTo>
+                <a:lnTo>
+                  <a:pt x="997559" y="164202"/>
+                </a:lnTo>
+                <a:cubicBezTo>
+                  <a:pt x="1247540" y="58468"/>
+                  <a:pt x="1522381" y="0"/>
+                  <a:pt x="1810878" y="0"/>
+                </a:cubicBezTo>
+                <a:cubicBezTo>
+                  <a:pt x="2027251" y="0"/>
+                  <a:pt x="2235942" y="32888"/>
+                  <a:pt x="2432225" y="93939"/>
+                </a:cubicBezTo>
+                <a:close/>
+              </a:path>
+            </a:pathLst>
+          </a:custGeom>
+          <a:gradFill>
+            <a:gsLst>
+              <a:gs pos="29000">
+                <a:srgbClr val="000000">
+                  <a:alpha val="0"/>
+                </a:srgbClr>
+              </a:gs>
+              <a:gs pos="100000">
+                <a:schemeClr val="accent1">
+                  <a:alpha val="43000"/>
+                </a:schemeClr>
+              </a:gs>
+            </a:gsLst>
+            <a:lin ang="1800000" scaled="0"/>
+          </a:gradFill>
+          <a:ln>
+            <a:noFill/>
+          </a:ln>
+        </p:spPr>
+        <p:style>
+          <a:lnRef idx="2">
+            <a:schemeClr val="accent1">
+              <a:shade val="50000"/>
+            </a:schemeClr>
+          </a:lnRef>
+          <a:fillRef idx="1">
+            <a:schemeClr val="accent1"/>
+          </a:fillRef>
+          <a:effectRef idx="0">
+            <a:schemeClr val="accent1"/>
+          </a:effectRef>
+          <a:fontRef idx="minor">
+            <a:schemeClr val="lt1"/>
+          </a:fontRef>
+        </p:style>
+        <p:txBody>
+          <a:bodyPr wrap="square" rtlCol="0" anchor="ctr">
+            <a:noAutofit/>
+          </a:bodyPr>
+          <a:lstStyle/>
+          <a:p>
+            <a:pPr algn="ctr"/>
+            <a:endParaRPr lang="en-US" dirty="0"/>
+          </a:p>
+        </p:txBody>
+      </p:sp>
+      <p:sp>
+        <p:nvSpPr>
+          <p:cNvPr id="20" name="Rectangle 19">
+            <a:extLst>
+              <a:ext uri="{FF2B5EF4-FFF2-40B4-BE49-F238E27FC236}">
+                <a16:creationId xmlns:a16="http://schemas.microsoft.com/office/drawing/2014/main" id="{8D71EDA1-87BF-4D5D-AB79-F346FD19278A}"/>
+              </a:ext>
+              <a:ext uri="{C183D7F6-B498-43B3-948B-1728B52AA6E4}">
+                <adec:decorative xmlns:adec="http://schemas.microsoft.com/office/drawing/2017/decorative" val="1"/>
+              </a:ext>
+            </a:extLst>
+          </p:cNvPr>
+          <p:cNvSpPr>
+            <a:spLocks noGrp="1" noRot="1" noChangeAspect="1" noMove="1" noResize="1" noEditPoints="1" noAdjustHandles="1" noChangeArrowheads="1" noChangeShapeType="1" noTextEdit="1"/>
+          </p:cNvSpPr>
+          <p:nvPr>
+            <p:extLst>
+              <p:ext uri="{386F3935-93C4-4BCD-93E2-E3B085C9AB24}">
+                <p16:designElem xmlns:p16="http://schemas.microsoft.com/office/powerpoint/2015/main" val="1"/>
+              </p:ext>
+            </p:extLst>
+          </p:nvPr>
+        </p:nvSpPr>
+        <p:spPr>
+          <a:xfrm rot="5400000" flipH="1">
+            <a:off x="-1410093" y="1399943"/>
+            <a:ext cx="6858003" cy="4037835"/>
+          </a:xfrm>
+          <a:prstGeom prst="rect">
+            <a:avLst/>
+          </a:prstGeom>
+          <a:gradFill>
+            <a:gsLst>
+              <a:gs pos="0">
+                <a:srgbClr val="000000">
+                  <a:alpha val="0"/>
+                </a:srgbClr>
+              </a:gs>
+              <a:gs pos="99000">
+                <a:schemeClr val="accent1">
+                  <a:lumMod val="60000"/>
+                  <a:lumOff val="40000"/>
+                  <a:alpha val="11000"/>
+                </a:schemeClr>
+              </a:gs>
+            </a:gsLst>
+            <a:lin ang="7200000" scaled="0"/>
+          </a:gradFill>
+          <a:ln>
+            <a:noFill/>
+          </a:ln>
+        </p:spPr>
+        <p:style>
+          <a:lnRef idx="2">
+            <a:schemeClr val="accent1">
+              <a:shade val="50000"/>
+            </a:schemeClr>
+          </a:lnRef>
+          <a:fillRef idx="1">
+            <a:schemeClr val="accent1"/>
+          </a:fillRef>
+          <a:effectRef idx="0">
+            <a:schemeClr val="accent1"/>
+          </a:effectRef>
+          <a:fontRef idx="minor">
+            <a:schemeClr val="lt1"/>
+          </a:fontRef>
+        </p:style>
+        <p:txBody>
+          <a:bodyPr rtlCol="0" anchor="ctr"/>
+          <a:lstStyle/>
+          <a:p>
+            <a:pPr algn="ctr"/>
+            <a:endParaRPr lang="en-US"/>
+          </a:p>
+        </p:txBody>
+      </p:sp>
+      <p:sp>
+        <p:nvSpPr>
           <p:cNvPr id="2" name="Title 1">
             <a:extLst>
               <a:ext uri="{FF2B5EF4-FFF2-40B4-BE49-F238E27FC236}">
@@ -3534,16 +5460,32 @@
             <p:ph type="title"/>
           </p:nvPr>
         </p:nvSpPr>
-        <p:spPr/>
-        <p:txBody>
-          <a:bodyPr/>
+        <p:spPr>
+          <a:xfrm>
+            <a:off x="466722" y="586855"/>
+            <a:ext cx="3201366" cy="3387497"/>
+          </a:xfrm>
+        </p:spPr>
+        <p:txBody>
+          <a:bodyPr anchor="b">
+            <a:normAutofit/>
+          </a:bodyPr>
           <a:lstStyle/>
           <a:p>
+            <a:pPr algn="r"/>
             <a:r>
-              <a:rPr lang="en-US" b="1" dirty="0"/>
+              <a:rPr lang="en-US" sz="4000" b="1">
+                <a:solidFill>
+                  <a:srgbClr val="FFFFFF"/>
+                </a:solidFill>
+              </a:rPr>
               <a:t>NRT Pipeline</a:t>
             </a:r>
-            <a:endParaRPr lang="en-US" dirty="0"/>
+            <a:endParaRPr lang="en-US" sz="4000">
+              <a:solidFill>
+                <a:srgbClr val="FFFFFF"/>
+              </a:solidFill>
+            </a:endParaRPr>
           </a:p>
         </p:txBody>
       </p:sp>
@@ -3563,9 +5505,14 @@
             <p:ph idx="1"/>
           </p:nvPr>
         </p:nvSpPr>
-        <p:spPr/>
-        <p:txBody>
-          <a:bodyPr>
+        <p:spPr>
+          <a:xfrm>
+            <a:off x="4810259" y="649480"/>
+            <a:ext cx="6555347" cy="5546047"/>
+          </a:xfrm>
+        </p:spPr>
+        <p:txBody>
+          <a:bodyPr anchor="ctr">
             <a:normAutofit/>
           </a:bodyPr>
           <a:lstStyle/>
@@ -3681,7 +5628,7 @@
             </a:r>
           </a:p>
           <a:p>
-            <a:endParaRPr lang="en-US" dirty="0"/>
+            <a:endParaRPr lang="en-US" sz="1900"/>
           </a:p>
         </p:txBody>
       </p:sp>
@@ -3701,6 +5648,14 @@
 <file path=ppt/slides/slide4.xml><?xml version="1.0" encoding="utf-8"?>
 <p:sld xmlns:a="http://schemas.openxmlformats.org/drawingml/2006/main" xmlns:r="http://schemas.openxmlformats.org/officeDocument/2006/relationships" xmlns:p="http://schemas.openxmlformats.org/presentationml/2006/main">
   <p:cSld>
+    <p:bg>
+      <p:bgPr>
+        <a:solidFill>
+          <a:schemeClr val="bg1"/>
+        </a:solidFill>
+        <a:effectLst/>
+      </p:bgPr>
+    </p:bg>
     <p:spTree>
       <p:nvGrpSpPr>
         <p:cNvPr id="1" name=""/>
@@ -3715,8 +5670,310 @@
           <a:chExt cx="0" cy="0"/>
         </a:xfrm>
       </p:grpSpPr>
+      <p:sp useBgFill="1">
+        <p:nvSpPr>
+          <p:cNvPr id="23" name="Rectangle 22">
+            <a:extLst>
+              <a:ext uri="{FF2B5EF4-FFF2-40B4-BE49-F238E27FC236}">
+                <a16:creationId xmlns:a16="http://schemas.microsoft.com/office/drawing/2014/main" id="{BACC6370-2D7E-4714-9D71-7542949D7D5D}"/>
+              </a:ext>
+              <a:ext uri="{C183D7F6-B498-43B3-948B-1728B52AA6E4}">
+                <adec:decorative xmlns:adec="http://schemas.microsoft.com/office/drawing/2017/decorative" val="1"/>
+              </a:ext>
+            </a:extLst>
+          </p:cNvPr>
+          <p:cNvSpPr>
+            <a:spLocks noGrp="1" noRot="1" noChangeAspect="1" noMove="1" noResize="1" noEditPoints="1" noAdjustHandles="1" noChangeArrowheads="1" noChangeShapeType="1" noTextEdit="1"/>
+          </p:cNvSpPr>
+          <p:nvPr>
+            <p:extLst>
+              <p:ext uri="{386F3935-93C4-4BCD-93E2-E3B085C9AB24}">
+                <p16:designElem xmlns:p16="http://schemas.microsoft.com/office/powerpoint/2015/main" val="1"/>
+              </p:ext>
+            </p:extLst>
+          </p:nvPr>
+        </p:nvSpPr>
+        <p:spPr>
+          <a:xfrm>
+            <a:off x="0" y="0"/>
+            <a:ext cx="12192000" cy="6858000"/>
+          </a:xfrm>
+          <a:prstGeom prst="rect">
+            <a:avLst/>
+          </a:prstGeom>
+          <a:ln w="12700" cap="flat" cmpd="sng" algn="ctr">
+            <a:noFill/>
+            <a:prstDash val="solid"/>
+            <a:miter lim="800000"/>
+          </a:ln>
+          <a:effectLst/>
+          <a:extLst>
+            <a:ext uri="{91240B29-F687-4F45-9708-019B960494DF}">
+              <a14:hiddenLine xmlns:a14="http://schemas.microsoft.com/office/drawing/2010/main" w="12700" cap="flat" cmpd="sng" algn="ctr">
+                <a:solidFill>
+                  <a:schemeClr val="accent1">
+                    <a:shade val="50000"/>
+                  </a:schemeClr>
+                </a:solidFill>
+                <a:prstDash val="solid"/>
+                <a:miter lim="800000"/>
+              </a14:hiddenLine>
+            </a:ext>
+          </a:extLst>
+        </p:spPr>
+        <p:style>
+          <a:lnRef idx="2">
+            <a:schemeClr val="accent1">
+              <a:shade val="50000"/>
+            </a:schemeClr>
+          </a:lnRef>
+          <a:fillRef idx="1">
+            <a:schemeClr val="accent1"/>
+          </a:fillRef>
+          <a:effectRef idx="0">
+            <a:schemeClr val="accent1"/>
+          </a:effectRef>
+          <a:fontRef idx="minor">
+            <a:schemeClr val="lt1"/>
+          </a:fontRef>
+        </p:style>
+        <p:txBody>
+          <a:bodyPr rtlCol="0" anchor="ctr"/>
+          <a:lstStyle/>
+          <a:p>
+            <a:pPr algn="ctr"/>
+            <a:endParaRPr lang="en-US"/>
+          </a:p>
+        </p:txBody>
+      </p:sp>
       <p:sp>
         <p:nvSpPr>
+          <p:cNvPr id="25" name="Rectangle 24">
+            <a:extLst>
+              <a:ext uri="{FF2B5EF4-FFF2-40B4-BE49-F238E27FC236}">
+                <a16:creationId xmlns:a16="http://schemas.microsoft.com/office/drawing/2014/main" id="{F68B3F68-107C-434F-AA38-110D5EA91B85}"/>
+              </a:ext>
+              <a:ext uri="{C183D7F6-B498-43B3-948B-1728B52AA6E4}">
+                <adec:decorative xmlns:adec="http://schemas.microsoft.com/office/drawing/2017/decorative" val="1"/>
+              </a:ext>
+            </a:extLst>
+          </p:cNvPr>
+          <p:cNvSpPr>
+            <a:spLocks noGrp="1" noRot="1" noChangeAspect="1" noMove="1" noResize="1" noEditPoints="1" noAdjustHandles="1" noChangeArrowheads="1" noChangeShapeType="1" noTextEdit="1"/>
+          </p:cNvSpPr>
+          <p:nvPr>
+            <p:extLst>
+              <p:ext uri="{386F3935-93C4-4BCD-93E2-E3B085C9AB24}">
+                <p16:designElem xmlns:p16="http://schemas.microsoft.com/office/powerpoint/2015/main" val="1"/>
+              </p:ext>
+            </p:extLst>
+          </p:nvPr>
+        </p:nvSpPr>
+        <p:spPr>
+          <a:xfrm flipH="1">
+            <a:off x="2" y="0"/>
+            <a:ext cx="12191998" cy="1575955"/>
+          </a:xfrm>
+          <a:prstGeom prst="rect">
+            <a:avLst/>
+          </a:prstGeom>
+          <a:gradFill>
+            <a:gsLst>
+              <a:gs pos="0">
+                <a:srgbClr val="000000">
+                  <a:alpha val="96000"/>
+                </a:srgbClr>
+              </a:gs>
+              <a:gs pos="100000">
+                <a:schemeClr val="accent1">
+                  <a:lumMod val="75000"/>
+                </a:schemeClr>
+              </a:gs>
+            </a:gsLst>
+            <a:lin ang="8400000" scaled="0"/>
+          </a:gradFill>
+          <a:ln>
+            <a:noFill/>
+          </a:ln>
+        </p:spPr>
+        <p:style>
+          <a:lnRef idx="2">
+            <a:schemeClr val="accent1">
+              <a:shade val="50000"/>
+            </a:schemeClr>
+          </a:lnRef>
+          <a:fillRef idx="1">
+            <a:schemeClr val="accent1"/>
+          </a:fillRef>
+          <a:effectRef idx="0">
+            <a:schemeClr val="accent1"/>
+          </a:effectRef>
+          <a:fontRef idx="minor">
+            <a:schemeClr val="lt1"/>
+          </a:fontRef>
+        </p:style>
+        <p:txBody>
+          <a:bodyPr rtlCol="0" anchor="ctr"/>
+          <a:lstStyle/>
+          <a:p>
+            <a:pPr algn="ctr"/>
+            <a:endParaRPr lang="en-US"/>
+          </a:p>
+        </p:txBody>
+      </p:sp>
+      <p:sp>
+        <p:nvSpPr>
+          <p:cNvPr id="27" name="Rectangle 26">
+            <a:extLst>
+              <a:ext uri="{FF2B5EF4-FFF2-40B4-BE49-F238E27FC236}">
+                <a16:creationId xmlns:a16="http://schemas.microsoft.com/office/drawing/2014/main" id="{AAD0DBB9-1A4B-4391-81D4-CB19F9AB918A}"/>
+              </a:ext>
+              <a:ext uri="{C183D7F6-B498-43B3-948B-1728B52AA6E4}">
+                <adec:decorative xmlns:adec="http://schemas.microsoft.com/office/drawing/2017/decorative" val="1"/>
+              </a:ext>
+            </a:extLst>
+          </p:cNvPr>
+          <p:cNvSpPr>
+            <a:spLocks noGrp="1" noRot="1" noChangeAspect="1" noMove="1" noResize="1" noEditPoints="1" noAdjustHandles="1" noChangeArrowheads="1" noChangeShapeType="1" noTextEdit="1"/>
+          </p:cNvSpPr>
+          <p:nvPr>
+            <p:extLst>
+              <p:ext uri="{386F3935-93C4-4BCD-93E2-E3B085C9AB24}">
+                <p16:designElem xmlns:p16="http://schemas.microsoft.com/office/powerpoint/2015/main" val="1"/>
+              </p:ext>
+            </p:extLst>
+          </p:nvPr>
+        </p:nvSpPr>
+        <p:spPr>
+          <a:xfrm rot="10800000" flipH="1">
+            <a:off x="8128857" y="0"/>
+            <a:ext cx="4063143" cy="1576412"/>
+          </a:xfrm>
+          <a:prstGeom prst="rect">
+            <a:avLst/>
+          </a:prstGeom>
+          <a:gradFill>
+            <a:gsLst>
+              <a:gs pos="19000">
+                <a:schemeClr val="accent1">
+                  <a:lumMod val="50000"/>
+                  <a:alpha val="68000"/>
+                </a:schemeClr>
+              </a:gs>
+              <a:gs pos="100000">
+                <a:schemeClr val="accent1">
+                  <a:alpha val="79000"/>
+                </a:schemeClr>
+              </a:gs>
+            </a:gsLst>
+            <a:lin ang="19200000" scaled="0"/>
+          </a:gradFill>
+          <a:ln>
+            <a:noFill/>
+          </a:ln>
+        </p:spPr>
+        <p:style>
+          <a:lnRef idx="2">
+            <a:schemeClr val="accent1">
+              <a:shade val="50000"/>
+            </a:schemeClr>
+          </a:lnRef>
+          <a:fillRef idx="1">
+            <a:schemeClr val="accent1"/>
+          </a:fillRef>
+          <a:effectRef idx="0">
+            <a:schemeClr val="accent1"/>
+          </a:effectRef>
+          <a:fontRef idx="minor">
+            <a:schemeClr val="lt1"/>
+          </a:fontRef>
+        </p:style>
+        <p:txBody>
+          <a:bodyPr rtlCol="0" anchor="ctr"/>
+          <a:lstStyle/>
+          <a:p>
+            <a:pPr algn="ctr"/>
+            <a:endParaRPr lang="en-US"/>
+          </a:p>
+        </p:txBody>
+      </p:sp>
+      <p:sp>
+        <p:nvSpPr>
+          <p:cNvPr id="29" name="Rectangle 28">
+            <a:extLst>
+              <a:ext uri="{FF2B5EF4-FFF2-40B4-BE49-F238E27FC236}">
+                <a16:creationId xmlns:a16="http://schemas.microsoft.com/office/drawing/2014/main" id="{063BBA22-50EA-4C4D-BE05-F1CE4E63AA56}"/>
+              </a:ext>
+              <a:ext uri="{C183D7F6-B498-43B3-948B-1728B52AA6E4}">
+                <adec:decorative xmlns:adec="http://schemas.microsoft.com/office/drawing/2017/decorative" val="1"/>
+              </a:ext>
+            </a:extLst>
+          </p:cNvPr>
+          <p:cNvSpPr>
+            <a:spLocks noGrp="1" noRot="1" noChangeAspect="1" noMove="1" noResize="1" noEditPoints="1" noAdjustHandles="1" noChangeArrowheads="1" noChangeShapeType="1" noTextEdit="1"/>
+          </p:cNvSpPr>
+          <p:nvPr>
+            <p:extLst>
+              <p:ext uri="{386F3935-93C4-4BCD-93E2-E3B085C9AB24}">
+                <p16:designElem xmlns:p16="http://schemas.microsoft.com/office/powerpoint/2015/main" val="1"/>
+              </p:ext>
+            </p:extLst>
+          </p:nvPr>
+        </p:nvSpPr>
+        <p:spPr>
+          <a:xfrm rot="5400000">
+            <a:off x="5307777" y="-5307778"/>
+            <a:ext cx="1576446" cy="12192002"/>
+          </a:xfrm>
+          <a:prstGeom prst="rect">
+            <a:avLst/>
+          </a:prstGeom>
+          <a:gradFill>
+            <a:gsLst>
+              <a:gs pos="23000">
+                <a:schemeClr val="accent1">
+                  <a:alpha val="0"/>
+                </a:schemeClr>
+              </a:gs>
+              <a:gs pos="99000">
+                <a:srgbClr val="000000">
+                  <a:alpha val="74000"/>
+                </a:srgbClr>
+              </a:gs>
+            </a:gsLst>
+            <a:lin ang="20400000" scaled="0"/>
+          </a:gradFill>
+          <a:ln>
+            <a:noFill/>
+          </a:ln>
+        </p:spPr>
+        <p:style>
+          <a:lnRef idx="2">
+            <a:schemeClr val="accent1">
+              <a:shade val="50000"/>
+            </a:schemeClr>
+          </a:lnRef>
+          <a:fillRef idx="1">
+            <a:schemeClr val="accent1"/>
+          </a:fillRef>
+          <a:effectRef idx="0">
+            <a:schemeClr val="accent1"/>
+          </a:effectRef>
+          <a:fontRef idx="minor">
+            <a:schemeClr val="lt1"/>
+          </a:fontRef>
+        </p:style>
+        <p:txBody>
+          <a:bodyPr rtlCol="0" anchor="ctr"/>
+          <a:lstStyle/>
+          <a:p>
+            <a:pPr algn="ctr"/>
+            <a:endParaRPr lang="en-US" dirty="0"/>
+          </a:p>
+        </p:txBody>
+      </p:sp>
+      <p:sp>
+        <p:nvSpPr>
           <p:cNvPr id="2" name="Title 1">
             <a:extLst>
               <a:ext uri="{FF2B5EF4-FFF2-40B4-BE49-F238E27FC236}">
@@ -3731,16 +5988,31 @@
             <p:ph type="title"/>
           </p:nvPr>
         </p:nvSpPr>
-        <p:spPr/>
-        <p:txBody>
-          <a:bodyPr/>
+        <p:spPr>
+          <a:xfrm>
+            <a:off x="1371597" y="348865"/>
+            <a:ext cx="10044023" cy="877729"/>
+          </a:xfrm>
+        </p:spPr>
+        <p:txBody>
+          <a:bodyPr anchor="ctr">
+            <a:normAutofit/>
+          </a:bodyPr>
           <a:lstStyle/>
           <a:p>
             <a:r>
-              <a:rPr lang="en-US" b="1" dirty="0"/>
+              <a:rPr lang="en-US" sz="4000" b="1">
+                <a:solidFill>
+                  <a:srgbClr val="FFFFFF"/>
+                </a:solidFill>
+              </a:rPr>
               <a:t>Step-by-Step Comparison</a:t>
             </a:r>
-            <a:endParaRPr lang="en-US" dirty="0"/>
+            <a:endParaRPr lang="en-US" sz="4000">
+              <a:solidFill>
+                <a:srgbClr val="FFFFFF"/>
+              </a:solidFill>
+            </a:endParaRPr>
           </a:p>
         </p:txBody>
       </p:sp>
@@ -3760,28 +6032,28 @@
             <p:ph idx="1"/>
             <p:extLst>
               <p:ext uri="{D42A27DB-BD31-4B8C-83A1-F6EECF244321}">
-                <p14:modId xmlns:p14="http://schemas.microsoft.com/office/powerpoint/2010/main" val="840181421"/>
+                <p14:modId xmlns:p14="http://schemas.microsoft.com/office/powerpoint/2010/main" val="24176579"/>
               </p:ext>
             </p:extLst>
           </p:nvPr>
         </p:nvGraphicFramePr>
         <p:xfrm>
-          <a:off x="838200" y="1894114"/>
-          <a:ext cx="10515600" cy="3715002"/>
+          <a:off x="644056" y="2150167"/>
+          <a:ext cx="10927829" cy="4117638"/>
         </p:xfrm>
         <a:graphic>
           <a:graphicData uri="http://schemas.openxmlformats.org/drawingml/2006/table">
             <a:tbl>
-              <a:tblPr/>
+              <a:tblPr firstRow="1" bandRow="1"/>
               <a:tblGrid>
-                <a:gridCol w="5257800">
+                <a:gridCol w="4710711">
                   <a:extLst>
                     <a:ext uri="{9D8B030D-6E8A-4147-A177-3AD203B41FA5}">
                       <a16:colId xmlns:a16="http://schemas.microsoft.com/office/drawing/2014/main" val="2307763280"/>
                     </a:ext>
                   </a:extLst>
                 </a:gridCol>
-                <a:gridCol w="5257800">
+                <a:gridCol w="6217118">
                   <a:extLst>
                     <a:ext uri="{9D8B030D-6E8A-4147-A177-3AD203B41FA5}">
                       <a16:colId xmlns:a16="http://schemas.microsoft.com/office/drawing/2014/main" val="3750677466"/>
@@ -3789,19 +6061,19 @@
                   </a:extLst>
                 </a:gridCol>
               </a:tblGrid>
-              <a:tr h="444378">
+              <a:tr h="492590">
                 <a:tc>
                   <a:txBody>
                     <a:bodyPr/>
                     <a:lstStyle/>
                     <a:p>
                       <a:r>
-                        <a:rPr lang="en-US" sz="2000" b="1" dirty="0"/>
+                        <a:rPr lang="en-US" sz="2300" b="1"/>
                         <a:t>Existing Pipeline</a:t>
                       </a:r>
                     </a:p>
                   </a:txBody>
-                  <a:tcPr marL="82550" marR="82550" marT="38100" marB="38100" anchor="ctr">
+                  <a:tcPr marL="97612" marR="97612" marT="45051" marB="45051" anchor="ctr">
                     <a:lnL w="4229" cap="flat" cmpd="sng" algn="ctr">
                       <a:solidFill>
                         <a:srgbClr val="D1D9E0"/>
@@ -3852,14 +6124,14 @@
                         <a:buNone/>
                       </a:pPr>
                       <a:r>
-                        <a:rPr lang="en-US" sz="2000" b="1" dirty="0">
+                        <a:rPr lang="en-US" sz="2300" b="1">
                           <a:effectLst/>
                         </a:rPr>
                         <a:t>NRT Pipeline</a:t>
                       </a:r>
                     </a:p>
                   </a:txBody>
-                  <a:tcPr marL="82550" marR="82550" marT="38100" marB="38100" anchor="ctr">
+                  <a:tcPr marL="97612" marR="97612" marT="45051" marB="45051" anchor="ctr">
                     <a:lnL w="4229" cap="flat" cmpd="sng" algn="ctr">
                       <a:solidFill>
                         <a:srgbClr val="D1D9E0"/>
@@ -3907,7 +6179,7 @@
                   </a:ext>
                 </a:extLst>
               </a:tr>
-              <a:tr h="408828">
+              <a:tr h="453131">
                 <a:tc>
                   <a:txBody>
                     <a:bodyPr/>
@@ -3917,14 +6189,14 @@
                         <a:buNone/>
                       </a:pPr>
                       <a:r>
-                        <a:rPr lang="en-US" dirty="0">
+                        <a:rPr lang="en-US" sz="2100">
                           <a:effectLst/>
                         </a:rPr>
                         <a:t>Multiple Lambdas</a:t>
                       </a:r>
                     </a:p>
                   </a:txBody>
-                  <a:tcPr marL="82550" marR="82550" marT="38100" marB="38100" anchor="ctr">
+                  <a:tcPr marL="97612" marR="97612" marT="45051" marB="45051" anchor="ctr">
                     <a:lnL w="4229" cap="flat" cmpd="sng" algn="ctr">
                       <a:solidFill>
                         <a:srgbClr val="D1D9E0"/>
@@ -3975,14 +6247,14 @@
                         <a:buNone/>
                       </a:pPr>
                       <a:r>
-                        <a:rPr lang="en-US">
+                        <a:rPr lang="en-US" sz="2100">
                           <a:effectLst/>
                         </a:rPr>
                         <a:t>Single Glue Job (Spark)</a:t>
                       </a:r>
                     </a:p>
                   </a:txBody>
-                  <a:tcPr marL="82550" marR="82550" marT="38100" marB="38100" anchor="ctr">
+                  <a:tcPr marL="97612" marR="97612" marT="45051" marB="45051" anchor="ctr">
                     <a:lnL w="4229" cap="flat" cmpd="sng" algn="ctr">
                       <a:solidFill>
                         <a:srgbClr val="D1D9E0"/>
@@ -4030,7 +6302,7 @@
                   </a:ext>
                 </a:extLst>
               </a:tr>
-              <a:tr h="408828">
+              <a:tr h="453131">
                 <a:tc>
                   <a:txBody>
                     <a:bodyPr/>
@@ -4040,14 +6312,14 @@
                         <a:buNone/>
                       </a:pPr>
                       <a:r>
-                        <a:rPr lang="en-US">
+                        <a:rPr lang="en-US" sz="2100">
                           <a:effectLst/>
                         </a:rPr>
                         <a:t>Manual Scheduling</a:t>
                       </a:r>
                     </a:p>
                   </a:txBody>
-                  <a:tcPr marL="82550" marR="82550" marT="38100" marB="38100" anchor="ctr">
+                  <a:tcPr marL="97612" marR="97612" marT="45051" marB="45051" anchor="ctr">
                     <a:lnL w="4229" cap="flat" cmpd="sng" algn="ctr">
                       <a:solidFill>
                         <a:srgbClr val="D1D9E0"/>
@@ -4098,14 +6370,14 @@
                         <a:buNone/>
                       </a:pPr>
                       <a:r>
-                        <a:rPr lang="en-US">
+                        <a:rPr lang="en-US" sz="2100">
                           <a:effectLst/>
                         </a:rPr>
                         <a:t>Event-driven, instant S3 triggers</a:t>
                       </a:r>
                     </a:p>
                   </a:txBody>
-                  <a:tcPr marL="82550" marR="82550" marT="38100" marB="38100" anchor="ctr">
+                  <a:tcPr marL="97612" marR="97612" marT="45051" marB="45051" anchor="ctr">
                     <a:lnL w="4229" cap="flat" cmpd="sng" algn="ctr">
                       <a:solidFill>
                         <a:srgbClr val="D1D9E0"/>
@@ -4153,7 +6425,7 @@
                   </a:ext>
                 </a:extLst>
               </a:tr>
-              <a:tr h="408828">
+              <a:tr h="453131">
                 <a:tc>
                   <a:txBody>
                     <a:bodyPr/>
@@ -4163,14 +6435,14 @@
                         <a:buNone/>
                       </a:pPr>
                       <a:r>
-                        <a:rPr lang="en-US">
+                        <a:rPr lang="en-US" sz="2100">
                           <a:effectLst/>
                         </a:rPr>
                         <a:t>Stored Procedures</a:t>
                       </a:r>
                     </a:p>
                   </a:txBody>
-                  <a:tcPr marL="82550" marR="82550" marT="38100" marB="38100" anchor="ctr">
+                  <a:tcPr marL="97612" marR="97612" marT="45051" marB="45051" anchor="ctr">
                     <a:lnL w="4229" cap="flat" cmpd="sng" algn="ctr">
                       <a:solidFill>
                         <a:srgbClr val="D1D9E0"/>
@@ -4221,14 +6493,14 @@
                         <a:buNone/>
                       </a:pPr>
                       <a:r>
-                        <a:rPr lang="en-US">
+                        <a:rPr lang="en-US" sz="2100">
                           <a:effectLst/>
                         </a:rPr>
                         <a:t>No stored procedures; Glue ETL only</a:t>
                       </a:r>
                     </a:p>
                   </a:txBody>
-                  <a:tcPr marL="82550" marR="82550" marT="38100" marB="38100" anchor="ctr">
+                  <a:tcPr marL="97612" marR="97612" marT="45051" marB="45051" anchor="ctr">
                     <a:lnL w="4229" cap="flat" cmpd="sng" algn="ctr">
                       <a:solidFill>
                         <a:srgbClr val="D1D9E0"/>
@@ -4276,7 +6548,7 @@
                   </a:ext>
                 </a:extLst>
               </a:tr>
-              <a:tr h="408828">
+              <a:tr h="453131">
                 <a:tc>
                   <a:txBody>
                     <a:bodyPr/>
@@ -4286,14 +6558,14 @@
                         <a:buNone/>
                       </a:pPr>
                       <a:r>
-                        <a:rPr lang="en-US">
+                        <a:rPr lang="en-US" sz="2100">
                           <a:effectLst/>
                         </a:rPr>
                         <a:t>No change detection</a:t>
                       </a:r>
                     </a:p>
                   </a:txBody>
-                  <a:tcPr marL="82550" marR="82550" marT="38100" marB="38100" anchor="ctr">
+                  <a:tcPr marL="97612" marR="97612" marT="45051" marB="45051" anchor="ctr">
                     <a:lnL w="4229" cap="flat" cmpd="sng" algn="ctr">
                       <a:solidFill>
                         <a:srgbClr val="D1D9E0"/>
@@ -4344,14 +6616,14 @@
                         <a:buNone/>
                       </a:pPr>
                       <a:r>
-                        <a:rPr lang="en-US">
+                        <a:rPr lang="en-US" sz="2100">
                           <a:effectLst/>
                         </a:rPr>
                         <a:t>Hash code generation for SCD2 &amp; snapshots</a:t>
                       </a:r>
                     </a:p>
                   </a:txBody>
-                  <a:tcPr marL="82550" marR="82550" marT="38100" marB="38100" anchor="ctr">
+                  <a:tcPr marL="97612" marR="97612" marT="45051" marB="45051" anchor="ctr">
                     <a:lnL w="4229" cap="flat" cmpd="sng" algn="ctr">
                       <a:solidFill>
                         <a:srgbClr val="D1D9E0"/>
@@ -4399,7 +6671,7 @@
                   </a:ext>
                 </a:extLst>
               </a:tr>
-              <a:tr h="408828">
+              <a:tr h="453131">
                 <a:tc>
                   <a:txBody>
                     <a:bodyPr/>
@@ -4409,14 +6681,14 @@
                         <a:buNone/>
                       </a:pPr>
                       <a:r>
-                        <a:rPr lang="en-US">
+                        <a:rPr lang="en-US" sz="2100">
                           <a:effectLst/>
                         </a:rPr>
                         <a:t>No versioning</a:t>
                       </a:r>
                     </a:p>
                   </a:txBody>
-                  <a:tcPr marL="82550" marR="82550" marT="38100" marB="38100" anchor="ctr">
+                  <a:tcPr marL="97612" marR="97612" marT="45051" marB="45051" anchor="ctr">
                     <a:lnL w="4229" cap="flat" cmpd="sng" algn="ctr">
                       <a:solidFill>
                         <a:srgbClr val="D1D9E0"/>
@@ -4467,14 +6739,14 @@
                         <a:buNone/>
                       </a:pPr>
                       <a:r>
-                        <a:rPr lang="en-US">
+                        <a:rPr lang="en-US" sz="2100">
                           <a:effectLst/>
                         </a:rPr>
                         <a:t>Versioning, watermark columns in Redshift</a:t>
                       </a:r>
                     </a:p>
                   </a:txBody>
-                  <a:tcPr marL="82550" marR="82550" marT="38100" marB="38100" anchor="ctr">
+                  <a:tcPr marL="97612" marR="97612" marT="45051" marB="45051" anchor="ctr">
                     <a:lnL w="4229" cap="flat" cmpd="sng" algn="ctr">
                       <a:solidFill>
                         <a:srgbClr val="D1D9E0"/>
@@ -4522,7 +6794,7 @@
                   </a:ext>
                 </a:extLst>
               </a:tr>
-              <a:tr h="408828">
+              <a:tr h="453131">
                 <a:tc>
                   <a:txBody>
                     <a:bodyPr/>
@@ -4532,14 +6804,14 @@
                         <a:buNone/>
                       </a:pPr>
                       <a:r>
-                        <a:rPr lang="en-US">
+                        <a:rPr lang="en-US" sz="2100">
                           <a:effectLst/>
                         </a:rPr>
                         <a:t>No order handling</a:t>
                       </a:r>
                     </a:p>
                   </a:txBody>
-                  <a:tcPr marL="82550" marR="82550" marT="38100" marB="38100" anchor="ctr">
+                  <a:tcPr marL="97612" marR="97612" marT="45051" marB="45051" anchor="ctr">
                     <a:lnL w="4229" cap="flat" cmpd="sng" algn="ctr">
                       <a:solidFill>
                         <a:srgbClr val="D1D9E0"/>
@@ -4590,14 +6862,14 @@
                         <a:buNone/>
                       </a:pPr>
                       <a:r>
-                        <a:rPr lang="en-US">
+                        <a:rPr lang="en-US" sz="2100">
                           <a:effectLst/>
                         </a:rPr>
                         <a:t>SQS FIFO for strict sequential file processing</a:t>
                       </a:r>
                     </a:p>
                   </a:txBody>
-                  <a:tcPr marL="82550" marR="82550" marT="38100" marB="38100" anchor="ctr">
+                  <a:tcPr marL="97612" marR="97612" marT="45051" marB="45051" anchor="ctr">
                     <a:lnL w="4229" cap="flat" cmpd="sng" algn="ctr">
                       <a:solidFill>
                         <a:srgbClr val="D1D9E0"/>
@@ -4645,7 +6917,7 @@
                   </a:ext>
                 </a:extLst>
               </a:tr>
-              <a:tr h="408828">
+              <a:tr h="453131">
                 <a:tc>
                   <a:txBody>
                     <a:bodyPr/>
@@ -4655,14 +6927,14 @@
                         <a:buNone/>
                       </a:pPr>
                       <a:r>
-                        <a:rPr lang="en-US">
+                        <a:rPr lang="en-US" sz="2100">
                           <a:effectLst/>
                         </a:rPr>
                         <a:t>Complex maintenance</a:t>
                       </a:r>
                     </a:p>
                   </a:txBody>
-                  <a:tcPr marL="82550" marR="82550" marT="38100" marB="38100" anchor="ctr">
+                  <a:tcPr marL="97612" marR="97612" marT="45051" marB="45051" anchor="ctr">
                     <a:lnL w="4229" cap="flat" cmpd="sng" algn="ctr">
                       <a:solidFill>
                         <a:srgbClr val="D1D9E0"/>
@@ -4713,14 +6985,14 @@
                         <a:buNone/>
                       </a:pPr>
                       <a:r>
-                        <a:rPr lang="en-US">
+                        <a:rPr lang="en-US" sz="2100">
                           <a:effectLst/>
                         </a:rPr>
                         <a:t>Modular, config-driven, easy to scale/audit</a:t>
                       </a:r>
                     </a:p>
                   </a:txBody>
-                  <a:tcPr marL="82550" marR="82550" marT="38100" marB="38100" anchor="ctr">
+                  <a:tcPr marL="97612" marR="97612" marT="45051" marB="45051" anchor="ctr">
                     <a:lnL w="4229" cap="flat" cmpd="sng" algn="ctr">
                       <a:solidFill>
                         <a:srgbClr val="D1D9E0"/>
@@ -4768,7 +7040,7 @@
                   </a:ext>
                 </a:extLst>
               </a:tr>
-              <a:tr h="408828">
+              <a:tr h="453131">
                 <a:tc>
                   <a:txBody>
                     <a:bodyPr/>
@@ -4778,14 +7050,14 @@
                         <a:buNone/>
                       </a:pPr>
                       <a:r>
-                        <a:rPr lang="en-US">
+                        <a:rPr lang="en-US" sz="2100">
                           <a:effectLst/>
                         </a:rPr>
                         <a:t>Limited history</a:t>
                       </a:r>
                     </a:p>
                   </a:txBody>
-                  <a:tcPr marL="82550" marR="82550" marT="38100" marB="38100" anchor="ctr">
+                  <a:tcPr marL="97612" marR="97612" marT="45051" marB="45051" anchor="ctr">
                     <a:lnL w="4229" cap="flat" cmpd="sng" algn="ctr">
                       <a:solidFill>
                         <a:srgbClr val="D1D9E0"/>
@@ -4836,14 +7108,14 @@
                         <a:buNone/>
                       </a:pPr>
                       <a:r>
-                        <a:rPr lang="en-US" dirty="0">
+                        <a:rPr lang="en-US" sz="2100">
                           <a:effectLst/>
                         </a:rPr>
                         <a:t>SCD2, snapshots, audit trail</a:t>
                       </a:r>
                     </a:p>
                   </a:txBody>
-                  <a:tcPr marL="82550" marR="82550" marT="38100" marB="38100" anchor="ctr">
+                  <a:tcPr marL="97612" marR="97612" marT="45051" marB="45051" anchor="ctr">
                     <a:lnL w="4229" cap="flat" cmpd="sng" algn="ctr">
                       <a:solidFill>
                         <a:srgbClr val="D1D9E0"/>
@@ -4911,6 +7183,14 @@
 <file path=ppt/slides/slide5.xml><?xml version="1.0" encoding="utf-8"?>
 <p:sld xmlns:a="http://schemas.openxmlformats.org/drawingml/2006/main" xmlns:r="http://schemas.openxmlformats.org/officeDocument/2006/relationships" xmlns:p="http://schemas.openxmlformats.org/presentationml/2006/main">
   <p:cSld>
+    <p:bg>
+      <p:bgPr>
+        <a:solidFill>
+          <a:schemeClr val="bg1"/>
+        </a:solidFill>
+        <a:effectLst/>
+      </p:bgPr>
+    </p:bg>
     <p:spTree>
       <p:nvGrpSpPr>
         <p:cNvPr id="1" name=""/>
@@ -4925,12 +7205,314 @@
           <a:chExt cx="0" cy="0"/>
         </a:xfrm>
       </p:grpSpPr>
+      <p:sp useBgFill="1">
+        <p:nvSpPr>
+          <p:cNvPr id="25" name="Rectangle 24">
+            <a:extLst>
+              <a:ext uri="{FF2B5EF4-FFF2-40B4-BE49-F238E27FC236}">
+                <a16:creationId xmlns:a16="http://schemas.microsoft.com/office/drawing/2014/main" id="{BACC6370-2D7E-4714-9D71-7542949D7D5D}"/>
+              </a:ext>
+              <a:ext uri="{C183D7F6-B498-43B3-948B-1728B52AA6E4}">
+                <adec:decorative xmlns:adec="http://schemas.microsoft.com/office/drawing/2017/decorative" val="1"/>
+              </a:ext>
+            </a:extLst>
+          </p:cNvPr>
+          <p:cNvSpPr>
+            <a:spLocks noGrp="1" noRot="1" noChangeAspect="1" noMove="1" noResize="1" noEditPoints="1" noAdjustHandles="1" noChangeArrowheads="1" noChangeShapeType="1" noTextEdit="1"/>
+          </p:cNvSpPr>
+          <p:nvPr>
+            <p:extLst>
+              <p:ext uri="{386F3935-93C4-4BCD-93E2-E3B085C9AB24}">
+                <p16:designElem xmlns:p16="http://schemas.microsoft.com/office/powerpoint/2015/main" val="1"/>
+              </p:ext>
+            </p:extLst>
+          </p:nvPr>
+        </p:nvSpPr>
+        <p:spPr>
+          <a:xfrm>
+            <a:off x="0" y="0"/>
+            <a:ext cx="12192000" cy="6858000"/>
+          </a:xfrm>
+          <a:prstGeom prst="rect">
+            <a:avLst/>
+          </a:prstGeom>
+          <a:ln w="12700" cap="flat" cmpd="sng" algn="ctr">
+            <a:noFill/>
+            <a:prstDash val="solid"/>
+            <a:miter lim="800000"/>
+          </a:ln>
+          <a:effectLst/>
+          <a:extLst>
+            <a:ext uri="{91240B29-F687-4F45-9708-019B960494DF}">
+              <a14:hiddenLine xmlns:a14="http://schemas.microsoft.com/office/drawing/2010/main" w="12700" cap="flat" cmpd="sng" algn="ctr">
+                <a:solidFill>
+                  <a:schemeClr val="accent1">
+                    <a:shade val="50000"/>
+                  </a:schemeClr>
+                </a:solidFill>
+                <a:prstDash val="solid"/>
+                <a:miter lim="800000"/>
+              </a14:hiddenLine>
+            </a:ext>
+          </a:extLst>
+        </p:spPr>
+        <p:style>
+          <a:lnRef idx="2">
+            <a:schemeClr val="accent1">
+              <a:shade val="50000"/>
+            </a:schemeClr>
+          </a:lnRef>
+          <a:fillRef idx="1">
+            <a:schemeClr val="accent1"/>
+          </a:fillRef>
+          <a:effectRef idx="0">
+            <a:schemeClr val="accent1"/>
+          </a:effectRef>
+          <a:fontRef idx="minor">
+            <a:schemeClr val="lt1"/>
+          </a:fontRef>
+        </p:style>
+        <p:txBody>
+          <a:bodyPr rtlCol="0" anchor="ctr"/>
+          <a:lstStyle/>
+          <a:p>
+            <a:pPr algn="ctr"/>
+            <a:endParaRPr lang="en-US"/>
+          </a:p>
+        </p:txBody>
+      </p:sp>
       <p:sp>
         <p:nvSpPr>
+          <p:cNvPr id="27" name="Rectangle 26">
+            <a:extLst>
+              <a:ext uri="{FF2B5EF4-FFF2-40B4-BE49-F238E27FC236}">
+                <a16:creationId xmlns:a16="http://schemas.microsoft.com/office/drawing/2014/main" id="{F68B3F68-107C-434F-AA38-110D5EA91B85}"/>
+              </a:ext>
+              <a:ext uri="{C183D7F6-B498-43B3-948B-1728B52AA6E4}">
+                <adec:decorative xmlns:adec="http://schemas.microsoft.com/office/drawing/2017/decorative" val="1"/>
+              </a:ext>
+            </a:extLst>
+          </p:cNvPr>
+          <p:cNvSpPr>
+            <a:spLocks noGrp="1" noRot="1" noChangeAspect="1" noMove="1" noResize="1" noEditPoints="1" noAdjustHandles="1" noChangeArrowheads="1" noChangeShapeType="1" noTextEdit="1"/>
+          </p:cNvSpPr>
+          <p:nvPr>
+            <p:extLst>
+              <p:ext uri="{386F3935-93C4-4BCD-93E2-E3B085C9AB24}">
+                <p16:designElem xmlns:p16="http://schemas.microsoft.com/office/powerpoint/2015/main" val="1"/>
+              </p:ext>
+            </p:extLst>
+          </p:nvPr>
+        </p:nvSpPr>
+        <p:spPr>
+          <a:xfrm flipH="1">
+            <a:off x="2" y="0"/>
+            <a:ext cx="12191998" cy="1575955"/>
+          </a:xfrm>
+          <a:prstGeom prst="rect">
+            <a:avLst/>
+          </a:prstGeom>
+          <a:gradFill>
+            <a:gsLst>
+              <a:gs pos="0">
+                <a:srgbClr val="000000">
+                  <a:alpha val="96000"/>
+                </a:srgbClr>
+              </a:gs>
+              <a:gs pos="100000">
+                <a:schemeClr val="accent1">
+                  <a:lumMod val="75000"/>
+                </a:schemeClr>
+              </a:gs>
+            </a:gsLst>
+            <a:lin ang="8400000" scaled="0"/>
+          </a:gradFill>
+          <a:ln>
+            <a:noFill/>
+          </a:ln>
+        </p:spPr>
+        <p:style>
+          <a:lnRef idx="2">
+            <a:schemeClr val="accent1">
+              <a:shade val="50000"/>
+            </a:schemeClr>
+          </a:lnRef>
+          <a:fillRef idx="1">
+            <a:schemeClr val="accent1"/>
+          </a:fillRef>
+          <a:effectRef idx="0">
+            <a:schemeClr val="accent1"/>
+          </a:effectRef>
+          <a:fontRef idx="minor">
+            <a:schemeClr val="lt1"/>
+          </a:fontRef>
+        </p:style>
+        <p:txBody>
+          <a:bodyPr rtlCol="0" anchor="ctr"/>
+          <a:lstStyle/>
+          <a:p>
+            <a:pPr algn="ctr"/>
+            <a:endParaRPr lang="en-US"/>
+          </a:p>
+        </p:txBody>
+      </p:sp>
+      <p:sp>
+        <p:nvSpPr>
+          <p:cNvPr id="29" name="Rectangle 28">
+            <a:extLst>
+              <a:ext uri="{FF2B5EF4-FFF2-40B4-BE49-F238E27FC236}">
+                <a16:creationId xmlns:a16="http://schemas.microsoft.com/office/drawing/2014/main" id="{AAD0DBB9-1A4B-4391-81D4-CB19F9AB918A}"/>
+              </a:ext>
+              <a:ext uri="{C183D7F6-B498-43B3-948B-1728B52AA6E4}">
+                <adec:decorative xmlns:adec="http://schemas.microsoft.com/office/drawing/2017/decorative" val="1"/>
+              </a:ext>
+            </a:extLst>
+          </p:cNvPr>
+          <p:cNvSpPr>
+            <a:spLocks noGrp="1" noRot="1" noChangeAspect="1" noMove="1" noResize="1" noEditPoints="1" noAdjustHandles="1" noChangeArrowheads="1" noChangeShapeType="1" noTextEdit="1"/>
+          </p:cNvSpPr>
+          <p:nvPr>
+            <p:extLst>
+              <p:ext uri="{386F3935-93C4-4BCD-93E2-E3B085C9AB24}">
+                <p16:designElem xmlns:p16="http://schemas.microsoft.com/office/powerpoint/2015/main" val="1"/>
+              </p:ext>
+            </p:extLst>
+          </p:nvPr>
+        </p:nvSpPr>
+        <p:spPr>
+          <a:xfrm rot="10800000" flipH="1">
+            <a:off x="8128857" y="0"/>
+            <a:ext cx="4063143" cy="1576412"/>
+          </a:xfrm>
+          <a:prstGeom prst="rect">
+            <a:avLst/>
+          </a:prstGeom>
+          <a:gradFill>
+            <a:gsLst>
+              <a:gs pos="19000">
+                <a:schemeClr val="accent1">
+                  <a:lumMod val="50000"/>
+                  <a:alpha val="68000"/>
+                </a:schemeClr>
+              </a:gs>
+              <a:gs pos="100000">
+                <a:schemeClr val="accent1">
+                  <a:alpha val="79000"/>
+                </a:schemeClr>
+              </a:gs>
+            </a:gsLst>
+            <a:lin ang="19200000" scaled="0"/>
+          </a:gradFill>
+          <a:ln>
+            <a:noFill/>
+          </a:ln>
+        </p:spPr>
+        <p:style>
+          <a:lnRef idx="2">
+            <a:schemeClr val="accent1">
+              <a:shade val="50000"/>
+            </a:schemeClr>
+          </a:lnRef>
+          <a:fillRef idx="1">
+            <a:schemeClr val="accent1"/>
+          </a:fillRef>
+          <a:effectRef idx="0">
+            <a:schemeClr val="accent1"/>
+          </a:effectRef>
+          <a:fontRef idx="minor">
+            <a:schemeClr val="lt1"/>
+          </a:fontRef>
+        </p:style>
+        <p:txBody>
+          <a:bodyPr rtlCol="0" anchor="ctr"/>
+          <a:lstStyle/>
+          <a:p>
+            <a:pPr algn="ctr"/>
+            <a:endParaRPr lang="en-US"/>
+          </a:p>
+        </p:txBody>
+      </p:sp>
+      <p:sp>
+        <p:nvSpPr>
+          <p:cNvPr id="31" name="Rectangle 30">
+            <a:extLst>
+              <a:ext uri="{FF2B5EF4-FFF2-40B4-BE49-F238E27FC236}">
+                <a16:creationId xmlns:a16="http://schemas.microsoft.com/office/drawing/2014/main" id="{063BBA22-50EA-4C4D-BE05-F1CE4E63AA56}"/>
+              </a:ext>
+              <a:ext uri="{C183D7F6-B498-43B3-948B-1728B52AA6E4}">
+                <adec:decorative xmlns:adec="http://schemas.microsoft.com/office/drawing/2017/decorative" val="1"/>
+              </a:ext>
+            </a:extLst>
+          </p:cNvPr>
+          <p:cNvSpPr>
+            <a:spLocks noGrp="1" noRot="1" noChangeAspect="1" noMove="1" noResize="1" noEditPoints="1" noAdjustHandles="1" noChangeArrowheads="1" noChangeShapeType="1" noTextEdit="1"/>
+          </p:cNvSpPr>
+          <p:nvPr>
+            <p:extLst>
+              <p:ext uri="{386F3935-93C4-4BCD-93E2-E3B085C9AB24}">
+                <p16:designElem xmlns:p16="http://schemas.microsoft.com/office/powerpoint/2015/main" val="1"/>
+              </p:ext>
+            </p:extLst>
+          </p:nvPr>
+        </p:nvSpPr>
+        <p:spPr>
+          <a:xfrm rot="5400000">
+            <a:off x="5307777" y="-5307778"/>
+            <a:ext cx="1576446" cy="12192002"/>
+          </a:xfrm>
+          <a:prstGeom prst="rect">
+            <a:avLst/>
+          </a:prstGeom>
+          <a:gradFill>
+            <a:gsLst>
+              <a:gs pos="23000">
+                <a:schemeClr val="accent1">
+                  <a:alpha val="0"/>
+                </a:schemeClr>
+              </a:gs>
+              <a:gs pos="99000">
+                <a:srgbClr val="000000">
+                  <a:alpha val="74000"/>
+                </a:srgbClr>
+              </a:gs>
+            </a:gsLst>
+            <a:lin ang="20400000" scaled="0"/>
+          </a:gradFill>
+          <a:ln>
+            <a:noFill/>
+          </a:ln>
+        </p:spPr>
+        <p:style>
+          <a:lnRef idx="2">
+            <a:schemeClr val="accent1">
+              <a:shade val="50000"/>
+            </a:schemeClr>
+          </a:lnRef>
+          <a:fillRef idx="1">
+            <a:schemeClr val="accent1"/>
+          </a:fillRef>
+          <a:effectRef idx="0">
+            <a:schemeClr val="accent1"/>
+          </a:effectRef>
+          <a:fontRef idx="minor">
+            <a:schemeClr val="lt1"/>
+          </a:fontRef>
+        </p:style>
+        <p:txBody>
+          <a:bodyPr rtlCol="0" anchor="ctr"/>
+          <a:lstStyle/>
+          <a:p>
+            <a:pPr algn="ctr"/>
+            <a:endParaRPr lang="en-US" dirty="0"/>
+          </a:p>
+        </p:txBody>
+      </p:sp>
+      <p:sp>
+        <p:nvSpPr>
           <p:cNvPr id="2" name="Title 1">
             <a:extLst>
               <a:ext uri="{FF2B5EF4-FFF2-40B4-BE49-F238E27FC236}">
-                <a16:creationId xmlns:a16="http://schemas.microsoft.com/office/drawing/2014/main" id="{B0281185-89BB-76F0-AE10-827B00A33DF8}"/>
+                <a16:creationId xmlns:a16="http://schemas.microsoft.com/office/drawing/2014/main" id="{CA5055A3-5DE1-B320-43FF-9486D03E8E5B}"/>
               </a:ext>
             </a:extLst>
           </p:cNvPr>
@@ -4941,71 +7523,1740 @@
             <p:ph type="title"/>
           </p:nvPr>
         </p:nvSpPr>
-        <p:spPr/>
-        <p:txBody>
-          <a:bodyPr/>
-          <a:lstStyle/>
-          <a:p>
-            <a:r>
-              <a:rPr lang="en-US" b="1" dirty="0"/>
-              <a:t>Business Benefits</a:t>
-            </a:r>
-            <a:endParaRPr lang="en-US" dirty="0"/>
-          </a:p>
-        </p:txBody>
-      </p:sp>
-      <p:sp>
-        <p:nvSpPr>
-          <p:cNvPr id="3" name="Content Placeholder 2">
-            <a:extLst>
-              <a:ext uri="{FF2B5EF4-FFF2-40B4-BE49-F238E27FC236}">
-                <a16:creationId xmlns:a16="http://schemas.microsoft.com/office/drawing/2014/main" id="{C056CC18-AEEE-9BFB-1675-7FC132330E67}"/>
-              </a:ext>
-            </a:extLst>
-          </p:cNvPr>
-          <p:cNvSpPr>
-            <a:spLocks noGrp="1"/>
-          </p:cNvSpPr>
-          <p:nvPr>
-            <p:ph idx="1"/>
-          </p:nvPr>
-        </p:nvSpPr>
-        <p:spPr/>
-        <p:txBody>
-          <a:bodyPr>
+        <p:spPr>
+          <a:xfrm>
+            <a:off x="1371597" y="348865"/>
+            <a:ext cx="10044023" cy="877729"/>
+          </a:xfrm>
+        </p:spPr>
+        <p:txBody>
+          <a:bodyPr anchor="ctr">
             <a:normAutofit/>
           </a:bodyPr>
           <a:lstStyle/>
           <a:p>
             <a:r>
-              <a:rPr lang="en-US" sz="2400" dirty="0"/>
-              <a:t>Faster, more reliable, and accurate data loads. </a:t>
+              <a:rPr lang="en-US" sz="3700" b="1">
+                <a:solidFill>
+                  <a:srgbClr val="FFFFFF"/>
+                </a:solidFill>
+              </a:rPr>
+              <a:t>Snapshot vs. SCD2 Pipeline Execution Summary</a:t>
             </a:r>
-          </a:p>
-          <a:p>
-            <a:r>
-              <a:rPr lang="en-US" sz="2400" dirty="0"/>
-              <a:t>Reduced complexity and maintenance effort. </a:t>
-            </a:r>
-          </a:p>
-          <a:p>
-            <a:r>
-              <a:rPr lang="en-US" sz="2400" dirty="0"/>
-              <a:t>Improved data quality, auditability, and compliance. </a:t>
-            </a:r>
-          </a:p>
-          <a:p>
-            <a:r>
-              <a:rPr lang="en-US" sz="2400" dirty="0"/>
-              <a:t>Ready for future scaling and new business needs.</a:t>
-            </a:r>
-          </a:p>
-        </p:txBody>
-      </p:sp>
+            <a:endParaRPr lang="en-US" sz="3700">
+              <a:solidFill>
+                <a:srgbClr val="FFFFFF"/>
+              </a:solidFill>
+            </a:endParaRPr>
+          </a:p>
+        </p:txBody>
+      </p:sp>
+      <p:graphicFrame>
+        <p:nvGraphicFramePr>
+          <p:cNvPr id="4" name="Content Placeholder 3">
+            <a:extLst>
+              <a:ext uri="{FF2B5EF4-FFF2-40B4-BE49-F238E27FC236}">
+                <a16:creationId xmlns:a16="http://schemas.microsoft.com/office/drawing/2014/main" id="{54B50519-6D5A-FBA6-995E-7A69BE982006}"/>
+              </a:ext>
+            </a:extLst>
+          </p:cNvPr>
+          <p:cNvGraphicFramePr>
+            <a:graphicFrameLocks noGrp="1"/>
+          </p:cNvGraphicFramePr>
+          <p:nvPr>
+            <p:ph idx="1"/>
+            <p:extLst>
+              <p:ext uri="{D42A27DB-BD31-4B8C-83A1-F6EECF244321}">
+                <p14:modId xmlns:p14="http://schemas.microsoft.com/office/powerpoint/2010/main" val="1482786353"/>
+              </p:ext>
+            </p:extLst>
+          </p:nvPr>
+        </p:nvGraphicFramePr>
+        <p:xfrm>
+          <a:off x="713917" y="2112579"/>
+          <a:ext cx="10788108" cy="4192808"/>
+        </p:xfrm>
+        <a:graphic>
+          <a:graphicData uri="http://schemas.openxmlformats.org/drawingml/2006/table">
+            <a:tbl>
+              <a:tblPr/>
+              <a:tblGrid>
+                <a:gridCol w="1852722">
+                  <a:extLst>
+                    <a:ext uri="{9D8B030D-6E8A-4147-A177-3AD203B41FA5}">
+                      <a16:colId xmlns:a16="http://schemas.microsoft.com/office/drawing/2014/main" val="2292551266"/>
+                    </a:ext>
+                  </a:extLst>
+                </a:gridCol>
+                <a:gridCol w="5067295">
+                  <a:extLst>
+                    <a:ext uri="{9D8B030D-6E8A-4147-A177-3AD203B41FA5}">
+                      <a16:colId xmlns:a16="http://schemas.microsoft.com/office/drawing/2014/main" val="3207218603"/>
+                    </a:ext>
+                  </a:extLst>
+                </a:gridCol>
+                <a:gridCol w="3868091">
+                  <a:extLst>
+                    <a:ext uri="{9D8B030D-6E8A-4147-A177-3AD203B41FA5}">
+                      <a16:colId xmlns:a16="http://schemas.microsoft.com/office/drawing/2014/main" val="1742271983"/>
+                    </a:ext>
+                  </a:extLst>
+                </a:gridCol>
+              </a:tblGrid>
+              <a:tr h="376192">
+                <a:tc>
+                  <a:txBody>
+                    <a:bodyPr/>
+                    <a:lstStyle/>
+                    <a:p>
+                      <a:pPr>
+                        <a:buNone/>
+                      </a:pPr>
+                      <a:r>
+                        <a:rPr lang="en-US" sz="1700" b="1">
+                          <a:effectLst/>
+                        </a:rPr>
+                        <a:t>Category</a:t>
+                      </a:r>
+                    </a:p>
+                  </a:txBody>
+                  <a:tcPr marL="78597" marR="78597" marT="36276" marB="36276" anchor="ctr">
+                    <a:lnL w="6350" cap="flat" cmpd="sng" algn="ctr">
+                      <a:solidFill>
+                        <a:srgbClr val="D1D9E0"/>
+                      </a:solidFill>
+                      <a:prstDash val="solid"/>
+                      <a:round/>
+                      <a:headEnd type="none" w="med" len="med"/>
+                      <a:tailEnd type="none" w="med" len="med"/>
+                    </a:lnL>
+                    <a:lnR w="6350" cap="flat" cmpd="sng" algn="ctr">
+                      <a:solidFill>
+                        <a:srgbClr val="D1D9E0"/>
+                      </a:solidFill>
+                      <a:prstDash val="solid"/>
+                      <a:round/>
+                      <a:headEnd type="none" w="med" len="med"/>
+                      <a:tailEnd type="none" w="med" len="med"/>
+                    </a:lnR>
+                    <a:lnT w="6350" cap="flat" cmpd="sng" algn="ctr">
+                      <a:solidFill>
+                        <a:srgbClr val="D1D9E0"/>
+                      </a:solidFill>
+                      <a:prstDash val="solid"/>
+                      <a:round/>
+                      <a:headEnd type="none" w="med" len="med"/>
+                      <a:tailEnd type="none" w="med" len="med"/>
+                    </a:lnT>
+                    <a:lnB w="6350" cap="flat" cmpd="sng" algn="ctr">
+                      <a:solidFill>
+                        <a:srgbClr val="D1D9E0"/>
+                      </a:solidFill>
+                      <a:prstDash val="solid"/>
+                      <a:round/>
+                      <a:headEnd type="none" w="med" len="med"/>
+                      <a:tailEnd type="none" w="med" len="med"/>
+                    </a:lnB>
+                    <a:solidFill>
+                      <a:srgbClr val="FFFFFF"/>
+                    </a:solidFill>
+                  </a:tcPr>
+                </a:tc>
+                <a:tc>
+                  <a:txBody>
+                    <a:bodyPr/>
+                    <a:lstStyle/>
+                    <a:p>
+                      <a:pPr>
+                        <a:buNone/>
+                      </a:pPr>
+                      <a:r>
+                        <a:rPr lang="en-US" sz="1700" b="1">
+                          <a:effectLst/>
+                        </a:rPr>
+                        <a:t>Snapshot</a:t>
+                      </a:r>
+                    </a:p>
+                  </a:txBody>
+                  <a:tcPr marL="78597" marR="78597" marT="36276" marB="36276" anchor="ctr">
+                    <a:lnL w="6350" cap="flat" cmpd="sng" algn="ctr">
+                      <a:solidFill>
+                        <a:srgbClr val="D1D9E0"/>
+                      </a:solidFill>
+                      <a:prstDash val="solid"/>
+                      <a:round/>
+                      <a:headEnd type="none" w="med" len="med"/>
+                      <a:tailEnd type="none" w="med" len="med"/>
+                    </a:lnL>
+                    <a:lnR w="6350" cap="flat" cmpd="sng" algn="ctr">
+                      <a:solidFill>
+                        <a:srgbClr val="D1D9E0"/>
+                      </a:solidFill>
+                      <a:prstDash val="solid"/>
+                      <a:round/>
+                      <a:headEnd type="none" w="med" len="med"/>
+                      <a:tailEnd type="none" w="med" len="med"/>
+                    </a:lnR>
+                    <a:lnT w="6350" cap="flat" cmpd="sng" algn="ctr">
+                      <a:solidFill>
+                        <a:srgbClr val="D1D9E0"/>
+                      </a:solidFill>
+                      <a:prstDash val="solid"/>
+                      <a:round/>
+                      <a:headEnd type="none" w="med" len="med"/>
+                      <a:tailEnd type="none" w="med" len="med"/>
+                    </a:lnT>
+                    <a:lnB w="6350" cap="flat" cmpd="sng" algn="ctr">
+                      <a:solidFill>
+                        <a:srgbClr val="D1D9E0"/>
+                      </a:solidFill>
+                      <a:prstDash val="solid"/>
+                      <a:round/>
+                      <a:headEnd type="none" w="med" len="med"/>
+                      <a:tailEnd type="none" w="med" len="med"/>
+                    </a:lnB>
+                    <a:solidFill>
+                      <a:srgbClr val="FFFFFF"/>
+                    </a:solidFill>
+                  </a:tcPr>
+                </a:tc>
+                <a:tc>
+                  <a:txBody>
+                    <a:bodyPr/>
+                    <a:lstStyle/>
+                    <a:p>
+                      <a:pPr>
+                        <a:buNone/>
+                      </a:pPr>
+                      <a:r>
+                        <a:rPr lang="en-US" sz="1700" b="1">
+                          <a:effectLst/>
+                        </a:rPr>
+                        <a:t>SCD2 (EGI Table)</a:t>
+                      </a:r>
+                    </a:p>
+                  </a:txBody>
+                  <a:tcPr marL="78597" marR="78597" marT="36276" marB="36276" anchor="ctr">
+                    <a:lnL w="6350" cap="flat" cmpd="sng" algn="ctr">
+                      <a:solidFill>
+                        <a:srgbClr val="D1D9E0"/>
+                      </a:solidFill>
+                      <a:prstDash val="solid"/>
+                      <a:round/>
+                      <a:headEnd type="none" w="med" len="med"/>
+                      <a:tailEnd type="none" w="med" len="med"/>
+                    </a:lnL>
+                    <a:lnR w="6350" cap="flat" cmpd="sng" algn="ctr">
+                      <a:solidFill>
+                        <a:srgbClr val="D1D9E0"/>
+                      </a:solidFill>
+                      <a:prstDash val="solid"/>
+                      <a:round/>
+                      <a:headEnd type="none" w="med" len="med"/>
+                      <a:tailEnd type="none" w="med" len="med"/>
+                    </a:lnR>
+                    <a:lnT w="6350" cap="flat" cmpd="sng" algn="ctr">
+                      <a:solidFill>
+                        <a:srgbClr val="D1D9E0"/>
+                      </a:solidFill>
+                      <a:prstDash val="solid"/>
+                      <a:round/>
+                      <a:headEnd type="none" w="med" len="med"/>
+                      <a:tailEnd type="none" w="med" len="med"/>
+                    </a:lnT>
+                    <a:lnB w="6350" cap="flat" cmpd="sng" algn="ctr">
+                      <a:solidFill>
+                        <a:srgbClr val="D1D9E0"/>
+                      </a:solidFill>
+                      <a:prstDash val="solid"/>
+                      <a:round/>
+                      <a:headEnd type="none" w="med" len="med"/>
+                      <a:tailEnd type="none" w="med" len="med"/>
+                    </a:lnB>
+                    <a:solidFill>
+                      <a:srgbClr val="FFFFFF"/>
+                    </a:solidFill>
+                  </a:tcPr>
+                </a:tc>
+                <a:extLst>
+                  <a:ext uri="{0D108BD9-81ED-4DB2-BD59-A6C34878D82A}">
+                    <a16:rowId xmlns:a16="http://schemas.microsoft.com/office/drawing/2014/main" val="3263570037"/>
+                  </a:ext>
+                </a:extLst>
+              </a:tr>
+              <a:tr h="632512">
+                <a:tc>
+                  <a:txBody>
+                    <a:bodyPr/>
+                    <a:lstStyle/>
+                    <a:p>
+                      <a:pPr>
+                        <a:buNone/>
+                      </a:pPr>
+                      <a:r>
+                        <a:rPr lang="en-US" sz="1700" b="1">
+                          <a:effectLst/>
+                        </a:rPr>
+                        <a:t>Filename</a:t>
+                      </a:r>
+                      <a:endParaRPr lang="en-US" sz="1700">
+                        <a:effectLst/>
+                      </a:endParaRPr>
+                    </a:p>
+                  </a:txBody>
+                  <a:tcPr marL="78597" marR="78597" marT="36276" marB="36276" anchor="ctr">
+                    <a:lnL w="6350" cap="flat" cmpd="sng" algn="ctr">
+                      <a:solidFill>
+                        <a:srgbClr val="D1D9E0"/>
+                      </a:solidFill>
+                      <a:prstDash val="solid"/>
+                      <a:round/>
+                      <a:headEnd type="none" w="med" len="med"/>
+                      <a:tailEnd type="none" w="med" len="med"/>
+                    </a:lnL>
+                    <a:lnR w="6350" cap="flat" cmpd="sng" algn="ctr">
+                      <a:solidFill>
+                        <a:srgbClr val="D1D9E0"/>
+                      </a:solidFill>
+                      <a:prstDash val="solid"/>
+                      <a:round/>
+                      <a:headEnd type="none" w="med" len="med"/>
+                      <a:tailEnd type="none" w="med" len="med"/>
+                    </a:lnR>
+                    <a:lnT w="6350" cap="flat" cmpd="sng" algn="ctr">
+                      <a:solidFill>
+                        <a:srgbClr val="D1D9E0"/>
+                      </a:solidFill>
+                      <a:prstDash val="solid"/>
+                      <a:round/>
+                      <a:headEnd type="none" w="med" len="med"/>
+                      <a:tailEnd type="none" w="med" len="med"/>
+                    </a:lnT>
+                    <a:lnB w="6350" cap="flat" cmpd="sng" algn="ctr">
+                      <a:solidFill>
+                        <a:srgbClr val="D1D9E0"/>
+                      </a:solidFill>
+                      <a:prstDash val="solid"/>
+                      <a:round/>
+                      <a:headEnd type="none" w="med" len="med"/>
+                      <a:tailEnd type="none" w="med" len="med"/>
+                    </a:lnB>
+                    <a:solidFill>
+                      <a:srgbClr val="FFFFFF"/>
+                    </a:solidFill>
+                  </a:tcPr>
+                </a:tc>
+                <a:tc>
+                  <a:txBody>
+                    <a:bodyPr/>
+                    <a:lstStyle/>
+                    <a:p>
+                      <a:pPr>
+                        <a:buNone/>
+                      </a:pPr>
+                      <a:r>
+                        <a:rPr lang="en-US" sz="1700">
+                          <a:effectLst/>
+                        </a:rPr>
+                        <a:t>WW_Cx_Fulfllmnt_Bklg_data_20251006213005.csv</a:t>
+                      </a:r>
+                    </a:p>
+                  </a:txBody>
+                  <a:tcPr marL="78597" marR="78597" marT="36276" marB="36276" anchor="ctr">
+                    <a:lnL w="6350" cap="flat" cmpd="sng" algn="ctr">
+                      <a:solidFill>
+                        <a:srgbClr val="D1D9E0"/>
+                      </a:solidFill>
+                      <a:prstDash val="solid"/>
+                      <a:round/>
+                      <a:headEnd type="none" w="med" len="med"/>
+                      <a:tailEnd type="none" w="med" len="med"/>
+                    </a:lnL>
+                    <a:lnR w="6350" cap="flat" cmpd="sng" algn="ctr">
+                      <a:solidFill>
+                        <a:srgbClr val="D1D9E0"/>
+                      </a:solidFill>
+                      <a:prstDash val="solid"/>
+                      <a:round/>
+                      <a:headEnd type="none" w="med" len="med"/>
+                      <a:tailEnd type="none" w="med" len="med"/>
+                    </a:lnR>
+                    <a:lnT w="6350" cap="flat" cmpd="sng" algn="ctr">
+                      <a:solidFill>
+                        <a:srgbClr val="D1D9E0"/>
+                      </a:solidFill>
+                      <a:prstDash val="solid"/>
+                      <a:round/>
+                      <a:headEnd type="none" w="med" len="med"/>
+                      <a:tailEnd type="none" w="med" len="med"/>
+                    </a:lnT>
+                    <a:lnB w="6350" cap="flat" cmpd="sng" algn="ctr">
+                      <a:solidFill>
+                        <a:srgbClr val="D1D9E0"/>
+                      </a:solidFill>
+                      <a:prstDash val="solid"/>
+                      <a:round/>
+                      <a:headEnd type="none" w="med" len="med"/>
+                      <a:tailEnd type="none" w="med" len="med"/>
+                    </a:lnB>
+                    <a:solidFill>
+                      <a:srgbClr val="FFFFFF"/>
+                    </a:solidFill>
+                  </a:tcPr>
+                </a:tc>
+                <a:tc>
+                  <a:txBody>
+                    <a:bodyPr/>
+                    <a:lstStyle/>
+                    <a:p>
+                      <a:pPr>
+                        <a:buNone/>
+                      </a:pPr>
+                      <a:r>
+                        <a:rPr lang="en-US" sz="1700">
+                          <a:effectLst/>
+                        </a:rPr>
+                        <a:t>EGI_2_0_INC_20250924040002.xlsx,</a:t>
+                      </a:r>
+                    </a:p>
+                    <a:p>
+                      <a:pPr>
+                        <a:buNone/>
+                      </a:pPr>
+                      <a:r>
+                        <a:rPr lang="en-US" sz="1700">
+                          <a:effectLst/>
+                        </a:rPr>
+                        <a:t>EGI_2_0_INC_20250930043003.xlsx</a:t>
+                      </a:r>
+                    </a:p>
+                  </a:txBody>
+                  <a:tcPr marL="78597" marR="78597" marT="36276" marB="36276" anchor="ctr">
+                    <a:lnL w="6350" cap="flat" cmpd="sng" algn="ctr">
+                      <a:solidFill>
+                        <a:srgbClr val="D1D9E0"/>
+                      </a:solidFill>
+                      <a:prstDash val="solid"/>
+                      <a:round/>
+                      <a:headEnd type="none" w="med" len="med"/>
+                      <a:tailEnd type="none" w="med" len="med"/>
+                    </a:lnL>
+                    <a:lnR w="6350" cap="flat" cmpd="sng" algn="ctr">
+                      <a:solidFill>
+                        <a:srgbClr val="D1D9E0"/>
+                      </a:solidFill>
+                      <a:prstDash val="solid"/>
+                      <a:round/>
+                      <a:headEnd type="none" w="med" len="med"/>
+                      <a:tailEnd type="none" w="med" len="med"/>
+                    </a:lnR>
+                    <a:lnT w="6350" cap="flat" cmpd="sng" algn="ctr">
+                      <a:solidFill>
+                        <a:srgbClr val="D1D9E0"/>
+                      </a:solidFill>
+                      <a:prstDash val="solid"/>
+                      <a:round/>
+                      <a:headEnd type="none" w="med" len="med"/>
+                      <a:tailEnd type="none" w="med" len="med"/>
+                    </a:lnT>
+                    <a:lnB w="6350" cap="flat" cmpd="sng" algn="ctr">
+                      <a:solidFill>
+                        <a:srgbClr val="D1D9E0"/>
+                      </a:solidFill>
+                      <a:prstDash val="solid"/>
+                      <a:round/>
+                      <a:headEnd type="none" w="med" len="med"/>
+                      <a:tailEnd type="none" w="med" len="med"/>
+                    </a:lnB>
+                    <a:solidFill>
+                      <a:srgbClr val="FFFFFF"/>
+                    </a:solidFill>
+                  </a:tcPr>
+                </a:tc>
+                <a:extLst>
+                  <a:ext uri="{0D108BD9-81ED-4DB2-BD59-A6C34878D82A}">
+                    <a16:rowId xmlns:a16="http://schemas.microsoft.com/office/drawing/2014/main" val="4039555349"/>
+                  </a:ext>
+                </a:extLst>
+              </a:tr>
+              <a:tr h="376192">
+                <a:tc>
+                  <a:txBody>
+                    <a:bodyPr/>
+                    <a:lstStyle/>
+                    <a:p>
+                      <a:pPr>
+                        <a:buNone/>
+                      </a:pPr>
+                      <a:r>
+                        <a:rPr lang="en-US" sz="1700" b="1">
+                          <a:effectLst/>
+                        </a:rPr>
+                        <a:t>Record Count</a:t>
+                      </a:r>
+                      <a:endParaRPr lang="en-US" sz="1700">
+                        <a:effectLst/>
+                      </a:endParaRPr>
+                    </a:p>
+                  </a:txBody>
+                  <a:tcPr marL="78597" marR="78597" marT="36276" marB="36276" anchor="ctr">
+                    <a:lnL w="6350" cap="flat" cmpd="sng" algn="ctr">
+                      <a:solidFill>
+                        <a:srgbClr val="D1D9E0"/>
+                      </a:solidFill>
+                      <a:prstDash val="solid"/>
+                      <a:round/>
+                      <a:headEnd type="none" w="med" len="med"/>
+                      <a:tailEnd type="none" w="med" len="med"/>
+                    </a:lnL>
+                    <a:lnR w="6350" cap="flat" cmpd="sng" algn="ctr">
+                      <a:solidFill>
+                        <a:srgbClr val="D1D9E0"/>
+                      </a:solidFill>
+                      <a:prstDash val="solid"/>
+                      <a:round/>
+                      <a:headEnd type="none" w="med" len="med"/>
+                      <a:tailEnd type="none" w="med" len="med"/>
+                    </a:lnR>
+                    <a:lnT w="6350" cap="flat" cmpd="sng" algn="ctr">
+                      <a:solidFill>
+                        <a:srgbClr val="D1D9E0"/>
+                      </a:solidFill>
+                      <a:prstDash val="solid"/>
+                      <a:round/>
+                      <a:headEnd type="none" w="med" len="med"/>
+                      <a:tailEnd type="none" w="med" len="med"/>
+                    </a:lnT>
+                    <a:lnB w="6350" cap="flat" cmpd="sng" algn="ctr">
+                      <a:solidFill>
+                        <a:srgbClr val="D1D9E0"/>
+                      </a:solidFill>
+                      <a:prstDash val="solid"/>
+                      <a:round/>
+                      <a:headEnd type="none" w="med" len="med"/>
+                      <a:tailEnd type="none" w="med" len="med"/>
+                    </a:lnB>
+                    <a:solidFill>
+                      <a:srgbClr val="F6F8FA"/>
+                    </a:solidFill>
+                  </a:tcPr>
+                </a:tc>
+                <a:tc>
+                  <a:txBody>
+                    <a:bodyPr/>
+                    <a:lstStyle/>
+                    <a:p>
+                      <a:pPr>
+                        <a:buNone/>
+                      </a:pPr>
+                      <a:r>
+                        <a:rPr lang="en-US" sz="1700">
+                          <a:effectLst/>
+                        </a:rPr>
+                        <a:t>17,913</a:t>
+                      </a:r>
+                    </a:p>
+                  </a:txBody>
+                  <a:tcPr marL="78597" marR="78597" marT="36276" marB="36276" anchor="ctr">
+                    <a:lnL w="6350" cap="flat" cmpd="sng" algn="ctr">
+                      <a:solidFill>
+                        <a:srgbClr val="D1D9E0"/>
+                      </a:solidFill>
+                      <a:prstDash val="solid"/>
+                      <a:round/>
+                      <a:headEnd type="none" w="med" len="med"/>
+                      <a:tailEnd type="none" w="med" len="med"/>
+                    </a:lnL>
+                    <a:lnR w="6350" cap="flat" cmpd="sng" algn="ctr">
+                      <a:solidFill>
+                        <a:srgbClr val="D1D9E0"/>
+                      </a:solidFill>
+                      <a:prstDash val="solid"/>
+                      <a:round/>
+                      <a:headEnd type="none" w="med" len="med"/>
+                      <a:tailEnd type="none" w="med" len="med"/>
+                    </a:lnR>
+                    <a:lnT w="6350" cap="flat" cmpd="sng" algn="ctr">
+                      <a:solidFill>
+                        <a:srgbClr val="D1D9E0"/>
+                      </a:solidFill>
+                      <a:prstDash val="solid"/>
+                      <a:round/>
+                      <a:headEnd type="none" w="med" len="med"/>
+                      <a:tailEnd type="none" w="med" len="med"/>
+                    </a:lnT>
+                    <a:lnB w="6350" cap="flat" cmpd="sng" algn="ctr">
+                      <a:solidFill>
+                        <a:srgbClr val="D1D9E0"/>
+                      </a:solidFill>
+                      <a:prstDash val="solid"/>
+                      <a:round/>
+                      <a:headEnd type="none" w="med" len="med"/>
+                      <a:tailEnd type="none" w="med" len="med"/>
+                    </a:lnB>
+                    <a:solidFill>
+                      <a:srgbClr val="F6F8FA"/>
+                    </a:solidFill>
+                  </a:tcPr>
+                </a:tc>
+                <a:tc>
+                  <a:txBody>
+                    <a:bodyPr/>
+                    <a:lstStyle/>
+                    <a:p>
+                      <a:pPr>
+                        <a:buNone/>
+                      </a:pPr>
+                      <a:r>
+                        <a:rPr lang="en-US" sz="1700">
+                          <a:effectLst/>
+                        </a:rPr>
+                        <a:t>17,624, 19,259</a:t>
+                      </a:r>
+                    </a:p>
+                  </a:txBody>
+                  <a:tcPr marL="78597" marR="78597" marT="36276" marB="36276" anchor="ctr">
+                    <a:lnL w="6350" cap="flat" cmpd="sng" algn="ctr">
+                      <a:solidFill>
+                        <a:srgbClr val="D1D9E0"/>
+                      </a:solidFill>
+                      <a:prstDash val="solid"/>
+                      <a:round/>
+                      <a:headEnd type="none" w="med" len="med"/>
+                      <a:tailEnd type="none" w="med" len="med"/>
+                    </a:lnL>
+                    <a:lnR w="6350" cap="flat" cmpd="sng" algn="ctr">
+                      <a:solidFill>
+                        <a:srgbClr val="D1D9E0"/>
+                      </a:solidFill>
+                      <a:prstDash val="solid"/>
+                      <a:round/>
+                      <a:headEnd type="none" w="med" len="med"/>
+                      <a:tailEnd type="none" w="med" len="med"/>
+                    </a:lnR>
+                    <a:lnT w="6350" cap="flat" cmpd="sng" algn="ctr">
+                      <a:solidFill>
+                        <a:srgbClr val="D1D9E0"/>
+                      </a:solidFill>
+                      <a:prstDash val="solid"/>
+                      <a:round/>
+                      <a:headEnd type="none" w="med" len="med"/>
+                      <a:tailEnd type="none" w="med" len="med"/>
+                    </a:lnT>
+                    <a:lnB w="6350" cap="flat" cmpd="sng" algn="ctr">
+                      <a:solidFill>
+                        <a:srgbClr val="D1D9E0"/>
+                      </a:solidFill>
+                      <a:prstDash val="solid"/>
+                      <a:round/>
+                      <a:headEnd type="none" w="med" len="med"/>
+                      <a:tailEnd type="none" w="med" len="med"/>
+                    </a:lnB>
+                    <a:solidFill>
+                      <a:srgbClr val="F6F8FA"/>
+                    </a:solidFill>
+                  </a:tcPr>
+                </a:tc>
+                <a:extLst>
+                  <a:ext uri="{0D108BD9-81ED-4DB2-BD59-A6C34878D82A}">
+                    <a16:rowId xmlns:a16="http://schemas.microsoft.com/office/drawing/2014/main" val="647727196"/>
+                  </a:ext>
+                </a:extLst>
+              </a:tr>
+              <a:tr h="414312">
+                <a:tc>
+                  <a:txBody>
+                    <a:bodyPr/>
+                    <a:lstStyle/>
+                    <a:p>
+                      <a:pPr>
+                        <a:buNone/>
+                      </a:pPr>
+                      <a:endParaRPr lang="en-US" sz="1700">
+                        <a:effectLst/>
+                      </a:endParaRPr>
+                    </a:p>
+                  </a:txBody>
+                  <a:tcPr marL="78597" marR="78597" marT="36276" marB="36276" anchor="ctr">
+                    <a:lnL w="6350" cap="flat" cmpd="sng" algn="ctr">
+                      <a:solidFill>
+                        <a:srgbClr val="D1D9E0"/>
+                      </a:solidFill>
+                      <a:prstDash val="solid"/>
+                      <a:round/>
+                      <a:headEnd type="none" w="med" len="med"/>
+                      <a:tailEnd type="none" w="med" len="med"/>
+                    </a:lnL>
+                    <a:lnR w="6350" cap="flat" cmpd="sng" algn="ctr">
+                      <a:solidFill>
+                        <a:srgbClr val="D1D9E0"/>
+                      </a:solidFill>
+                      <a:prstDash val="solid"/>
+                      <a:round/>
+                      <a:headEnd type="none" w="med" len="med"/>
+                      <a:tailEnd type="none" w="med" len="med"/>
+                    </a:lnR>
+                    <a:lnT w="6350" cap="flat" cmpd="sng" algn="ctr">
+                      <a:solidFill>
+                        <a:srgbClr val="D1D9E0"/>
+                      </a:solidFill>
+                      <a:prstDash val="solid"/>
+                      <a:round/>
+                      <a:headEnd type="none" w="med" len="med"/>
+                      <a:tailEnd type="none" w="med" len="med"/>
+                    </a:lnT>
+                    <a:lnB w="6350" cap="flat" cmpd="sng" algn="ctr">
+                      <a:solidFill>
+                        <a:srgbClr val="D1D9E0"/>
+                      </a:solidFill>
+                      <a:prstDash val="solid"/>
+                      <a:round/>
+                      <a:headEnd type="none" w="med" len="med"/>
+                      <a:tailEnd type="none" w="med" len="med"/>
+                    </a:lnB>
+                    <a:solidFill>
+                      <a:srgbClr val="FFFFFF"/>
+                    </a:solidFill>
+                  </a:tcPr>
+                </a:tc>
+                <a:tc>
+                  <a:txBody>
+                    <a:bodyPr/>
+                    <a:lstStyle/>
+                    <a:p>
+                      <a:pPr>
+                        <a:buNone/>
+                      </a:pPr>
+                      <a:endParaRPr lang="en-US" sz="1700">
+                        <a:effectLst/>
+                      </a:endParaRPr>
+                    </a:p>
+                  </a:txBody>
+                  <a:tcPr marL="78597" marR="78597" marT="36276" marB="36276" anchor="ctr">
+                    <a:lnL w="6350" cap="flat" cmpd="sng" algn="ctr">
+                      <a:solidFill>
+                        <a:srgbClr val="D1D9E0"/>
+                      </a:solidFill>
+                      <a:prstDash val="solid"/>
+                      <a:round/>
+                      <a:headEnd type="none" w="med" len="med"/>
+                      <a:tailEnd type="none" w="med" len="med"/>
+                    </a:lnL>
+                    <a:lnR w="6350" cap="flat" cmpd="sng" algn="ctr">
+                      <a:solidFill>
+                        <a:srgbClr val="D1D9E0"/>
+                      </a:solidFill>
+                      <a:prstDash val="solid"/>
+                      <a:round/>
+                      <a:headEnd type="none" w="med" len="med"/>
+                      <a:tailEnd type="none" w="med" len="med"/>
+                    </a:lnR>
+                    <a:lnT w="6350" cap="flat" cmpd="sng" algn="ctr">
+                      <a:solidFill>
+                        <a:srgbClr val="D1D9E0"/>
+                      </a:solidFill>
+                      <a:prstDash val="solid"/>
+                      <a:round/>
+                      <a:headEnd type="none" w="med" len="med"/>
+                      <a:tailEnd type="none" w="med" len="med"/>
+                    </a:lnT>
+                    <a:lnB w="6350" cap="flat" cmpd="sng" algn="ctr">
+                      <a:solidFill>
+                        <a:srgbClr val="D1D9E0"/>
+                      </a:solidFill>
+                      <a:prstDash val="solid"/>
+                      <a:round/>
+                      <a:headEnd type="none" w="med" len="med"/>
+                      <a:tailEnd type="none" w="med" len="med"/>
+                    </a:lnB>
+                    <a:solidFill>
+                      <a:srgbClr val="FFFFFF"/>
+                    </a:solidFill>
+                  </a:tcPr>
+                </a:tc>
+                <a:tc>
+                  <a:txBody>
+                    <a:bodyPr/>
+                    <a:lstStyle/>
+                    <a:p>
+                      <a:pPr>
+                        <a:buNone/>
+                      </a:pPr>
+                      <a:endParaRPr lang="en-US" sz="1700">
+                        <a:effectLst/>
+                      </a:endParaRPr>
+                    </a:p>
+                  </a:txBody>
+                  <a:tcPr marL="78597" marR="78597" marT="36276" marB="36276" anchor="ctr">
+                    <a:lnL w="6350" cap="flat" cmpd="sng" algn="ctr">
+                      <a:solidFill>
+                        <a:srgbClr val="D1D9E0"/>
+                      </a:solidFill>
+                      <a:prstDash val="solid"/>
+                      <a:round/>
+                      <a:headEnd type="none" w="med" len="med"/>
+                      <a:tailEnd type="none" w="med" len="med"/>
+                    </a:lnL>
+                    <a:lnR w="6350" cap="flat" cmpd="sng" algn="ctr">
+                      <a:solidFill>
+                        <a:srgbClr val="D1D9E0"/>
+                      </a:solidFill>
+                      <a:prstDash val="solid"/>
+                      <a:round/>
+                      <a:headEnd type="none" w="med" len="med"/>
+                      <a:tailEnd type="none" w="med" len="med"/>
+                    </a:lnR>
+                    <a:lnT w="6350" cap="flat" cmpd="sng" algn="ctr">
+                      <a:solidFill>
+                        <a:srgbClr val="D1D9E0"/>
+                      </a:solidFill>
+                      <a:prstDash val="solid"/>
+                      <a:round/>
+                      <a:headEnd type="none" w="med" len="med"/>
+                      <a:tailEnd type="none" w="med" len="med"/>
+                    </a:lnT>
+                    <a:lnB w="6350" cap="flat" cmpd="sng" algn="ctr">
+                      <a:solidFill>
+                        <a:srgbClr val="D1D9E0"/>
+                      </a:solidFill>
+                      <a:prstDash val="solid"/>
+                      <a:round/>
+                      <a:headEnd type="none" w="med" len="med"/>
+                      <a:tailEnd type="none" w="med" len="med"/>
+                    </a:lnB>
+                    <a:solidFill>
+                      <a:srgbClr val="FFFFFF"/>
+                    </a:solidFill>
+                  </a:tcPr>
+                </a:tc>
+                <a:extLst>
+                  <a:ext uri="{0D108BD9-81ED-4DB2-BD59-A6C34878D82A}">
+                    <a16:rowId xmlns:a16="http://schemas.microsoft.com/office/drawing/2014/main" val="3316955934"/>
+                  </a:ext>
+                </a:extLst>
+              </a:tr>
+              <a:tr h="376192">
+                <a:tc>
+                  <a:txBody>
+                    <a:bodyPr/>
+                    <a:lstStyle/>
+                    <a:p>
+                      <a:pPr>
+                        <a:buNone/>
+                      </a:pPr>
+                      <a:r>
+                        <a:rPr lang="en-US" sz="1700" b="1">
+                          <a:effectLst/>
+                        </a:rPr>
+                        <a:t>Process Step</a:t>
+                      </a:r>
+                      <a:endParaRPr lang="en-US" sz="1700">
+                        <a:effectLst/>
+                      </a:endParaRPr>
+                    </a:p>
+                  </a:txBody>
+                  <a:tcPr marL="78597" marR="78597" marT="36276" marB="36276" anchor="ctr">
+                    <a:lnL w="6350" cap="flat" cmpd="sng" algn="ctr">
+                      <a:solidFill>
+                        <a:srgbClr val="D1D9E0"/>
+                      </a:solidFill>
+                      <a:prstDash val="solid"/>
+                      <a:round/>
+                      <a:headEnd type="none" w="med" len="med"/>
+                      <a:tailEnd type="none" w="med" len="med"/>
+                    </a:lnL>
+                    <a:lnR w="6350" cap="flat" cmpd="sng" algn="ctr">
+                      <a:solidFill>
+                        <a:srgbClr val="D1D9E0"/>
+                      </a:solidFill>
+                      <a:prstDash val="solid"/>
+                      <a:round/>
+                      <a:headEnd type="none" w="med" len="med"/>
+                      <a:tailEnd type="none" w="med" len="med"/>
+                    </a:lnR>
+                    <a:lnT w="6350" cap="flat" cmpd="sng" algn="ctr">
+                      <a:solidFill>
+                        <a:srgbClr val="D1D9E0"/>
+                      </a:solidFill>
+                      <a:prstDash val="solid"/>
+                      <a:round/>
+                      <a:headEnd type="none" w="med" len="med"/>
+                      <a:tailEnd type="none" w="med" len="med"/>
+                    </a:lnT>
+                    <a:lnB w="6350" cap="flat" cmpd="sng" algn="ctr">
+                      <a:solidFill>
+                        <a:srgbClr val="D1D9E0"/>
+                      </a:solidFill>
+                      <a:prstDash val="solid"/>
+                      <a:round/>
+                      <a:headEnd type="none" w="med" len="med"/>
+                      <a:tailEnd type="none" w="med" len="med"/>
+                    </a:lnB>
+                    <a:solidFill>
+                      <a:srgbClr val="F6F8FA"/>
+                    </a:solidFill>
+                  </a:tcPr>
+                </a:tc>
+                <a:tc>
+                  <a:txBody>
+                    <a:bodyPr/>
+                    <a:lstStyle/>
+                    <a:p>
+                      <a:pPr>
+                        <a:buNone/>
+                      </a:pPr>
+                      <a:r>
+                        <a:rPr lang="en-US" sz="1700" b="1">
+                          <a:effectLst/>
+                        </a:rPr>
+                        <a:t>Execution Duration (seconds)</a:t>
+                      </a:r>
+                      <a:endParaRPr lang="en-US" sz="1700">
+                        <a:effectLst/>
+                      </a:endParaRPr>
+                    </a:p>
+                  </a:txBody>
+                  <a:tcPr marL="78597" marR="78597" marT="36276" marB="36276" anchor="ctr">
+                    <a:lnL w="6350" cap="flat" cmpd="sng" algn="ctr">
+                      <a:solidFill>
+                        <a:srgbClr val="D1D9E0"/>
+                      </a:solidFill>
+                      <a:prstDash val="solid"/>
+                      <a:round/>
+                      <a:headEnd type="none" w="med" len="med"/>
+                      <a:tailEnd type="none" w="med" len="med"/>
+                    </a:lnL>
+                    <a:lnR w="6350" cap="flat" cmpd="sng" algn="ctr">
+                      <a:solidFill>
+                        <a:srgbClr val="D1D9E0"/>
+                      </a:solidFill>
+                      <a:prstDash val="solid"/>
+                      <a:round/>
+                      <a:headEnd type="none" w="med" len="med"/>
+                      <a:tailEnd type="none" w="med" len="med"/>
+                    </a:lnR>
+                    <a:lnT w="6350" cap="flat" cmpd="sng" algn="ctr">
+                      <a:solidFill>
+                        <a:srgbClr val="D1D9E0"/>
+                      </a:solidFill>
+                      <a:prstDash val="solid"/>
+                      <a:round/>
+                      <a:headEnd type="none" w="med" len="med"/>
+                      <a:tailEnd type="none" w="med" len="med"/>
+                    </a:lnT>
+                    <a:lnB w="6350" cap="flat" cmpd="sng" algn="ctr">
+                      <a:solidFill>
+                        <a:srgbClr val="D1D9E0"/>
+                      </a:solidFill>
+                      <a:prstDash val="solid"/>
+                      <a:round/>
+                      <a:headEnd type="none" w="med" len="med"/>
+                      <a:tailEnd type="none" w="med" len="med"/>
+                    </a:lnB>
+                    <a:solidFill>
+                      <a:srgbClr val="F6F8FA"/>
+                    </a:solidFill>
+                  </a:tcPr>
+                </a:tc>
+                <a:tc>
+                  <a:txBody>
+                    <a:bodyPr/>
+                    <a:lstStyle/>
+                    <a:p>
+                      <a:pPr>
+                        <a:buNone/>
+                      </a:pPr>
+                      <a:r>
+                        <a:rPr lang="en-US" sz="1700" b="1">
+                          <a:effectLst/>
+                        </a:rPr>
+                        <a:t>Execution Duration (seconds)</a:t>
+                      </a:r>
+                      <a:endParaRPr lang="en-US" sz="1700">
+                        <a:effectLst/>
+                      </a:endParaRPr>
+                    </a:p>
+                  </a:txBody>
+                  <a:tcPr marL="78597" marR="78597" marT="36276" marB="36276" anchor="ctr">
+                    <a:lnL w="6350" cap="flat" cmpd="sng" algn="ctr">
+                      <a:solidFill>
+                        <a:srgbClr val="D1D9E0"/>
+                      </a:solidFill>
+                      <a:prstDash val="solid"/>
+                      <a:round/>
+                      <a:headEnd type="none" w="med" len="med"/>
+                      <a:tailEnd type="none" w="med" len="med"/>
+                    </a:lnL>
+                    <a:lnR w="6350" cap="flat" cmpd="sng" algn="ctr">
+                      <a:solidFill>
+                        <a:srgbClr val="D1D9E0"/>
+                      </a:solidFill>
+                      <a:prstDash val="solid"/>
+                      <a:round/>
+                      <a:headEnd type="none" w="med" len="med"/>
+                      <a:tailEnd type="none" w="med" len="med"/>
+                    </a:lnR>
+                    <a:lnT w="6350" cap="flat" cmpd="sng" algn="ctr">
+                      <a:solidFill>
+                        <a:srgbClr val="D1D9E0"/>
+                      </a:solidFill>
+                      <a:prstDash val="solid"/>
+                      <a:round/>
+                      <a:headEnd type="none" w="med" len="med"/>
+                      <a:tailEnd type="none" w="med" len="med"/>
+                    </a:lnT>
+                    <a:lnB w="6350" cap="flat" cmpd="sng" algn="ctr">
+                      <a:solidFill>
+                        <a:srgbClr val="D1D9E0"/>
+                      </a:solidFill>
+                      <a:prstDash val="solid"/>
+                      <a:round/>
+                      <a:headEnd type="none" w="med" len="med"/>
+                      <a:tailEnd type="none" w="med" len="med"/>
+                    </a:lnB>
+                    <a:solidFill>
+                      <a:srgbClr val="F6F8FA"/>
+                    </a:solidFill>
+                  </a:tcPr>
+                </a:tc>
+                <a:extLst>
+                  <a:ext uri="{0D108BD9-81ED-4DB2-BD59-A6C34878D82A}">
+                    <a16:rowId xmlns:a16="http://schemas.microsoft.com/office/drawing/2014/main" val="937746775"/>
+                  </a:ext>
+                </a:extLst>
+              </a:tr>
+              <a:tr h="376192">
+                <a:tc>
+                  <a:txBody>
+                    <a:bodyPr/>
+                    <a:lstStyle/>
+                    <a:p>
+                      <a:pPr>
+                        <a:buNone/>
+                      </a:pPr>
+                      <a:r>
+                        <a:rPr lang="en-US" sz="1700">
+                          <a:effectLst/>
+                        </a:rPr>
+                        <a:t>File Validation</a:t>
+                      </a:r>
+                    </a:p>
+                  </a:txBody>
+                  <a:tcPr marL="78597" marR="78597" marT="36276" marB="36276" anchor="ctr">
+                    <a:lnL w="6350" cap="flat" cmpd="sng" algn="ctr">
+                      <a:solidFill>
+                        <a:srgbClr val="D1D9E0"/>
+                      </a:solidFill>
+                      <a:prstDash val="solid"/>
+                      <a:round/>
+                      <a:headEnd type="none" w="med" len="med"/>
+                      <a:tailEnd type="none" w="med" len="med"/>
+                    </a:lnL>
+                    <a:lnR w="6350" cap="flat" cmpd="sng" algn="ctr">
+                      <a:solidFill>
+                        <a:srgbClr val="D1D9E0"/>
+                      </a:solidFill>
+                      <a:prstDash val="solid"/>
+                      <a:round/>
+                      <a:headEnd type="none" w="med" len="med"/>
+                      <a:tailEnd type="none" w="med" len="med"/>
+                    </a:lnR>
+                    <a:lnT w="6350" cap="flat" cmpd="sng" algn="ctr">
+                      <a:solidFill>
+                        <a:srgbClr val="D1D9E0"/>
+                      </a:solidFill>
+                      <a:prstDash val="solid"/>
+                      <a:round/>
+                      <a:headEnd type="none" w="med" len="med"/>
+                      <a:tailEnd type="none" w="med" len="med"/>
+                    </a:lnT>
+                    <a:lnB w="6350" cap="flat" cmpd="sng" algn="ctr">
+                      <a:solidFill>
+                        <a:srgbClr val="D1D9E0"/>
+                      </a:solidFill>
+                      <a:prstDash val="solid"/>
+                      <a:round/>
+                      <a:headEnd type="none" w="med" len="med"/>
+                      <a:tailEnd type="none" w="med" len="med"/>
+                    </a:lnB>
+                    <a:solidFill>
+                      <a:srgbClr val="FFFFFF"/>
+                    </a:solidFill>
+                  </a:tcPr>
+                </a:tc>
+                <a:tc>
+                  <a:txBody>
+                    <a:bodyPr/>
+                    <a:lstStyle/>
+                    <a:p>
+                      <a:pPr>
+                        <a:buNone/>
+                      </a:pPr>
+                      <a:r>
+                        <a:rPr lang="en-US" sz="1700">
+                          <a:effectLst/>
+                        </a:rPr>
+                        <a:t>3.31</a:t>
+                      </a:r>
+                    </a:p>
+                  </a:txBody>
+                  <a:tcPr marL="78597" marR="78597" marT="36276" marB="36276" anchor="ctr">
+                    <a:lnL w="6350" cap="flat" cmpd="sng" algn="ctr">
+                      <a:solidFill>
+                        <a:srgbClr val="D1D9E0"/>
+                      </a:solidFill>
+                      <a:prstDash val="solid"/>
+                      <a:round/>
+                      <a:headEnd type="none" w="med" len="med"/>
+                      <a:tailEnd type="none" w="med" len="med"/>
+                    </a:lnL>
+                    <a:lnR w="6350" cap="flat" cmpd="sng" algn="ctr">
+                      <a:solidFill>
+                        <a:srgbClr val="D1D9E0"/>
+                      </a:solidFill>
+                      <a:prstDash val="solid"/>
+                      <a:round/>
+                      <a:headEnd type="none" w="med" len="med"/>
+                      <a:tailEnd type="none" w="med" len="med"/>
+                    </a:lnR>
+                    <a:lnT w="6350" cap="flat" cmpd="sng" algn="ctr">
+                      <a:solidFill>
+                        <a:srgbClr val="D1D9E0"/>
+                      </a:solidFill>
+                      <a:prstDash val="solid"/>
+                      <a:round/>
+                      <a:headEnd type="none" w="med" len="med"/>
+                      <a:tailEnd type="none" w="med" len="med"/>
+                    </a:lnT>
+                    <a:lnB w="6350" cap="flat" cmpd="sng" algn="ctr">
+                      <a:solidFill>
+                        <a:srgbClr val="D1D9E0"/>
+                      </a:solidFill>
+                      <a:prstDash val="solid"/>
+                      <a:round/>
+                      <a:headEnd type="none" w="med" len="med"/>
+                      <a:tailEnd type="none" w="med" len="med"/>
+                    </a:lnB>
+                    <a:solidFill>
+                      <a:srgbClr val="FFFFFF"/>
+                    </a:solidFill>
+                  </a:tcPr>
+                </a:tc>
+                <a:tc>
+                  <a:txBody>
+                    <a:bodyPr/>
+                    <a:lstStyle/>
+                    <a:p>
+                      <a:pPr>
+                        <a:buNone/>
+                      </a:pPr>
+                      <a:r>
+                        <a:rPr lang="en-US" sz="1700">
+                          <a:effectLst/>
+                        </a:rPr>
+                        <a:t>0.98, 1.18</a:t>
+                      </a:r>
+                    </a:p>
+                  </a:txBody>
+                  <a:tcPr marL="78597" marR="78597" marT="36276" marB="36276" anchor="ctr">
+                    <a:lnL w="6350" cap="flat" cmpd="sng" algn="ctr">
+                      <a:solidFill>
+                        <a:srgbClr val="D1D9E0"/>
+                      </a:solidFill>
+                      <a:prstDash val="solid"/>
+                      <a:round/>
+                      <a:headEnd type="none" w="med" len="med"/>
+                      <a:tailEnd type="none" w="med" len="med"/>
+                    </a:lnL>
+                    <a:lnR w="6350" cap="flat" cmpd="sng" algn="ctr">
+                      <a:solidFill>
+                        <a:srgbClr val="D1D9E0"/>
+                      </a:solidFill>
+                      <a:prstDash val="solid"/>
+                      <a:round/>
+                      <a:headEnd type="none" w="med" len="med"/>
+                      <a:tailEnd type="none" w="med" len="med"/>
+                    </a:lnR>
+                    <a:lnT w="6350" cap="flat" cmpd="sng" algn="ctr">
+                      <a:solidFill>
+                        <a:srgbClr val="D1D9E0"/>
+                      </a:solidFill>
+                      <a:prstDash val="solid"/>
+                      <a:round/>
+                      <a:headEnd type="none" w="med" len="med"/>
+                      <a:tailEnd type="none" w="med" len="med"/>
+                    </a:lnT>
+                    <a:lnB w="6350" cap="flat" cmpd="sng" algn="ctr">
+                      <a:solidFill>
+                        <a:srgbClr val="D1D9E0"/>
+                      </a:solidFill>
+                      <a:prstDash val="solid"/>
+                      <a:round/>
+                      <a:headEnd type="none" w="med" len="med"/>
+                      <a:tailEnd type="none" w="med" len="med"/>
+                    </a:lnB>
+                    <a:solidFill>
+                      <a:srgbClr val="FFFFFF"/>
+                    </a:solidFill>
+                  </a:tcPr>
+                </a:tc>
+                <a:extLst>
+                  <a:ext uri="{0D108BD9-81ED-4DB2-BD59-A6C34878D82A}">
+                    <a16:rowId xmlns:a16="http://schemas.microsoft.com/office/drawing/2014/main" val="639088132"/>
+                  </a:ext>
+                </a:extLst>
+              </a:tr>
+              <a:tr h="376192">
+                <a:tc>
+                  <a:txBody>
+                    <a:bodyPr/>
+                    <a:lstStyle/>
+                    <a:p>
+                      <a:pPr>
+                        <a:buNone/>
+                      </a:pPr>
+                      <a:r>
+                        <a:rPr lang="en-US" sz="1700">
+                          <a:effectLst/>
+                        </a:rPr>
+                        <a:t>Data Validation</a:t>
+                      </a:r>
+                    </a:p>
+                  </a:txBody>
+                  <a:tcPr marL="78597" marR="78597" marT="36276" marB="36276" anchor="ctr">
+                    <a:lnL w="6350" cap="flat" cmpd="sng" algn="ctr">
+                      <a:solidFill>
+                        <a:srgbClr val="D1D9E0"/>
+                      </a:solidFill>
+                      <a:prstDash val="solid"/>
+                      <a:round/>
+                      <a:headEnd type="none" w="med" len="med"/>
+                      <a:tailEnd type="none" w="med" len="med"/>
+                    </a:lnL>
+                    <a:lnR w="6350" cap="flat" cmpd="sng" algn="ctr">
+                      <a:solidFill>
+                        <a:srgbClr val="D1D9E0"/>
+                      </a:solidFill>
+                      <a:prstDash val="solid"/>
+                      <a:round/>
+                      <a:headEnd type="none" w="med" len="med"/>
+                      <a:tailEnd type="none" w="med" len="med"/>
+                    </a:lnR>
+                    <a:lnT w="6350" cap="flat" cmpd="sng" algn="ctr">
+                      <a:solidFill>
+                        <a:srgbClr val="D1D9E0"/>
+                      </a:solidFill>
+                      <a:prstDash val="solid"/>
+                      <a:round/>
+                      <a:headEnd type="none" w="med" len="med"/>
+                      <a:tailEnd type="none" w="med" len="med"/>
+                    </a:lnT>
+                    <a:lnB w="6350" cap="flat" cmpd="sng" algn="ctr">
+                      <a:solidFill>
+                        <a:srgbClr val="D1D9E0"/>
+                      </a:solidFill>
+                      <a:prstDash val="solid"/>
+                      <a:round/>
+                      <a:headEnd type="none" w="med" len="med"/>
+                      <a:tailEnd type="none" w="med" len="med"/>
+                    </a:lnB>
+                    <a:solidFill>
+                      <a:srgbClr val="F6F8FA"/>
+                    </a:solidFill>
+                  </a:tcPr>
+                </a:tc>
+                <a:tc>
+                  <a:txBody>
+                    <a:bodyPr/>
+                    <a:lstStyle/>
+                    <a:p>
+                      <a:pPr>
+                        <a:buNone/>
+                      </a:pPr>
+                      <a:r>
+                        <a:rPr lang="en-US" sz="1700">
+                          <a:effectLst/>
+                        </a:rPr>
+                        <a:t>101.46</a:t>
+                      </a:r>
+                    </a:p>
+                  </a:txBody>
+                  <a:tcPr marL="78597" marR="78597" marT="36276" marB="36276" anchor="ctr">
+                    <a:lnL w="6350" cap="flat" cmpd="sng" algn="ctr">
+                      <a:solidFill>
+                        <a:srgbClr val="D1D9E0"/>
+                      </a:solidFill>
+                      <a:prstDash val="solid"/>
+                      <a:round/>
+                      <a:headEnd type="none" w="med" len="med"/>
+                      <a:tailEnd type="none" w="med" len="med"/>
+                    </a:lnL>
+                    <a:lnR w="6350" cap="flat" cmpd="sng" algn="ctr">
+                      <a:solidFill>
+                        <a:srgbClr val="D1D9E0"/>
+                      </a:solidFill>
+                      <a:prstDash val="solid"/>
+                      <a:round/>
+                      <a:headEnd type="none" w="med" len="med"/>
+                      <a:tailEnd type="none" w="med" len="med"/>
+                    </a:lnR>
+                    <a:lnT w="6350" cap="flat" cmpd="sng" algn="ctr">
+                      <a:solidFill>
+                        <a:srgbClr val="D1D9E0"/>
+                      </a:solidFill>
+                      <a:prstDash val="solid"/>
+                      <a:round/>
+                      <a:headEnd type="none" w="med" len="med"/>
+                      <a:tailEnd type="none" w="med" len="med"/>
+                    </a:lnT>
+                    <a:lnB w="6350" cap="flat" cmpd="sng" algn="ctr">
+                      <a:solidFill>
+                        <a:srgbClr val="D1D9E0"/>
+                      </a:solidFill>
+                      <a:prstDash val="solid"/>
+                      <a:round/>
+                      <a:headEnd type="none" w="med" len="med"/>
+                      <a:tailEnd type="none" w="med" len="med"/>
+                    </a:lnB>
+                    <a:solidFill>
+                      <a:srgbClr val="F6F8FA"/>
+                    </a:solidFill>
+                  </a:tcPr>
+                </a:tc>
+                <a:tc>
+                  <a:txBody>
+                    <a:bodyPr/>
+                    <a:lstStyle/>
+                    <a:p>
+                      <a:pPr>
+                        <a:buNone/>
+                      </a:pPr>
+                      <a:r>
+                        <a:rPr lang="en-US" sz="1700">
+                          <a:effectLst/>
+                        </a:rPr>
+                        <a:t>86.57, 77.79</a:t>
+                      </a:r>
+                    </a:p>
+                  </a:txBody>
+                  <a:tcPr marL="78597" marR="78597" marT="36276" marB="36276" anchor="ctr">
+                    <a:lnL w="6350" cap="flat" cmpd="sng" algn="ctr">
+                      <a:solidFill>
+                        <a:srgbClr val="D1D9E0"/>
+                      </a:solidFill>
+                      <a:prstDash val="solid"/>
+                      <a:round/>
+                      <a:headEnd type="none" w="med" len="med"/>
+                      <a:tailEnd type="none" w="med" len="med"/>
+                    </a:lnL>
+                    <a:lnR w="6350" cap="flat" cmpd="sng" algn="ctr">
+                      <a:solidFill>
+                        <a:srgbClr val="D1D9E0"/>
+                      </a:solidFill>
+                      <a:prstDash val="solid"/>
+                      <a:round/>
+                      <a:headEnd type="none" w="med" len="med"/>
+                      <a:tailEnd type="none" w="med" len="med"/>
+                    </a:lnR>
+                    <a:lnT w="6350" cap="flat" cmpd="sng" algn="ctr">
+                      <a:solidFill>
+                        <a:srgbClr val="D1D9E0"/>
+                      </a:solidFill>
+                      <a:prstDash val="solid"/>
+                      <a:round/>
+                      <a:headEnd type="none" w="med" len="med"/>
+                      <a:tailEnd type="none" w="med" len="med"/>
+                    </a:lnT>
+                    <a:lnB w="6350" cap="flat" cmpd="sng" algn="ctr">
+                      <a:solidFill>
+                        <a:srgbClr val="D1D9E0"/>
+                      </a:solidFill>
+                      <a:prstDash val="solid"/>
+                      <a:round/>
+                      <a:headEnd type="none" w="med" len="med"/>
+                      <a:tailEnd type="none" w="med" len="med"/>
+                    </a:lnB>
+                    <a:solidFill>
+                      <a:srgbClr val="F6F8FA"/>
+                    </a:solidFill>
+                  </a:tcPr>
+                </a:tc>
+                <a:extLst>
+                  <a:ext uri="{0D108BD9-81ED-4DB2-BD59-A6C34878D82A}">
+                    <a16:rowId xmlns:a16="http://schemas.microsoft.com/office/drawing/2014/main" val="769307413"/>
+                  </a:ext>
+                </a:extLst>
+              </a:tr>
+              <a:tr h="632512">
+                <a:tc>
+                  <a:txBody>
+                    <a:bodyPr/>
+                    <a:lstStyle/>
+                    <a:p>
+                      <a:pPr>
+                        <a:buNone/>
+                      </a:pPr>
+                      <a:r>
+                        <a:rPr lang="en-US" sz="1700">
+                          <a:effectLst/>
+                        </a:rPr>
+                        <a:t>Redshift Curated Load</a:t>
+                      </a:r>
+                    </a:p>
+                  </a:txBody>
+                  <a:tcPr marL="78597" marR="78597" marT="36276" marB="36276" anchor="ctr">
+                    <a:lnL w="6350" cap="flat" cmpd="sng" algn="ctr">
+                      <a:solidFill>
+                        <a:srgbClr val="D1D9E0"/>
+                      </a:solidFill>
+                      <a:prstDash val="solid"/>
+                      <a:round/>
+                      <a:headEnd type="none" w="med" len="med"/>
+                      <a:tailEnd type="none" w="med" len="med"/>
+                    </a:lnL>
+                    <a:lnR w="6350" cap="flat" cmpd="sng" algn="ctr">
+                      <a:solidFill>
+                        <a:srgbClr val="D1D9E0"/>
+                      </a:solidFill>
+                      <a:prstDash val="solid"/>
+                      <a:round/>
+                      <a:headEnd type="none" w="med" len="med"/>
+                      <a:tailEnd type="none" w="med" len="med"/>
+                    </a:lnR>
+                    <a:lnT w="6350" cap="flat" cmpd="sng" algn="ctr">
+                      <a:solidFill>
+                        <a:srgbClr val="D1D9E0"/>
+                      </a:solidFill>
+                      <a:prstDash val="solid"/>
+                      <a:round/>
+                      <a:headEnd type="none" w="med" len="med"/>
+                      <a:tailEnd type="none" w="med" len="med"/>
+                    </a:lnT>
+                    <a:lnB w="6350" cap="flat" cmpd="sng" algn="ctr">
+                      <a:solidFill>
+                        <a:srgbClr val="D1D9E0"/>
+                      </a:solidFill>
+                      <a:prstDash val="solid"/>
+                      <a:round/>
+                      <a:headEnd type="none" w="med" len="med"/>
+                      <a:tailEnd type="none" w="med" len="med"/>
+                    </a:lnB>
+                    <a:solidFill>
+                      <a:srgbClr val="FFFFFF"/>
+                    </a:solidFill>
+                  </a:tcPr>
+                </a:tc>
+                <a:tc>
+                  <a:txBody>
+                    <a:bodyPr/>
+                    <a:lstStyle/>
+                    <a:p>
+                      <a:pPr>
+                        <a:buNone/>
+                      </a:pPr>
+                      <a:r>
+                        <a:rPr lang="en-US" sz="1700">
+                          <a:effectLst/>
+                        </a:rPr>
+                        <a:t>76.28</a:t>
+                      </a:r>
+                    </a:p>
+                  </a:txBody>
+                  <a:tcPr marL="78597" marR="78597" marT="36276" marB="36276" anchor="ctr">
+                    <a:lnL w="6350" cap="flat" cmpd="sng" algn="ctr">
+                      <a:solidFill>
+                        <a:srgbClr val="D1D9E0"/>
+                      </a:solidFill>
+                      <a:prstDash val="solid"/>
+                      <a:round/>
+                      <a:headEnd type="none" w="med" len="med"/>
+                      <a:tailEnd type="none" w="med" len="med"/>
+                    </a:lnL>
+                    <a:lnR w="6350" cap="flat" cmpd="sng" algn="ctr">
+                      <a:solidFill>
+                        <a:srgbClr val="D1D9E0"/>
+                      </a:solidFill>
+                      <a:prstDash val="solid"/>
+                      <a:round/>
+                      <a:headEnd type="none" w="med" len="med"/>
+                      <a:tailEnd type="none" w="med" len="med"/>
+                    </a:lnR>
+                    <a:lnT w="6350" cap="flat" cmpd="sng" algn="ctr">
+                      <a:solidFill>
+                        <a:srgbClr val="D1D9E0"/>
+                      </a:solidFill>
+                      <a:prstDash val="solid"/>
+                      <a:round/>
+                      <a:headEnd type="none" w="med" len="med"/>
+                      <a:tailEnd type="none" w="med" len="med"/>
+                    </a:lnT>
+                    <a:lnB w="6350" cap="flat" cmpd="sng" algn="ctr">
+                      <a:solidFill>
+                        <a:srgbClr val="D1D9E0"/>
+                      </a:solidFill>
+                      <a:prstDash val="solid"/>
+                      <a:round/>
+                      <a:headEnd type="none" w="med" len="med"/>
+                      <a:tailEnd type="none" w="med" len="med"/>
+                    </a:lnB>
+                    <a:solidFill>
+                      <a:srgbClr val="FFFFFF"/>
+                    </a:solidFill>
+                  </a:tcPr>
+                </a:tc>
+                <a:tc>
+                  <a:txBody>
+                    <a:bodyPr/>
+                    <a:lstStyle/>
+                    <a:p>
+                      <a:pPr>
+                        <a:buNone/>
+                      </a:pPr>
+                      <a:r>
+                        <a:rPr lang="en-US" sz="1700">
+                          <a:effectLst/>
+                        </a:rPr>
+                        <a:t>20.62, 23.29</a:t>
+                      </a:r>
+                    </a:p>
+                  </a:txBody>
+                  <a:tcPr marL="78597" marR="78597" marT="36276" marB="36276" anchor="ctr">
+                    <a:lnL w="6350" cap="flat" cmpd="sng" algn="ctr">
+                      <a:solidFill>
+                        <a:srgbClr val="D1D9E0"/>
+                      </a:solidFill>
+                      <a:prstDash val="solid"/>
+                      <a:round/>
+                      <a:headEnd type="none" w="med" len="med"/>
+                      <a:tailEnd type="none" w="med" len="med"/>
+                    </a:lnL>
+                    <a:lnR w="6350" cap="flat" cmpd="sng" algn="ctr">
+                      <a:solidFill>
+                        <a:srgbClr val="D1D9E0"/>
+                      </a:solidFill>
+                      <a:prstDash val="solid"/>
+                      <a:round/>
+                      <a:headEnd type="none" w="med" len="med"/>
+                      <a:tailEnd type="none" w="med" len="med"/>
+                    </a:lnR>
+                    <a:lnT w="6350" cap="flat" cmpd="sng" algn="ctr">
+                      <a:solidFill>
+                        <a:srgbClr val="D1D9E0"/>
+                      </a:solidFill>
+                      <a:prstDash val="solid"/>
+                      <a:round/>
+                      <a:headEnd type="none" w="med" len="med"/>
+                      <a:tailEnd type="none" w="med" len="med"/>
+                    </a:lnT>
+                    <a:lnB w="6350" cap="flat" cmpd="sng" algn="ctr">
+                      <a:solidFill>
+                        <a:srgbClr val="D1D9E0"/>
+                      </a:solidFill>
+                      <a:prstDash val="solid"/>
+                      <a:round/>
+                      <a:headEnd type="none" w="med" len="med"/>
+                      <a:tailEnd type="none" w="med" len="med"/>
+                    </a:lnB>
+                    <a:solidFill>
+                      <a:srgbClr val="FFFFFF"/>
+                    </a:solidFill>
+                  </a:tcPr>
+                </a:tc>
+                <a:extLst>
+                  <a:ext uri="{0D108BD9-81ED-4DB2-BD59-A6C34878D82A}">
+                    <a16:rowId xmlns:a16="http://schemas.microsoft.com/office/drawing/2014/main" val="3252415220"/>
+                  </a:ext>
+                </a:extLst>
+              </a:tr>
+              <a:tr h="632512">
+                <a:tc>
+                  <a:txBody>
+                    <a:bodyPr/>
+                    <a:lstStyle/>
+                    <a:p>
+                      <a:pPr>
+                        <a:buNone/>
+                      </a:pPr>
+                      <a:r>
+                        <a:rPr lang="en-US" sz="1700">
+                          <a:effectLst/>
+                        </a:rPr>
+                        <a:t>Redshift Published</a:t>
+                      </a:r>
+                    </a:p>
+                  </a:txBody>
+                  <a:tcPr marL="78597" marR="78597" marT="36276" marB="36276" anchor="ctr">
+                    <a:lnL w="6350" cap="flat" cmpd="sng" algn="ctr">
+                      <a:solidFill>
+                        <a:srgbClr val="D1D9E0"/>
+                      </a:solidFill>
+                      <a:prstDash val="solid"/>
+                      <a:round/>
+                      <a:headEnd type="none" w="med" len="med"/>
+                      <a:tailEnd type="none" w="med" len="med"/>
+                    </a:lnL>
+                    <a:lnR w="6350" cap="flat" cmpd="sng" algn="ctr">
+                      <a:solidFill>
+                        <a:srgbClr val="D1D9E0"/>
+                      </a:solidFill>
+                      <a:prstDash val="solid"/>
+                      <a:round/>
+                      <a:headEnd type="none" w="med" len="med"/>
+                      <a:tailEnd type="none" w="med" len="med"/>
+                    </a:lnR>
+                    <a:lnT w="6350" cap="flat" cmpd="sng" algn="ctr">
+                      <a:solidFill>
+                        <a:srgbClr val="D1D9E0"/>
+                      </a:solidFill>
+                      <a:prstDash val="solid"/>
+                      <a:round/>
+                      <a:headEnd type="none" w="med" len="med"/>
+                      <a:tailEnd type="none" w="med" len="med"/>
+                    </a:lnT>
+                    <a:lnB w="6350" cap="flat" cmpd="sng" algn="ctr">
+                      <a:solidFill>
+                        <a:srgbClr val="D1D9E0"/>
+                      </a:solidFill>
+                      <a:prstDash val="solid"/>
+                      <a:round/>
+                      <a:headEnd type="none" w="med" len="med"/>
+                      <a:tailEnd type="none" w="med" len="med"/>
+                    </a:lnB>
+                    <a:solidFill>
+                      <a:srgbClr val="F6F8FA"/>
+                    </a:solidFill>
+                  </a:tcPr>
+                </a:tc>
+                <a:tc>
+                  <a:txBody>
+                    <a:bodyPr/>
+                    <a:lstStyle/>
+                    <a:p>
+                      <a:pPr>
+                        <a:buNone/>
+                      </a:pPr>
+                      <a:r>
+                        <a:rPr lang="en-US" sz="1700">
+                          <a:effectLst/>
+                        </a:rPr>
+                        <a:t>0.37</a:t>
+                      </a:r>
+                    </a:p>
+                  </a:txBody>
+                  <a:tcPr marL="78597" marR="78597" marT="36276" marB="36276" anchor="ctr">
+                    <a:lnL w="6350" cap="flat" cmpd="sng" algn="ctr">
+                      <a:solidFill>
+                        <a:srgbClr val="D1D9E0"/>
+                      </a:solidFill>
+                      <a:prstDash val="solid"/>
+                      <a:round/>
+                      <a:headEnd type="none" w="med" len="med"/>
+                      <a:tailEnd type="none" w="med" len="med"/>
+                    </a:lnL>
+                    <a:lnR w="6350" cap="flat" cmpd="sng" algn="ctr">
+                      <a:solidFill>
+                        <a:srgbClr val="D1D9E0"/>
+                      </a:solidFill>
+                      <a:prstDash val="solid"/>
+                      <a:round/>
+                      <a:headEnd type="none" w="med" len="med"/>
+                      <a:tailEnd type="none" w="med" len="med"/>
+                    </a:lnR>
+                    <a:lnT w="6350" cap="flat" cmpd="sng" algn="ctr">
+                      <a:solidFill>
+                        <a:srgbClr val="D1D9E0"/>
+                      </a:solidFill>
+                      <a:prstDash val="solid"/>
+                      <a:round/>
+                      <a:headEnd type="none" w="med" len="med"/>
+                      <a:tailEnd type="none" w="med" len="med"/>
+                    </a:lnT>
+                    <a:lnB w="6350" cap="flat" cmpd="sng" algn="ctr">
+                      <a:solidFill>
+                        <a:srgbClr val="D1D9E0"/>
+                      </a:solidFill>
+                      <a:prstDash val="solid"/>
+                      <a:round/>
+                      <a:headEnd type="none" w="med" len="med"/>
+                      <a:tailEnd type="none" w="med" len="med"/>
+                    </a:lnB>
+                    <a:solidFill>
+                      <a:srgbClr val="F6F8FA"/>
+                    </a:solidFill>
+                  </a:tcPr>
+                </a:tc>
+                <a:tc>
+                  <a:txBody>
+                    <a:bodyPr/>
+                    <a:lstStyle/>
+                    <a:p>
+                      <a:pPr>
+                        <a:buNone/>
+                      </a:pPr>
+                      <a:r>
+                        <a:rPr lang="en-US" sz="1700">
+                          <a:effectLst/>
+                        </a:rPr>
+                        <a:t>0.41, 0.39</a:t>
+                      </a:r>
+                    </a:p>
+                  </a:txBody>
+                  <a:tcPr marL="78597" marR="78597" marT="36276" marB="36276" anchor="ctr">
+                    <a:lnL w="6350" cap="flat" cmpd="sng" algn="ctr">
+                      <a:solidFill>
+                        <a:srgbClr val="D1D9E0"/>
+                      </a:solidFill>
+                      <a:prstDash val="solid"/>
+                      <a:round/>
+                      <a:headEnd type="none" w="med" len="med"/>
+                      <a:tailEnd type="none" w="med" len="med"/>
+                    </a:lnL>
+                    <a:lnR w="6350" cap="flat" cmpd="sng" algn="ctr">
+                      <a:solidFill>
+                        <a:srgbClr val="D1D9E0"/>
+                      </a:solidFill>
+                      <a:prstDash val="solid"/>
+                      <a:round/>
+                      <a:headEnd type="none" w="med" len="med"/>
+                      <a:tailEnd type="none" w="med" len="med"/>
+                    </a:lnR>
+                    <a:lnT w="6350" cap="flat" cmpd="sng" algn="ctr">
+                      <a:solidFill>
+                        <a:srgbClr val="D1D9E0"/>
+                      </a:solidFill>
+                      <a:prstDash val="solid"/>
+                      <a:round/>
+                      <a:headEnd type="none" w="med" len="med"/>
+                      <a:tailEnd type="none" w="med" len="med"/>
+                    </a:lnT>
+                    <a:lnB w="6350" cap="flat" cmpd="sng" algn="ctr">
+                      <a:solidFill>
+                        <a:srgbClr val="D1D9E0"/>
+                      </a:solidFill>
+                      <a:prstDash val="solid"/>
+                      <a:round/>
+                      <a:headEnd type="none" w="med" len="med"/>
+                      <a:tailEnd type="none" w="med" len="med"/>
+                    </a:lnB>
+                    <a:solidFill>
+                      <a:srgbClr val="F6F8FA"/>
+                    </a:solidFill>
+                  </a:tcPr>
+                </a:tc>
+                <a:extLst>
+                  <a:ext uri="{0D108BD9-81ED-4DB2-BD59-A6C34878D82A}">
+                    <a16:rowId xmlns:a16="http://schemas.microsoft.com/office/drawing/2014/main" val="1902624397"/>
+                  </a:ext>
+                </a:extLst>
+              </a:tr>
+            </a:tbl>
+          </a:graphicData>
+        </a:graphic>
+      </p:graphicFrame>
     </p:spTree>
     <p:extLst>
       <p:ext uri="{BB962C8B-B14F-4D97-AF65-F5344CB8AC3E}">
-        <p14:creationId xmlns:p14="http://schemas.microsoft.com/office/powerpoint/2010/main" val="3377633868"/>
+        <p14:creationId xmlns:p14="http://schemas.microsoft.com/office/powerpoint/2010/main" val="446751778"/>
       </p:ext>
     </p:extLst>
   </p:cSld>
@@ -5018,6 +9269,14 @@
 <file path=ppt/slides/slide6.xml><?xml version="1.0" encoding="utf-8"?>
 <p:sld xmlns:a="http://schemas.openxmlformats.org/drawingml/2006/main" xmlns:r="http://schemas.openxmlformats.org/officeDocument/2006/relationships" xmlns:p="http://schemas.openxmlformats.org/presentationml/2006/main">
   <p:cSld>
+    <p:bg>
+      <p:bgPr>
+        <a:solidFill>
+          <a:schemeClr val="bg1"/>
+        </a:solidFill>
+        <a:effectLst/>
+      </p:bgPr>
+    </p:bg>
     <p:spTree>
       <p:nvGrpSpPr>
         <p:cNvPr id="1" name=""/>
@@ -5032,11 +9291,1289 @@
           <a:chExt cx="0" cy="0"/>
         </a:xfrm>
       </p:grpSpPr>
+      <p:sp useBgFill="1">
+        <p:nvSpPr>
+          <p:cNvPr id="8" name="Rectangle 7">
+            <a:extLst>
+              <a:ext uri="{FF2B5EF4-FFF2-40B4-BE49-F238E27FC236}">
+                <a16:creationId xmlns:a16="http://schemas.microsoft.com/office/drawing/2014/main" id="{09588DA8-065E-4F6F-8EFD-43104AB2E0CF}"/>
+              </a:ext>
+              <a:ext uri="{C183D7F6-B498-43B3-948B-1728B52AA6E4}">
+                <adec:decorative xmlns:adec="http://schemas.microsoft.com/office/drawing/2017/decorative" val="1"/>
+              </a:ext>
+            </a:extLst>
+          </p:cNvPr>
+          <p:cNvSpPr>
+            <a:spLocks noGrp="1" noRot="1" noChangeAspect="1" noMove="1" noResize="1" noEditPoints="1" noAdjustHandles="1" noChangeArrowheads="1" noChangeShapeType="1" noTextEdit="1"/>
+          </p:cNvSpPr>
+          <p:nvPr>
+            <p:extLst>
+              <p:ext uri="{386F3935-93C4-4BCD-93E2-E3B085C9AB24}">
+                <p16:designElem xmlns:p16="http://schemas.microsoft.com/office/powerpoint/2015/main" val="1"/>
+              </p:ext>
+            </p:extLst>
+          </p:nvPr>
+        </p:nvSpPr>
+        <p:spPr>
+          <a:xfrm>
+            <a:off x="0" y="0"/>
+            <a:ext cx="12192000" cy="6858000"/>
+          </a:xfrm>
+          <a:prstGeom prst="rect">
+            <a:avLst/>
+          </a:prstGeom>
+          <a:ln w="12700" cap="flat" cmpd="sng" algn="ctr">
+            <a:noFill/>
+            <a:prstDash val="solid"/>
+            <a:miter lim="800000"/>
+          </a:ln>
+          <a:effectLst/>
+          <a:extLst>
+            <a:ext uri="{91240B29-F687-4F45-9708-019B960494DF}">
+              <a14:hiddenLine xmlns:a14="http://schemas.microsoft.com/office/drawing/2010/main" w="12700" cap="flat" cmpd="sng" algn="ctr">
+                <a:solidFill>
+                  <a:schemeClr val="accent1">
+                    <a:shade val="50000"/>
+                  </a:schemeClr>
+                </a:solidFill>
+                <a:prstDash val="solid"/>
+                <a:miter lim="800000"/>
+              </a14:hiddenLine>
+            </a:ext>
+          </a:extLst>
+        </p:spPr>
+        <p:style>
+          <a:lnRef idx="2">
+            <a:schemeClr val="accent1">
+              <a:shade val="50000"/>
+            </a:schemeClr>
+          </a:lnRef>
+          <a:fillRef idx="1">
+            <a:schemeClr val="accent1"/>
+          </a:fillRef>
+          <a:effectRef idx="0">
+            <a:schemeClr val="accent1"/>
+          </a:effectRef>
+          <a:fontRef idx="minor">
+            <a:schemeClr val="lt1"/>
+          </a:fontRef>
+        </p:style>
+        <p:txBody>
+          <a:bodyPr rtlCol="0" anchor="ctr"/>
+          <a:lstStyle/>
+          <a:p>
+            <a:pPr algn="ctr"/>
+            <a:endParaRPr lang="en-US"/>
+          </a:p>
+        </p:txBody>
+      </p:sp>
+      <p:sp useBgFill="1">
+        <p:nvSpPr>
+          <p:cNvPr id="10" name="Rectangle 9">
+            <a:extLst>
+              <a:ext uri="{FF2B5EF4-FFF2-40B4-BE49-F238E27FC236}">
+                <a16:creationId xmlns:a16="http://schemas.microsoft.com/office/drawing/2014/main" id="{C4285719-470E-454C-AF62-8323075F1F5B}"/>
+              </a:ext>
+              <a:ext uri="{C183D7F6-B498-43B3-948B-1728B52AA6E4}">
+                <adec:decorative xmlns:adec="http://schemas.microsoft.com/office/drawing/2017/decorative" val="1"/>
+              </a:ext>
+            </a:extLst>
+          </p:cNvPr>
+          <p:cNvSpPr>
+            <a:spLocks noGrp="1" noRot="1" noChangeAspect="1" noMove="1" noResize="1" noEditPoints="1" noAdjustHandles="1" noChangeArrowheads="1" noChangeShapeType="1" noTextEdit="1"/>
+          </p:cNvSpPr>
+          <p:nvPr>
+            <p:extLst>
+              <p:ext uri="{386F3935-93C4-4BCD-93E2-E3B085C9AB24}">
+                <p16:designElem xmlns:p16="http://schemas.microsoft.com/office/powerpoint/2015/main" val="1"/>
+              </p:ext>
+            </p:extLst>
+          </p:nvPr>
+        </p:nvSpPr>
+        <p:spPr>
+          <a:xfrm>
+            <a:off x="0" y="0"/>
+            <a:ext cx="12188952" cy="6858000"/>
+          </a:xfrm>
+          <a:prstGeom prst="rect">
+            <a:avLst/>
+          </a:prstGeom>
+          <a:ln w="12700" cap="flat" cmpd="sng" algn="ctr">
+            <a:noFill/>
+            <a:prstDash val="solid"/>
+            <a:miter lim="800000"/>
+          </a:ln>
+          <a:effectLst/>
+          <a:extLst>
+            <a:ext uri="{91240B29-F687-4F45-9708-019B960494DF}">
+              <a14:hiddenLine xmlns:a14="http://schemas.microsoft.com/office/drawing/2010/main" w="12700" cap="flat" cmpd="sng" algn="ctr">
+                <a:solidFill>
+                  <a:schemeClr val="accent1">
+                    <a:shade val="50000"/>
+                  </a:schemeClr>
+                </a:solidFill>
+                <a:prstDash val="solid"/>
+                <a:miter lim="800000"/>
+              </a14:hiddenLine>
+            </a:ext>
+          </a:extLst>
+        </p:spPr>
+        <p:style>
+          <a:lnRef idx="2">
+            <a:schemeClr val="accent1">
+              <a:shade val="50000"/>
+            </a:schemeClr>
+          </a:lnRef>
+          <a:fillRef idx="1">
+            <a:schemeClr val="accent1"/>
+          </a:fillRef>
+          <a:effectRef idx="0">
+            <a:schemeClr val="accent1"/>
+          </a:effectRef>
+          <a:fontRef idx="minor">
+            <a:schemeClr val="lt1"/>
+          </a:fontRef>
+        </p:style>
+        <p:txBody>
+          <a:bodyPr rtlCol="0" anchor="ctr"/>
+          <a:lstStyle/>
+          <a:p>
+            <a:pPr algn="ctr"/>
+            <a:endParaRPr lang="en-US"/>
+          </a:p>
+        </p:txBody>
+      </p:sp>
       <p:sp>
         <p:nvSpPr>
+          <p:cNvPr id="12" name="Rectangle 11">
+            <a:extLst>
+              <a:ext uri="{FF2B5EF4-FFF2-40B4-BE49-F238E27FC236}">
+                <a16:creationId xmlns:a16="http://schemas.microsoft.com/office/drawing/2014/main" id="{CD9FE4EF-C4D8-49A0-B2FF-81D8DB7D8A24}"/>
+              </a:ext>
+              <a:ext uri="{C183D7F6-B498-43B3-948B-1728B52AA6E4}">
+                <adec:decorative xmlns:adec="http://schemas.microsoft.com/office/drawing/2017/decorative" val="1"/>
+              </a:ext>
+            </a:extLst>
+          </p:cNvPr>
+          <p:cNvSpPr>
+            <a:spLocks noGrp="1" noRot="1" noChangeAspect="1" noMove="1" noResize="1" noEditPoints="1" noAdjustHandles="1" noChangeArrowheads="1" noChangeShapeType="1" noTextEdit="1"/>
+          </p:cNvSpPr>
+          <p:nvPr>
+            <p:extLst>
+              <p:ext uri="{386F3935-93C4-4BCD-93E2-E3B085C9AB24}">
+                <p16:designElem xmlns:p16="http://schemas.microsoft.com/office/powerpoint/2015/main" val="1"/>
+              </p:ext>
+            </p:extLst>
+          </p:nvPr>
+        </p:nvSpPr>
+        <p:spPr>
+          <a:xfrm rot="5400000" flipH="1">
+            <a:off x="-1410084" y="1410082"/>
+            <a:ext cx="6858000" cy="4037836"/>
+          </a:xfrm>
+          <a:prstGeom prst="rect">
+            <a:avLst/>
+          </a:prstGeom>
+          <a:gradFill>
+            <a:gsLst>
+              <a:gs pos="8000">
+                <a:srgbClr val="000000"/>
+              </a:gs>
+              <a:gs pos="100000">
+                <a:schemeClr val="accent1">
+                  <a:lumMod val="75000"/>
+                </a:schemeClr>
+              </a:gs>
+            </a:gsLst>
+            <a:lin ang="3000000" scaled="0"/>
+          </a:gradFill>
+          <a:ln>
+            <a:noFill/>
+          </a:ln>
+        </p:spPr>
+        <p:style>
+          <a:lnRef idx="2">
+            <a:schemeClr val="accent1">
+              <a:shade val="50000"/>
+            </a:schemeClr>
+          </a:lnRef>
+          <a:fillRef idx="1">
+            <a:schemeClr val="accent1"/>
+          </a:fillRef>
+          <a:effectRef idx="0">
+            <a:schemeClr val="accent1"/>
+          </a:effectRef>
+          <a:fontRef idx="minor">
+            <a:schemeClr val="lt1"/>
+          </a:fontRef>
+        </p:style>
+        <p:txBody>
+          <a:bodyPr rtlCol="0" anchor="ctr"/>
+          <a:lstStyle/>
+          <a:p>
+            <a:pPr algn="ctr"/>
+            <a:endParaRPr lang="en-US"/>
+          </a:p>
+        </p:txBody>
+      </p:sp>
+      <p:sp>
+        <p:nvSpPr>
+          <p:cNvPr id="14" name="Rectangle 13">
+            <a:extLst>
+              <a:ext uri="{FF2B5EF4-FFF2-40B4-BE49-F238E27FC236}">
+                <a16:creationId xmlns:a16="http://schemas.microsoft.com/office/drawing/2014/main" id="{4300840D-0A0B-4512-BACA-B439D5B9C57C}"/>
+              </a:ext>
+              <a:ext uri="{C183D7F6-B498-43B3-948B-1728B52AA6E4}">
+                <adec:decorative xmlns:adec="http://schemas.microsoft.com/office/drawing/2017/decorative" val="1"/>
+              </a:ext>
+            </a:extLst>
+          </p:cNvPr>
+          <p:cNvSpPr>
+            <a:spLocks noGrp="1" noRot="1" noChangeAspect="1" noMove="1" noResize="1" noEditPoints="1" noAdjustHandles="1" noChangeArrowheads="1" noChangeShapeType="1" noTextEdit="1"/>
+          </p:cNvSpPr>
+          <p:nvPr>
+            <p:extLst>
+              <p:ext uri="{386F3935-93C4-4BCD-93E2-E3B085C9AB24}">
+                <p16:designElem xmlns:p16="http://schemas.microsoft.com/office/powerpoint/2015/main" val="1"/>
+              </p:ext>
+            </p:extLst>
+          </p:nvPr>
+        </p:nvSpPr>
+        <p:spPr>
+          <a:xfrm rot="5400000" flipH="1">
+            <a:off x="-1410085" y="1420219"/>
+            <a:ext cx="6857999" cy="4037839"/>
+          </a:xfrm>
+          <a:prstGeom prst="rect">
+            <a:avLst/>
+          </a:prstGeom>
+          <a:gradFill>
+            <a:gsLst>
+              <a:gs pos="0">
+                <a:srgbClr val="000000">
+                  <a:alpha val="0"/>
+                </a:srgbClr>
+              </a:gs>
+              <a:gs pos="99000">
+                <a:schemeClr val="accent1">
+                  <a:alpha val="46000"/>
+                </a:schemeClr>
+              </a:gs>
+            </a:gsLst>
+            <a:lin ang="1800000" scaled="0"/>
+          </a:gradFill>
+          <a:ln>
+            <a:noFill/>
+          </a:ln>
+        </p:spPr>
+        <p:style>
+          <a:lnRef idx="2">
+            <a:schemeClr val="accent1">
+              <a:shade val="50000"/>
+            </a:schemeClr>
+          </a:lnRef>
+          <a:fillRef idx="1">
+            <a:schemeClr val="accent1"/>
+          </a:fillRef>
+          <a:effectRef idx="0">
+            <a:schemeClr val="accent1"/>
+          </a:effectRef>
+          <a:fontRef idx="minor">
+            <a:schemeClr val="lt1"/>
+          </a:fontRef>
+        </p:style>
+        <p:txBody>
+          <a:bodyPr rtlCol="0" anchor="ctr"/>
+          <a:lstStyle/>
+          <a:p>
+            <a:pPr algn="ctr"/>
+            <a:endParaRPr lang="en-US"/>
+          </a:p>
+        </p:txBody>
+      </p:sp>
+      <p:sp>
+        <p:nvSpPr>
+          <p:cNvPr id="16" name="Rectangle 15">
+            <a:extLst>
+              <a:ext uri="{FF2B5EF4-FFF2-40B4-BE49-F238E27FC236}">
+                <a16:creationId xmlns:a16="http://schemas.microsoft.com/office/drawing/2014/main" id="{D2B78728-A580-49A7-84F9-6EF6F583ADE0}"/>
+              </a:ext>
+              <a:ext uri="{C183D7F6-B498-43B3-948B-1728B52AA6E4}">
+                <adec:decorative xmlns:adec="http://schemas.microsoft.com/office/drawing/2017/decorative" val="1"/>
+              </a:ext>
+            </a:extLst>
+          </p:cNvPr>
+          <p:cNvSpPr>
+            <a:spLocks noGrp="1" noRot="1" noChangeAspect="1" noMove="1" noResize="1" noEditPoints="1" noAdjustHandles="1" noChangeArrowheads="1" noChangeShapeType="1" noTextEdit="1"/>
+          </p:cNvSpPr>
+          <p:nvPr>
+            <p:extLst>
+              <p:ext uri="{386F3935-93C4-4BCD-93E2-E3B085C9AB24}">
+                <p16:designElem xmlns:p16="http://schemas.microsoft.com/office/powerpoint/2015/main" val="1"/>
+              </p:ext>
+            </p:extLst>
+          </p:nvPr>
+        </p:nvSpPr>
+        <p:spPr>
+          <a:xfrm rot="5400000" flipH="1">
+            <a:off x="767923" y="3588085"/>
+            <a:ext cx="2501979" cy="4037841"/>
+          </a:xfrm>
+          <a:prstGeom prst="rect">
+            <a:avLst/>
+          </a:prstGeom>
+          <a:gradFill>
+            <a:gsLst>
+              <a:gs pos="2000">
+                <a:schemeClr val="accent1">
+                  <a:alpha val="29000"/>
+                </a:schemeClr>
+              </a:gs>
+              <a:gs pos="100000">
+                <a:srgbClr val="000000">
+                  <a:alpha val="30000"/>
+                </a:srgbClr>
+              </a:gs>
+            </a:gsLst>
+            <a:lin ang="7800000" scaled="0"/>
+          </a:gradFill>
+          <a:ln>
+            <a:noFill/>
+          </a:ln>
+        </p:spPr>
+        <p:style>
+          <a:lnRef idx="2">
+            <a:schemeClr val="accent1">
+              <a:shade val="50000"/>
+            </a:schemeClr>
+          </a:lnRef>
+          <a:fillRef idx="1">
+            <a:schemeClr val="accent1"/>
+          </a:fillRef>
+          <a:effectRef idx="0">
+            <a:schemeClr val="accent1"/>
+          </a:effectRef>
+          <a:fontRef idx="minor">
+            <a:schemeClr val="lt1"/>
+          </a:fontRef>
+        </p:style>
+        <p:txBody>
+          <a:bodyPr rtlCol="0" anchor="ctr"/>
+          <a:lstStyle/>
+          <a:p>
+            <a:pPr algn="ctr"/>
+            <a:endParaRPr lang="en-US" dirty="0"/>
+          </a:p>
+        </p:txBody>
+      </p:sp>
+      <p:sp>
+        <p:nvSpPr>
+          <p:cNvPr id="18" name="Freeform: Shape 17">
+            <a:extLst>
+              <a:ext uri="{FF2B5EF4-FFF2-40B4-BE49-F238E27FC236}">
+                <a16:creationId xmlns:a16="http://schemas.microsoft.com/office/drawing/2014/main" id="{38FAA1A1-D861-433F-88FA-1E9D6FD31D11}"/>
+              </a:ext>
+              <a:ext uri="{C183D7F6-B498-43B3-948B-1728B52AA6E4}">
+                <adec:decorative xmlns:adec="http://schemas.microsoft.com/office/drawing/2017/decorative" val="1"/>
+              </a:ext>
+            </a:extLst>
+          </p:cNvPr>
+          <p:cNvSpPr>
+            <a:spLocks noGrp="1" noRot="1" noChangeAspect="1" noMove="1" noResize="1" noEditPoints="1" noAdjustHandles="1" noChangeArrowheads="1" noChangeShapeType="1" noTextEdit="1"/>
+          </p:cNvSpPr>
+          <p:nvPr>
+            <p:extLst>
+              <p:ext uri="{386F3935-93C4-4BCD-93E2-E3B085C9AB24}">
+                <p16:designElem xmlns:p16="http://schemas.microsoft.com/office/powerpoint/2015/main" val="1"/>
+              </p:ext>
+            </p:extLst>
+          </p:nvPr>
+        </p:nvSpPr>
+        <p:spPr>
+          <a:xfrm rot="20635413">
+            <a:off x="-501737" y="969718"/>
+            <a:ext cx="3900357" cy="4178958"/>
+          </a:xfrm>
+          <a:custGeom>
+            <a:avLst/>
+            <a:gdLst>
+              <a:gd name="connsiteX0" fmla="*/ 2432225 w 3900357"/>
+              <a:gd name="connsiteY0" fmla="*/ 93939 h 4178958"/>
+              <a:gd name="connsiteX1" fmla="*/ 3900357 w 3900357"/>
+              <a:gd name="connsiteY1" fmla="*/ 2089479 h 4178958"/>
+              <a:gd name="connsiteX2" fmla="*/ 1810878 w 3900357"/>
+              <a:gd name="connsiteY2" fmla="*/ 4178958 h 4178958"/>
+              <a:gd name="connsiteX3" fmla="*/ 78249 w 3900357"/>
+              <a:gd name="connsiteY3" fmla="*/ 3257727 h 4178958"/>
+              <a:gd name="connsiteX4" fmla="*/ 0 w 3900357"/>
+              <a:gd name="connsiteY4" fmla="*/ 3128923 h 4178958"/>
+              <a:gd name="connsiteX5" fmla="*/ 831324 w 3900357"/>
+              <a:gd name="connsiteY5" fmla="*/ 244281 h 4178958"/>
+              <a:gd name="connsiteX6" fmla="*/ 997559 w 3900357"/>
+              <a:gd name="connsiteY6" fmla="*/ 164202 h 4178958"/>
+              <a:gd name="connsiteX7" fmla="*/ 1810878 w 3900357"/>
+              <a:gd name="connsiteY7" fmla="*/ 0 h 4178958"/>
+              <a:gd name="connsiteX8" fmla="*/ 2432225 w 3900357"/>
+              <a:gd name="connsiteY8" fmla="*/ 93939 h 4178958"/>
+            </a:gdLst>
+            <a:ahLst/>
+            <a:cxnLst>
+              <a:cxn ang="0">
+                <a:pos x="connsiteX0" y="connsiteY0"/>
+              </a:cxn>
+              <a:cxn ang="0">
+                <a:pos x="connsiteX1" y="connsiteY1"/>
+              </a:cxn>
+              <a:cxn ang="0">
+                <a:pos x="connsiteX2" y="connsiteY2"/>
+              </a:cxn>
+              <a:cxn ang="0">
+                <a:pos x="connsiteX3" y="connsiteY3"/>
+              </a:cxn>
+              <a:cxn ang="0">
+                <a:pos x="connsiteX4" y="connsiteY4"/>
+              </a:cxn>
+              <a:cxn ang="0">
+                <a:pos x="connsiteX5" y="connsiteY5"/>
+              </a:cxn>
+              <a:cxn ang="0">
+                <a:pos x="connsiteX6" y="connsiteY6"/>
+              </a:cxn>
+              <a:cxn ang="0">
+                <a:pos x="connsiteX7" y="connsiteY7"/>
+              </a:cxn>
+              <a:cxn ang="0">
+                <a:pos x="connsiteX8" y="connsiteY8"/>
+              </a:cxn>
+            </a:cxnLst>
+            <a:rect l="l" t="t" r="r" b="b"/>
+            <a:pathLst>
+              <a:path w="3900357" h="4178958">
+                <a:moveTo>
+                  <a:pt x="2432225" y="93939"/>
+                </a:moveTo>
+                <a:cubicBezTo>
+                  <a:pt x="3282786" y="358491"/>
+                  <a:pt x="3900357" y="1151865"/>
+                  <a:pt x="3900357" y="2089479"/>
+                </a:cubicBezTo>
+                <a:cubicBezTo>
+                  <a:pt x="3900357" y="3243466"/>
+                  <a:pt x="2964865" y="4178958"/>
+                  <a:pt x="1810878" y="4178958"/>
+                </a:cubicBezTo>
+                <a:cubicBezTo>
+                  <a:pt x="1089636" y="4178958"/>
+                  <a:pt x="453744" y="3813531"/>
+                  <a:pt x="78249" y="3257727"/>
+                </a:cubicBezTo>
+                <a:lnTo>
+                  <a:pt x="0" y="3128923"/>
+                </a:lnTo>
+                <a:lnTo>
+                  <a:pt x="831324" y="244281"/>
+                </a:lnTo>
+                <a:lnTo>
+                  <a:pt x="997559" y="164202"/>
+                </a:lnTo>
+                <a:cubicBezTo>
+                  <a:pt x="1247540" y="58468"/>
+                  <a:pt x="1522381" y="0"/>
+                  <a:pt x="1810878" y="0"/>
+                </a:cubicBezTo>
+                <a:cubicBezTo>
+                  <a:pt x="2027251" y="0"/>
+                  <a:pt x="2235942" y="32888"/>
+                  <a:pt x="2432225" y="93939"/>
+                </a:cubicBezTo>
+                <a:close/>
+              </a:path>
+            </a:pathLst>
+          </a:custGeom>
+          <a:gradFill>
+            <a:gsLst>
+              <a:gs pos="29000">
+                <a:srgbClr val="000000">
+                  <a:alpha val="0"/>
+                </a:srgbClr>
+              </a:gs>
+              <a:gs pos="100000">
+                <a:schemeClr val="accent1">
+                  <a:alpha val="43000"/>
+                </a:schemeClr>
+              </a:gs>
+            </a:gsLst>
+            <a:lin ang="1800000" scaled="0"/>
+          </a:gradFill>
+          <a:ln>
+            <a:noFill/>
+          </a:ln>
+        </p:spPr>
+        <p:style>
+          <a:lnRef idx="2">
+            <a:schemeClr val="accent1">
+              <a:shade val="50000"/>
+            </a:schemeClr>
+          </a:lnRef>
+          <a:fillRef idx="1">
+            <a:schemeClr val="accent1"/>
+          </a:fillRef>
+          <a:effectRef idx="0">
+            <a:schemeClr val="accent1"/>
+          </a:effectRef>
+          <a:fontRef idx="minor">
+            <a:schemeClr val="lt1"/>
+          </a:fontRef>
+        </p:style>
+        <p:txBody>
+          <a:bodyPr wrap="square" rtlCol="0" anchor="ctr">
+            <a:noAutofit/>
+          </a:bodyPr>
+          <a:lstStyle/>
+          <a:p>
+            <a:pPr algn="ctr"/>
+            <a:endParaRPr lang="en-US" dirty="0"/>
+          </a:p>
+        </p:txBody>
+      </p:sp>
+      <p:sp>
+        <p:nvSpPr>
+          <p:cNvPr id="20" name="Rectangle 19">
+            <a:extLst>
+              <a:ext uri="{FF2B5EF4-FFF2-40B4-BE49-F238E27FC236}">
+                <a16:creationId xmlns:a16="http://schemas.microsoft.com/office/drawing/2014/main" id="{8D71EDA1-87BF-4D5D-AB79-F346FD19278A}"/>
+              </a:ext>
+              <a:ext uri="{C183D7F6-B498-43B3-948B-1728B52AA6E4}">
+                <adec:decorative xmlns:adec="http://schemas.microsoft.com/office/drawing/2017/decorative" val="1"/>
+              </a:ext>
+            </a:extLst>
+          </p:cNvPr>
+          <p:cNvSpPr>
+            <a:spLocks noGrp="1" noRot="1" noChangeAspect="1" noMove="1" noResize="1" noEditPoints="1" noAdjustHandles="1" noChangeArrowheads="1" noChangeShapeType="1" noTextEdit="1"/>
+          </p:cNvSpPr>
+          <p:nvPr>
+            <p:extLst>
+              <p:ext uri="{386F3935-93C4-4BCD-93E2-E3B085C9AB24}">
+                <p16:designElem xmlns:p16="http://schemas.microsoft.com/office/powerpoint/2015/main" val="1"/>
+              </p:ext>
+            </p:extLst>
+          </p:nvPr>
+        </p:nvSpPr>
+        <p:spPr>
+          <a:xfrm rot="5400000" flipH="1">
+            <a:off x="-1410093" y="1399943"/>
+            <a:ext cx="6858003" cy="4037835"/>
+          </a:xfrm>
+          <a:prstGeom prst="rect">
+            <a:avLst/>
+          </a:prstGeom>
+          <a:gradFill>
+            <a:gsLst>
+              <a:gs pos="0">
+                <a:srgbClr val="000000">
+                  <a:alpha val="0"/>
+                </a:srgbClr>
+              </a:gs>
+              <a:gs pos="99000">
+                <a:schemeClr val="accent1">
+                  <a:lumMod val="60000"/>
+                  <a:lumOff val="40000"/>
+                  <a:alpha val="11000"/>
+                </a:schemeClr>
+              </a:gs>
+            </a:gsLst>
+            <a:lin ang="7200000" scaled="0"/>
+          </a:gradFill>
+          <a:ln>
+            <a:noFill/>
+          </a:ln>
+        </p:spPr>
+        <p:style>
+          <a:lnRef idx="2">
+            <a:schemeClr val="accent1">
+              <a:shade val="50000"/>
+            </a:schemeClr>
+          </a:lnRef>
+          <a:fillRef idx="1">
+            <a:schemeClr val="accent1"/>
+          </a:fillRef>
+          <a:effectRef idx="0">
+            <a:schemeClr val="accent1"/>
+          </a:effectRef>
+          <a:fontRef idx="minor">
+            <a:schemeClr val="lt1"/>
+          </a:fontRef>
+        </p:style>
+        <p:txBody>
+          <a:bodyPr rtlCol="0" anchor="ctr"/>
+          <a:lstStyle/>
+          <a:p>
+            <a:pPr algn="ctr"/>
+            <a:endParaRPr lang="en-US"/>
+          </a:p>
+        </p:txBody>
+      </p:sp>
+      <p:sp>
+        <p:nvSpPr>
           <p:cNvPr id="2" name="Title 1">
             <a:extLst>
               <a:ext uri="{FF2B5EF4-FFF2-40B4-BE49-F238E27FC236}">
+                <a16:creationId xmlns:a16="http://schemas.microsoft.com/office/drawing/2014/main" id="{B0281185-89BB-76F0-AE10-827B00A33DF8}"/>
+              </a:ext>
+            </a:extLst>
+          </p:cNvPr>
+          <p:cNvSpPr>
+            <a:spLocks noGrp="1"/>
+          </p:cNvSpPr>
+          <p:nvPr>
+            <p:ph type="title"/>
+          </p:nvPr>
+        </p:nvSpPr>
+        <p:spPr>
+          <a:xfrm>
+            <a:off x="466722" y="586855"/>
+            <a:ext cx="3201366" cy="3387497"/>
+          </a:xfrm>
+        </p:spPr>
+        <p:txBody>
+          <a:bodyPr anchor="b">
+            <a:normAutofit/>
+          </a:bodyPr>
+          <a:lstStyle/>
+          <a:p>
+            <a:pPr algn="r"/>
+            <a:r>
+              <a:rPr lang="en-US" sz="4000" b="1">
+                <a:solidFill>
+                  <a:srgbClr val="FFFFFF"/>
+                </a:solidFill>
+              </a:rPr>
+              <a:t>Business Benefits</a:t>
+            </a:r>
+            <a:endParaRPr lang="en-US" sz="4000">
+              <a:solidFill>
+                <a:srgbClr val="FFFFFF"/>
+              </a:solidFill>
+            </a:endParaRPr>
+          </a:p>
+        </p:txBody>
+      </p:sp>
+      <p:sp>
+        <p:nvSpPr>
+          <p:cNvPr id="3" name="Content Placeholder 2">
+            <a:extLst>
+              <a:ext uri="{FF2B5EF4-FFF2-40B4-BE49-F238E27FC236}">
+                <a16:creationId xmlns:a16="http://schemas.microsoft.com/office/drawing/2014/main" id="{C056CC18-AEEE-9BFB-1675-7FC132330E67}"/>
+              </a:ext>
+            </a:extLst>
+          </p:cNvPr>
+          <p:cNvSpPr>
+            <a:spLocks noGrp="1"/>
+          </p:cNvSpPr>
+          <p:nvPr>
+            <p:ph idx="1"/>
+          </p:nvPr>
+        </p:nvSpPr>
+        <p:spPr>
+          <a:xfrm>
+            <a:off x="4810259" y="649480"/>
+            <a:ext cx="6555347" cy="5546047"/>
+          </a:xfrm>
+        </p:spPr>
+        <p:txBody>
+          <a:bodyPr anchor="ctr">
+            <a:normAutofit/>
+          </a:bodyPr>
+          <a:lstStyle/>
+          <a:p>
+            <a:r>
+              <a:rPr lang="en-US" sz="2000"/>
+              <a:t>Faster, more reliable, and accurate data loads. </a:t>
+            </a:r>
+          </a:p>
+          <a:p>
+            <a:r>
+              <a:rPr lang="en-US" sz="2000"/>
+              <a:t>Reduced complexity and maintenance effort. </a:t>
+            </a:r>
+          </a:p>
+          <a:p>
+            <a:r>
+              <a:rPr lang="en-US" sz="2000"/>
+              <a:t>Improved data quality, auditability, and compliance. </a:t>
+            </a:r>
+          </a:p>
+          <a:p>
+            <a:r>
+              <a:rPr lang="en-US" sz="2000"/>
+              <a:t>Ready for future scaling and new business needs.</a:t>
+            </a:r>
+          </a:p>
+        </p:txBody>
+      </p:sp>
+    </p:spTree>
+    <p:extLst>
+      <p:ext uri="{BB962C8B-B14F-4D97-AF65-F5344CB8AC3E}">
+        <p14:creationId xmlns:p14="http://schemas.microsoft.com/office/powerpoint/2010/main" val="3377633868"/>
+      </p:ext>
+    </p:extLst>
+  </p:cSld>
+  <p:clrMapOvr>
+    <a:masterClrMapping/>
+  </p:clrMapOvr>
+</p:sld>
+</file>
+
+<file path=ppt/slides/slide7.xml><?xml version="1.0" encoding="utf-8"?>
+<p:sld xmlns:a="http://schemas.openxmlformats.org/drawingml/2006/main" xmlns:r="http://schemas.openxmlformats.org/officeDocument/2006/relationships" xmlns:p="http://schemas.openxmlformats.org/presentationml/2006/main">
+  <p:cSld>
+    <p:bg>
+      <p:bgPr>
+        <a:solidFill>
+          <a:schemeClr val="bg1"/>
+        </a:solidFill>
+        <a:effectLst/>
+      </p:bgPr>
+    </p:bg>
+    <p:spTree>
+      <p:nvGrpSpPr>
+        <p:cNvPr id="1" name=""/>
+        <p:cNvGrpSpPr/>
+        <p:nvPr/>
+      </p:nvGrpSpPr>
+      <p:grpSpPr>
+        <a:xfrm>
+          <a:off x="0" y="0"/>
+          <a:ext cx="0" cy="0"/>
+          <a:chOff x="0" y="0"/>
+          <a:chExt cx="0" cy="0"/>
+        </a:xfrm>
+      </p:grpSpPr>
+      <p:sp useBgFill="1">
+        <p:nvSpPr>
+          <p:cNvPr id="7" name="Rectangle 6">
+            <a:extLst>
+              <a:ext uri="{FF2B5EF4-FFF2-40B4-BE49-F238E27FC236}">
+                <a16:creationId xmlns:a16="http://schemas.microsoft.com/office/drawing/2014/main" id="{6F5A5072-7B47-4D32-B52A-4EBBF590B8A5}"/>
+              </a:ext>
+              <a:ext uri="{C183D7F6-B498-43B3-948B-1728B52AA6E4}">
+                <adec:decorative xmlns:adec="http://schemas.microsoft.com/office/drawing/2017/decorative" val="1"/>
+              </a:ext>
+            </a:extLst>
+          </p:cNvPr>
+          <p:cNvSpPr>
+            <a:spLocks noGrp="1" noRot="1" noChangeAspect="1" noMove="1" noResize="1" noEditPoints="1" noAdjustHandles="1" noChangeArrowheads="1" noChangeShapeType="1" noTextEdit="1"/>
+          </p:cNvSpPr>
+          <p:nvPr>
+            <p:extLst>
+              <p:ext uri="{386F3935-93C4-4BCD-93E2-E3B085C9AB24}">
+                <p16:designElem xmlns:p16="http://schemas.microsoft.com/office/powerpoint/2015/main" val="1"/>
+              </p:ext>
+            </p:extLst>
+          </p:nvPr>
+        </p:nvSpPr>
+        <p:spPr>
+          <a:xfrm>
+            <a:off x="0" y="0"/>
+            <a:ext cx="12192000" cy="6858000"/>
+          </a:xfrm>
+          <a:prstGeom prst="rect">
+            <a:avLst/>
+          </a:prstGeom>
+          <a:ln w="12700" cap="flat" cmpd="sng" algn="ctr">
+            <a:noFill/>
+            <a:prstDash val="solid"/>
+            <a:miter lim="800000"/>
+          </a:ln>
+          <a:effectLst/>
+          <a:extLst>
+            <a:ext uri="{91240B29-F687-4F45-9708-019B960494DF}">
+              <a14:hiddenLine xmlns:a14="http://schemas.microsoft.com/office/drawing/2010/main" w="12700" cap="flat" cmpd="sng" algn="ctr">
+                <a:solidFill>
+                  <a:schemeClr val="accent1">
+                    <a:shade val="50000"/>
+                  </a:schemeClr>
+                </a:solidFill>
+                <a:prstDash val="solid"/>
+                <a:miter lim="800000"/>
+              </a14:hiddenLine>
+            </a:ext>
+          </a:extLst>
+        </p:spPr>
+        <p:style>
+          <a:lnRef idx="2">
+            <a:schemeClr val="accent1">
+              <a:shade val="50000"/>
+            </a:schemeClr>
+          </a:lnRef>
+          <a:fillRef idx="1">
+            <a:schemeClr val="accent1"/>
+          </a:fillRef>
+          <a:effectRef idx="0">
+            <a:schemeClr val="accent1"/>
+          </a:effectRef>
+          <a:fontRef idx="minor">
+            <a:schemeClr val="lt1"/>
+          </a:fontRef>
+        </p:style>
+        <p:txBody>
+          <a:bodyPr rtlCol="0" anchor="ctr"/>
+          <a:lstStyle/>
+          <a:p>
+            <a:pPr algn="ctr"/>
+            <a:endParaRPr lang="en-US"/>
+          </a:p>
+        </p:txBody>
+      </p:sp>
+      <p:sp>
+        <p:nvSpPr>
+          <p:cNvPr id="9" name="Rectangle 8">
+            <a:extLst>
+              <a:ext uri="{FF2B5EF4-FFF2-40B4-BE49-F238E27FC236}">
+                <a16:creationId xmlns:a16="http://schemas.microsoft.com/office/drawing/2014/main" id="{9715DAF0-AE1B-46C9-8A6B-DB2AA05AB91D}"/>
+              </a:ext>
+              <a:ext uri="{C183D7F6-B498-43B3-948B-1728B52AA6E4}">
+                <adec:decorative xmlns:adec="http://schemas.microsoft.com/office/drawing/2017/decorative" val="1"/>
+              </a:ext>
+            </a:extLst>
+          </p:cNvPr>
+          <p:cNvSpPr>
+            <a:spLocks noGrp="1" noRot="1" noChangeAspect="1" noMove="1" noResize="1" noEditPoints="1" noAdjustHandles="1" noChangeArrowheads="1" noChangeShapeType="1" noTextEdit="1"/>
+          </p:cNvSpPr>
+          <p:nvPr>
+            <p:extLst>
+              <p:ext uri="{386F3935-93C4-4BCD-93E2-E3B085C9AB24}">
+                <p16:designElem xmlns:p16="http://schemas.microsoft.com/office/powerpoint/2015/main" val="1"/>
+              </p:ext>
+            </p:extLst>
+          </p:nvPr>
+        </p:nvSpPr>
+        <p:spPr>
+          <a:xfrm rot="10800000">
+            <a:off x="-2" y="-22693"/>
+            <a:ext cx="12191999" cy="4374129"/>
+          </a:xfrm>
+          <a:prstGeom prst="rect">
+            <a:avLst/>
+          </a:prstGeom>
+          <a:gradFill>
+            <a:gsLst>
+              <a:gs pos="0">
+                <a:schemeClr val="accent1">
+                  <a:lumMod val="75000"/>
+                </a:schemeClr>
+              </a:gs>
+              <a:gs pos="100000">
+                <a:srgbClr val="000000"/>
+              </a:gs>
+            </a:gsLst>
+            <a:lin ang="15000000" scaled="0"/>
+          </a:gradFill>
+          <a:ln>
+            <a:noFill/>
+          </a:ln>
+        </p:spPr>
+        <p:style>
+          <a:lnRef idx="2">
+            <a:schemeClr val="accent1">
+              <a:shade val="50000"/>
+            </a:schemeClr>
+          </a:lnRef>
+          <a:fillRef idx="1">
+            <a:schemeClr val="accent1"/>
+          </a:fillRef>
+          <a:effectRef idx="0">
+            <a:schemeClr val="accent1"/>
+          </a:effectRef>
+          <a:fontRef idx="minor">
+            <a:schemeClr val="lt1"/>
+          </a:fontRef>
+        </p:style>
+        <p:txBody>
+          <a:bodyPr rtlCol="0" anchor="ctr"/>
+          <a:lstStyle/>
+          <a:p>
+            <a:pPr algn="ctr"/>
+            <a:endParaRPr lang="en-US"/>
+          </a:p>
+        </p:txBody>
+      </p:sp>
+      <p:sp>
+        <p:nvSpPr>
+          <p:cNvPr id="11" name="Rectangle 10">
+            <a:extLst>
+              <a:ext uri="{FF2B5EF4-FFF2-40B4-BE49-F238E27FC236}">
+                <a16:creationId xmlns:a16="http://schemas.microsoft.com/office/drawing/2014/main" id="{6016219D-510E-4184-9090-6D5578A87BD1}"/>
+              </a:ext>
+              <a:ext uri="{C183D7F6-B498-43B3-948B-1728B52AA6E4}">
+                <adec:decorative xmlns:adec="http://schemas.microsoft.com/office/drawing/2017/decorative" val="1"/>
+              </a:ext>
+            </a:extLst>
+          </p:cNvPr>
+          <p:cNvSpPr>
+            <a:spLocks noGrp="1" noRot="1" noChangeAspect="1" noMove="1" noResize="1" noEditPoints="1" noAdjustHandles="1" noChangeArrowheads="1" noChangeShapeType="1" noTextEdit="1"/>
+          </p:cNvSpPr>
+          <p:nvPr>
+            <p:extLst>
+              <p:ext uri="{386F3935-93C4-4BCD-93E2-E3B085C9AB24}">
+                <p16:designElem xmlns:p16="http://schemas.microsoft.com/office/powerpoint/2015/main" val="1"/>
+              </p:ext>
+            </p:extLst>
+          </p:nvPr>
+        </p:nvSpPr>
+        <p:spPr>
+          <a:xfrm rot="5400000">
+            <a:off x="3908719" y="-3931841"/>
+            <a:ext cx="4374557" cy="12192000"/>
+          </a:xfrm>
+          <a:prstGeom prst="rect">
+            <a:avLst/>
+          </a:prstGeom>
+          <a:gradFill>
+            <a:gsLst>
+              <a:gs pos="40000">
+                <a:schemeClr val="accent1">
+                  <a:alpha val="0"/>
+                </a:schemeClr>
+              </a:gs>
+              <a:gs pos="100000">
+                <a:schemeClr val="accent1">
+                  <a:lumMod val="75000"/>
+                  <a:alpha val="52000"/>
+                </a:schemeClr>
+              </a:gs>
+            </a:gsLst>
+            <a:lin ang="2400000" scaled="0"/>
+          </a:gradFill>
+          <a:ln>
+            <a:noFill/>
+          </a:ln>
+        </p:spPr>
+        <p:style>
+          <a:lnRef idx="2">
+            <a:schemeClr val="accent1">
+              <a:shade val="50000"/>
+            </a:schemeClr>
+          </a:lnRef>
+          <a:fillRef idx="1">
+            <a:schemeClr val="accent1"/>
+          </a:fillRef>
+          <a:effectRef idx="0">
+            <a:schemeClr val="accent1"/>
+          </a:effectRef>
+          <a:fontRef idx="minor">
+            <a:schemeClr val="lt1"/>
+          </a:fontRef>
+        </p:style>
+        <p:txBody>
+          <a:bodyPr rtlCol="0" anchor="ctr"/>
+          <a:lstStyle/>
+          <a:p>
+            <a:pPr algn="ctr"/>
+            <a:endParaRPr lang="en-US"/>
+          </a:p>
+        </p:txBody>
+      </p:sp>
+      <p:sp>
+        <p:nvSpPr>
+          <p:cNvPr id="13" name="Rectangle 12">
+            <a:extLst>
+              <a:ext uri="{FF2B5EF4-FFF2-40B4-BE49-F238E27FC236}">
+                <a16:creationId xmlns:a16="http://schemas.microsoft.com/office/drawing/2014/main" id="{AFF4A713-7B75-4B21-90D7-5AB19547C728}"/>
+              </a:ext>
+              <a:ext uri="{C183D7F6-B498-43B3-948B-1728B52AA6E4}">
+                <adec:decorative xmlns:adec="http://schemas.microsoft.com/office/drawing/2017/decorative" val="1"/>
+              </a:ext>
+            </a:extLst>
+          </p:cNvPr>
+          <p:cNvSpPr>
+            <a:spLocks noGrp="1" noRot="1" noChangeAspect="1" noMove="1" noResize="1" noEditPoints="1" noAdjustHandles="1" noChangeArrowheads="1" noChangeShapeType="1" noTextEdit="1"/>
+          </p:cNvSpPr>
+          <p:nvPr>
+            <p:extLst>
+              <p:ext uri="{386F3935-93C4-4BCD-93E2-E3B085C9AB24}">
+                <p16:designElem xmlns:p16="http://schemas.microsoft.com/office/powerpoint/2015/main" val="1"/>
+              </p:ext>
+            </p:extLst>
+          </p:nvPr>
+        </p:nvSpPr>
+        <p:spPr>
+          <a:xfrm rot="5400000">
+            <a:off x="4136696" y="-3703868"/>
+            <a:ext cx="4374128" cy="11736479"/>
+          </a:xfrm>
+          <a:prstGeom prst="rect">
+            <a:avLst/>
+          </a:prstGeom>
+          <a:gradFill>
+            <a:gsLst>
+              <a:gs pos="17000">
+                <a:schemeClr val="accent1">
+                  <a:alpha val="0"/>
+                </a:schemeClr>
+              </a:gs>
+              <a:gs pos="100000">
+                <a:srgbClr val="000000">
+                  <a:alpha val="37000"/>
+                </a:srgbClr>
+              </a:gs>
+            </a:gsLst>
+            <a:lin ang="7800000" scaled="0"/>
+          </a:gradFill>
+          <a:ln>
+            <a:noFill/>
+          </a:ln>
+        </p:spPr>
+        <p:style>
+          <a:lnRef idx="2">
+            <a:schemeClr val="accent1">
+              <a:shade val="50000"/>
+            </a:schemeClr>
+          </a:lnRef>
+          <a:fillRef idx="1">
+            <a:schemeClr val="accent1"/>
+          </a:fillRef>
+          <a:effectRef idx="0">
+            <a:schemeClr val="accent1"/>
+          </a:effectRef>
+          <a:fontRef idx="minor">
+            <a:schemeClr val="lt1"/>
+          </a:fontRef>
+        </p:style>
+        <p:txBody>
+          <a:bodyPr rtlCol="0" anchor="ctr"/>
+          <a:lstStyle/>
+          <a:p>
+            <a:pPr algn="ctr"/>
+            <a:endParaRPr lang="en-US"/>
+          </a:p>
+        </p:txBody>
+      </p:sp>
+      <p:sp>
+        <p:nvSpPr>
+          <p:cNvPr id="15" name="Rectangle 14">
+            <a:extLst>
+              <a:ext uri="{FF2B5EF4-FFF2-40B4-BE49-F238E27FC236}">
+                <a16:creationId xmlns:a16="http://schemas.microsoft.com/office/drawing/2014/main" id="{DC631C0B-6DA6-4E57-8231-CE32B3434A7E}"/>
+              </a:ext>
+              <a:ext uri="{C183D7F6-B498-43B3-948B-1728B52AA6E4}">
+                <adec:decorative xmlns:adec="http://schemas.microsoft.com/office/drawing/2017/decorative" val="1"/>
+              </a:ext>
+            </a:extLst>
+          </p:cNvPr>
+          <p:cNvSpPr>
+            <a:spLocks noGrp="1" noRot="1" noChangeAspect="1" noMove="1" noResize="1" noEditPoints="1" noAdjustHandles="1" noChangeArrowheads="1" noChangeShapeType="1" noTextEdit="1"/>
+          </p:cNvSpPr>
+          <p:nvPr>
+            <p:extLst>
+              <p:ext uri="{386F3935-93C4-4BCD-93E2-E3B085C9AB24}">
+                <p16:designElem xmlns:p16="http://schemas.microsoft.com/office/powerpoint/2015/main" val="1"/>
+              </p:ext>
+            </p:extLst>
+          </p:nvPr>
+        </p:nvSpPr>
+        <p:spPr>
+          <a:xfrm>
+            <a:off x="-5" y="-22690"/>
+            <a:ext cx="8542485" cy="4374126"/>
+          </a:xfrm>
+          <a:prstGeom prst="rect">
+            <a:avLst/>
+          </a:prstGeom>
+          <a:gradFill>
+            <a:gsLst>
+              <a:gs pos="0">
+                <a:schemeClr val="accent1">
+                  <a:lumMod val="50000"/>
+                  <a:alpha val="0"/>
+                </a:schemeClr>
+              </a:gs>
+              <a:gs pos="100000">
+                <a:srgbClr val="000000">
+                  <a:alpha val="25000"/>
+                </a:srgbClr>
+              </a:gs>
+            </a:gsLst>
+            <a:lin ang="18600000" scaled="0"/>
+          </a:gradFill>
+          <a:ln>
+            <a:noFill/>
+          </a:ln>
+        </p:spPr>
+        <p:style>
+          <a:lnRef idx="2">
+            <a:schemeClr val="accent1">
+              <a:shade val="50000"/>
+            </a:schemeClr>
+          </a:lnRef>
+          <a:fillRef idx="1">
+            <a:schemeClr val="accent1"/>
+          </a:fillRef>
+          <a:effectRef idx="0">
+            <a:schemeClr val="accent1"/>
+          </a:effectRef>
+          <a:fontRef idx="minor">
+            <a:schemeClr val="lt1"/>
+          </a:fontRef>
+        </p:style>
+        <p:txBody>
+          <a:bodyPr rtlCol="0" anchor="ctr"/>
+          <a:lstStyle/>
+          <a:p>
+            <a:pPr algn="ctr"/>
+            <a:endParaRPr lang="en-US"/>
+          </a:p>
+        </p:txBody>
+      </p:sp>
+      <p:sp>
+        <p:nvSpPr>
+          <p:cNvPr id="17" name="Freeform: Shape 16">
+            <a:extLst>
+              <a:ext uri="{FF2B5EF4-FFF2-40B4-BE49-F238E27FC236}">
+                <a16:creationId xmlns:a16="http://schemas.microsoft.com/office/drawing/2014/main" id="{C29501E6-A978-4A61-9689-9085AF97A53A}"/>
+              </a:ext>
+              <a:ext uri="{C183D7F6-B498-43B3-948B-1728B52AA6E4}">
+                <adec:decorative xmlns:adec="http://schemas.microsoft.com/office/drawing/2017/decorative" val="1"/>
+              </a:ext>
+            </a:extLst>
+          </p:cNvPr>
+          <p:cNvSpPr>
+            <a:spLocks noGrp="1" noRot="1" noChangeAspect="1" noMove="1" noResize="1" noEditPoints="1" noAdjustHandles="1" noChangeArrowheads="1" noChangeShapeType="1" noTextEdit="1"/>
+          </p:cNvSpPr>
+          <p:nvPr>
+            <p:extLst>
+              <p:ext uri="{386F3935-93C4-4BCD-93E2-E3B085C9AB24}">
+                <p16:designElem xmlns:p16="http://schemas.microsoft.com/office/powerpoint/2015/main" val="1"/>
+              </p:ext>
+            </p:extLst>
+          </p:nvPr>
+        </p:nvSpPr>
+        <p:spPr>
+          <a:xfrm rot="12508972">
+            <a:off x="5945431" y="-1032053"/>
+            <a:ext cx="4990147" cy="4439131"/>
+          </a:xfrm>
+          <a:custGeom>
+            <a:avLst/>
+            <a:gdLst>
+              <a:gd name="connsiteX0" fmla="*/ 4990147 w 4990147"/>
+              <a:gd name="connsiteY0" fmla="*/ 2229378 h 4439131"/>
+              <a:gd name="connsiteX1" fmla="*/ 917384 w 4990147"/>
+              <a:gd name="connsiteY1" fmla="*/ 4439131 h 4439131"/>
+              <a:gd name="connsiteX2" fmla="*/ 910814 w 4990147"/>
+              <a:gd name="connsiteY2" fmla="*/ 4434219 h 4439131"/>
+              <a:gd name="connsiteX3" fmla="*/ 0 w 4990147"/>
+              <a:gd name="connsiteY3" fmla="*/ 2502877 h 4439131"/>
+              <a:gd name="connsiteX4" fmla="*/ 2502877 w 4990147"/>
+              <a:gd name="connsiteY4" fmla="*/ 0 h 4439131"/>
+              <a:gd name="connsiteX5" fmla="*/ 4954904 w 4990147"/>
+              <a:gd name="connsiteY5" fmla="*/ 1998460 h 4439131"/>
+            </a:gdLst>
+            <a:ahLst/>
+            <a:cxnLst>
+              <a:cxn ang="0">
+                <a:pos x="connsiteX0" y="connsiteY0"/>
+              </a:cxn>
+              <a:cxn ang="0">
+                <a:pos x="connsiteX1" y="connsiteY1"/>
+              </a:cxn>
+              <a:cxn ang="0">
+                <a:pos x="connsiteX2" y="connsiteY2"/>
+              </a:cxn>
+              <a:cxn ang="0">
+                <a:pos x="connsiteX3" y="connsiteY3"/>
+              </a:cxn>
+              <a:cxn ang="0">
+                <a:pos x="connsiteX4" y="connsiteY4"/>
+              </a:cxn>
+              <a:cxn ang="0">
+                <a:pos x="connsiteX5" y="connsiteY5"/>
+              </a:cxn>
+            </a:cxnLst>
+            <a:rect l="l" t="t" r="r" b="b"/>
+            <a:pathLst>
+              <a:path w="4990147" h="4439131">
+                <a:moveTo>
+                  <a:pt x="4990147" y="2229378"/>
+                </a:moveTo>
+                <a:lnTo>
+                  <a:pt x="917384" y="4439131"/>
+                </a:lnTo>
+                <a:lnTo>
+                  <a:pt x="910814" y="4434219"/>
+                </a:lnTo>
+                <a:cubicBezTo>
+                  <a:pt x="354557" y="3975154"/>
+                  <a:pt x="0" y="3280421"/>
+                  <a:pt x="0" y="2502877"/>
+                </a:cubicBezTo>
+                <a:cubicBezTo>
+                  <a:pt x="0" y="1120576"/>
+                  <a:pt x="1120576" y="0"/>
+                  <a:pt x="2502877" y="0"/>
+                </a:cubicBezTo>
+                <a:cubicBezTo>
+                  <a:pt x="3712390" y="0"/>
+                  <a:pt x="4721520" y="857941"/>
+                  <a:pt x="4954904" y="1998460"/>
+                </a:cubicBezTo>
+                <a:close/>
+              </a:path>
+            </a:pathLst>
+          </a:custGeom>
+          <a:gradFill>
+            <a:gsLst>
+              <a:gs pos="0">
+                <a:schemeClr val="accent1">
+                  <a:alpha val="22000"/>
+                </a:schemeClr>
+              </a:gs>
+              <a:gs pos="87000">
+                <a:schemeClr val="accent1">
+                  <a:lumMod val="60000"/>
+                  <a:lumOff val="40000"/>
+                  <a:alpha val="2000"/>
+                </a:schemeClr>
+              </a:gs>
+            </a:gsLst>
+            <a:lin ang="8400000" scaled="0"/>
+          </a:gradFill>
+          <a:ln>
+            <a:noFill/>
+          </a:ln>
+        </p:spPr>
+        <p:style>
+          <a:lnRef idx="2">
+            <a:schemeClr val="accent1">
+              <a:shade val="50000"/>
+            </a:schemeClr>
+          </a:lnRef>
+          <a:fillRef idx="1">
+            <a:schemeClr val="accent1"/>
+          </a:fillRef>
+          <a:effectRef idx="0">
+            <a:schemeClr val="accent1"/>
+          </a:effectRef>
+          <a:fontRef idx="minor">
+            <a:schemeClr val="lt1"/>
+          </a:fontRef>
+        </p:style>
+        <p:txBody>
+          <a:bodyPr wrap="square" rtlCol="0" anchor="ctr">
+            <a:noAutofit/>
+          </a:bodyPr>
+          <a:lstStyle/>
+          <a:p>
+            <a:pPr algn="ctr"/>
+            <a:endParaRPr lang="en-US" dirty="0"/>
+          </a:p>
+        </p:txBody>
+      </p:sp>
+      <p:sp>
+        <p:nvSpPr>
+          <p:cNvPr id="2" name="Title 1">
+            <a:extLst>
+              <a:ext uri="{FF2B5EF4-FFF2-40B4-BE49-F238E27FC236}">
                 <a16:creationId xmlns:a16="http://schemas.microsoft.com/office/drawing/2014/main" id="{41B90DAF-C27C-CBA9-1CFF-50515448E082}"/>
               </a:ext>
             </a:extLst>
@@ -5048,13 +10585,25 @@
             <p:ph type="ctrTitle"/>
           </p:nvPr>
         </p:nvSpPr>
-        <p:spPr/>
-        <p:txBody>
-          <a:bodyPr/>
+        <p:spPr>
+          <a:xfrm>
+            <a:off x="1314824" y="735106"/>
+            <a:ext cx="10053763" cy="2928470"/>
+          </a:xfrm>
+        </p:spPr>
+        <p:txBody>
+          <a:bodyPr anchor="b">
+            <a:normAutofit/>
+          </a:bodyPr>
           <a:lstStyle/>
           <a:p>
+            <a:pPr algn="l"/>
             <a:r>
-              <a:rPr lang="en-US" dirty="0"/>
+              <a:rPr lang="en-US" sz="4800">
+                <a:solidFill>
+                  <a:srgbClr val="FFFFFF"/>
+                </a:solidFill>
+              </a:rPr>
               <a:t>Thank You</a:t>
             </a:r>
           </a:p>
@@ -5070,6 +10619,98 @@
   <p:clrMapOvr>
     <a:masterClrMapping/>
   </p:clrMapOvr>
+  <p:timing>
+    <p:tnLst>
+      <p:par>
+        <p:cTn id="1" dur="indefinite" restart="never" nodeType="tmRoot">
+          <p:childTnLst>
+            <p:seq concurrent="1" nextAc="seek">
+              <p:cTn id="2" dur="indefinite" nodeType="mainSeq">
+                <p:childTnLst>
+                  <p:par>
+                    <p:cTn id="3" fill="hold">
+                      <p:stCondLst>
+                        <p:cond delay="indefinite"/>
+                        <p:cond evt="onBegin" delay="0">
+                          <p:tn val="2"/>
+                        </p:cond>
+                      </p:stCondLst>
+                      <p:childTnLst>
+                        <p:par>
+                          <p:cTn id="4" fill="hold">
+                            <p:stCondLst>
+                              <p:cond delay="0"/>
+                            </p:stCondLst>
+                            <p:childTnLst>
+                              <p:par>
+                                <p:cTn id="5" presetID="10" presetClass="entr" presetSubtype="0" fill="hold" grpId="0" nodeType="withEffect">
+                                  <p:stCondLst>
+                                    <p:cond delay="500"/>
+                                  </p:stCondLst>
+                                  <p:iterate>
+                                    <p:tmPct val="10000"/>
+                                  </p:iterate>
+                                  <p:childTnLst>
+                                    <p:set>
+                                      <p:cBhvr>
+                                        <p:cTn id="6" dur="1" fill="hold">
+                                          <p:stCondLst>
+                                            <p:cond delay="0"/>
+                                          </p:stCondLst>
+                                        </p:cTn>
+                                        <p:tgtEl>
+                                          <p:spTgt spid="2"/>
+                                        </p:tgtEl>
+                                        <p:attrNameLst>
+                                          <p:attrName>style.visibility</p:attrName>
+                                        </p:attrNameLst>
+                                      </p:cBhvr>
+                                      <p:to>
+                                        <p:strVal val="visible"/>
+                                      </p:to>
+                                    </p:set>
+                                    <p:animEffect transition="in" filter="fade">
+                                      <p:cBhvr>
+                                        <p:cTn id="7" dur="700"/>
+                                        <p:tgtEl>
+                                          <p:spTgt spid="2"/>
+                                        </p:tgtEl>
+                                      </p:cBhvr>
+                                    </p:animEffect>
+                                  </p:childTnLst>
+                                </p:cTn>
+                              </p:par>
+                            </p:childTnLst>
+                          </p:cTn>
+                        </p:par>
+                      </p:childTnLst>
+                    </p:cTn>
+                  </p:par>
+                </p:childTnLst>
+              </p:cTn>
+              <p:prevCondLst>
+                <p:cond evt="onPrev" delay="0">
+                  <p:tgtEl>
+                    <p:sldTgt/>
+                  </p:tgtEl>
+                </p:cond>
+              </p:prevCondLst>
+              <p:nextCondLst>
+                <p:cond evt="onNext" delay="0">
+                  <p:tgtEl>
+                    <p:sldTgt/>
+                  </p:tgtEl>
+                </p:cond>
+              </p:nextCondLst>
+            </p:seq>
+          </p:childTnLst>
+        </p:cTn>
+      </p:par>
+    </p:tnLst>
+    <p:bldLst>
+      <p:bldP spid="2" grpId="0"/>
+    </p:bldLst>
+  </p:timing>
 </p:sld>
 </file>
 
